--- a/StudyReport/자료구조2.pptx
+++ b/StudyReport/자료구조2.pptx
@@ -55,6 +55,14 @@
     <p:sldId id="303" r:id="rId49"/>
     <p:sldId id="304" r:id="rId50"/>
     <p:sldId id="305" r:id="rId51"/>
+    <p:sldId id="306" r:id="rId52"/>
+    <p:sldId id="307" r:id="rId53"/>
+    <p:sldId id="308" r:id="rId54"/>
+    <p:sldId id="309" r:id="rId55"/>
+    <p:sldId id="310" r:id="rId56"/>
+    <p:sldId id="311" r:id="rId57"/>
+    <p:sldId id="312" r:id="rId58"/>
+    <p:sldId id="313" r:id="rId59"/>
   </p:sldIdLst>
   <p:sldSz cx="9144000" cy="6858000" type="screen4x3"/>
   <p:notesSz cx="6858000" cy="9144000"/>
@@ -5974,7 +5982,6 @@
               <a:rPr lang="ko-KR" altLang="en-US" sz="1400" dirty="0"/>
               <a:t>뒤</a:t>
             </a:r>
-            <a:endParaRPr lang="ko-KR" altLang="en-US" sz="1400" dirty="0"/>
           </a:p>
         </p:txBody>
       </p:sp>
@@ -22074,8 +22081,8 @@
           </a:p>
         </p:txBody>
       </p:sp>
-      <mc:AlternateContent xmlns:mc="http://schemas.openxmlformats.org/markup-compatibility/2006">
-        <mc:Choice xmlns:a14="http://schemas.microsoft.com/office/drawing/2010/main" Requires="a14">
+      <mc:AlternateContent xmlns:mc="http://schemas.openxmlformats.org/markup-compatibility/2006" xmlns:a14="http://schemas.microsoft.com/office/drawing/2010/main">
+        <mc:Choice Requires="a14">
           <p:sp>
             <p:nvSpPr>
               <p:cNvPr id="10" name="TextBox 9"/>
@@ -22098,6 +22105,7 @@
               </a:bodyPr>
               <a:lstStyle/>
               <a:p>
+                <a:pPr/>
                 <a14:m>
                   <m:oMathPara xmlns:m="http://schemas.openxmlformats.org/officeDocument/2006/math">
                     <m:oMathParaPr>
@@ -22167,7 +22175,7 @@
             </p:txBody>
           </p:sp>
         </mc:Choice>
-        <mc:Fallback>
+        <mc:Fallback xmlns="">
           <p:sp>
             <p:nvSpPr>
               <p:cNvPr id="10" name="TextBox 9"/>
@@ -22274,8 +22282,8 @@
           </a:p>
         </p:txBody>
       </p:sp>
-      <mc:AlternateContent xmlns:mc="http://schemas.openxmlformats.org/markup-compatibility/2006">
-        <mc:Choice xmlns:a14="http://schemas.microsoft.com/office/drawing/2010/main" Requires="a14">
+      <mc:AlternateContent xmlns:mc="http://schemas.openxmlformats.org/markup-compatibility/2006" xmlns:a14="http://schemas.microsoft.com/office/drawing/2010/main">
+        <mc:Choice Requires="a14">
           <p:sp>
             <p:nvSpPr>
               <p:cNvPr id="13" name="TextBox 12"/>
@@ -22298,6 +22306,7 @@
               </a:bodyPr>
               <a:lstStyle/>
               <a:p>
+                <a:pPr/>
                 <a14:m>
                   <m:oMathPara xmlns:m="http://schemas.openxmlformats.org/officeDocument/2006/math">
                     <m:oMathParaPr>
@@ -22372,7 +22381,7 @@
             </p:txBody>
           </p:sp>
         </mc:Choice>
-        <mc:Fallback>
+        <mc:Fallback xmlns="">
           <p:sp>
             <p:nvSpPr>
               <p:cNvPr id="13" name="TextBox 12"/>
@@ -22471,8 +22480,8 @@
           </a:p>
         </p:txBody>
       </p:sp>
-      <mc:AlternateContent xmlns:mc="http://schemas.openxmlformats.org/markup-compatibility/2006">
-        <mc:Choice xmlns:a14="http://schemas.microsoft.com/office/drawing/2010/main" Requires="a14">
+      <mc:AlternateContent xmlns:mc="http://schemas.openxmlformats.org/markup-compatibility/2006" xmlns:a14="http://schemas.microsoft.com/office/drawing/2010/main">
+        <mc:Choice Requires="a14">
           <p:sp>
             <p:nvSpPr>
               <p:cNvPr id="18" name="TextBox 17"/>
@@ -22495,6 +22504,7 @@
               </a:bodyPr>
               <a:lstStyle/>
               <a:p>
+                <a:pPr/>
                 <a14:m>
                   <m:oMathPara xmlns:m="http://schemas.openxmlformats.org/officeDocument/2006/math">
                     <m:oMathParaPr>
@@ -22552,7 +22562,7 @@
             </p:txBody>
           </p:sp>
         </mc:Choice>
-        <mc:Fallback>
+        <mc:Fallback xmlns="">
           <p:sp>
             <p:nvSpPr>
               <p:cNvPr id="18" name="TextBox 17"/>
@@ -22591,8 +22601,8 @@
           </p:sp>
         </mc:Fallback>
       </mc:AlternateContent>
-      <mc:AlternateContent xmlns:mc="http://schemas.openxmlformats.org/markup-compatibility/2006">
-        <mc:Choice xmlns:a14="http://schemas.microsoft.com/office/drawing/2010/main" Requires="a14">
+      <mc:AlternateContent xmlns:mc="http://schemas.openxmlformats.org/markup-compatibility/2006" xmlns:a14="http://schemas.microsoft.com/office/drawing/2010/main">
+        <mc:Choice Requires="a14">
           <p:sp>
             <p:nvSpPr>
               <p:cNvPr id="15" name="TextBox 14"/>
@@ -22615,6 +22625,7 @@
               </a:bodyPr>
               <a:lstStyle/>
               <a:p>
+                <a:pPr/>
                 <a14:m>
                   <m:oMathPara xmlns:m="http://schemas.openxmlformats.org/officeDocument/2006/math">
                     <m:oMathParaPr>
@@ -22654,7 +22665,7 @@
             </p:txBody>
           </p:sp>
         </mc:Choice>
-        <mc:Fallback>
+        <mc:Fallback xmlns="">
           <p:sp>
             <p:nvSpPr>
               <p:cNvPr id="15" name="TextBox 14"/>
@@ -22775,8 +22786,8 @@
             </a:p>
           </p:txBody>
         </p:sp>
-        <mc:AlternateContent xmlns:mc="http://schemas.openxmlformats.org/markup-compatibility/2006">
-          <mc:Choice xmlns:a14="http://schemas.microsoft.com/office/drawing/2010/main" Requires="a14">
+        <mc:AlternateContent xmlns:mc="http://schemas.openxmlformats.org/markup-compatibility/2006" xmlns:a14="http://schemas.microsoft.com/office/drawing/2010/main">
+          <mc:Choice Requires="a14">
             <p:sp>
               <p:nvSpPr>
                 <p:cNvPr id="21" name="TextBox 20"/>
@@ -22799,6 +22810,7 @@
                 </a:bodyPr>
                 <a:lstStyle/>
                 <a:p>
+                  <a:pPr/>
                   <a14:m>
                     <m:oMathPara xmlns:m="http://schemas.openxmlformats.org/officeDocument/2006/math">
                       <m:oMathParaPr>
@@ -22838,7 +22850,7 @@
               </p:txBody>
             </p:sp>
           </mc:Choice>
-          <mc:Fallback>
+          <mc:Fallback xmlns="">
             <p:sp>
               <p:nvSpPr>
                 <p:cNvPr id="21" name="TextBox 20"/>
@@ -33172,15 +33184,7 @@
                     <a:srgbClr val="FF0000"/>
                   </a:solidFill>
                 </a:rPr>
-                <a:t>high</a:t>
-              </a:r>
-              <a:r>
-                <a:rPr lang="en-US" altLang="ko-KR" dirty="0" smtClean="0">
-                  <a:solidFill>
-                    <a:srgbClr val="FF0000"/>
-                  </a:solidFill>
-                </a:rPr>
-                <a:t>1</a:t>
+                <a:t>high1</a:t>
               </a:r>
               <a:endParaRPr lang="ko-KR" altLang="en-US" dirty="0">
                 <a:solidFill>
@@ -39635,15 +39639,7 @@
                     <a:srgbClr val="FF0000"/>
                   </a:solidFill>
                 </a:rPr>
-                <a:t>high</a:t>
-              </a:r>
-              <a:r>
-                <a:rPr lang="en-US" altLang="ko-KR" dirty="0" smtClean="0">
-                  <a:solidFill>
-                    <a:srgbClr val="FF0000"/>
-                  </a:solidFill>
-                </a:rPr>
-                <a:t>1</a:t>
+                <a:t>high1</a:t>
               </a:r>
               <a:endParaRPr lang="ko-KR" altLang="en-US" dirty="0">
                 <a:solidFill>
@@ -45469,8 +45465,8 @@
           </a:p>
         </p:txBody>
       </p:sp>
-      <mc:AlternateContent xmlns:mc="http://schemas.openxmlformats.org/markup-compatibility/2006">
-        <mc:Choice xmlns:a14="http://schemas.microsoft.com/office/drawing/2010/main" Requires="a14">
+      <mc:AlternateContent xmlns:mc="http://schemas.openxmlformats.org/markup-compatibility/2006" xmlns:a14="http://schemas.microsoft.com/office/drawing/2010/main">
+        <mc:Choice Requires="a14">
           <p:sp>
             <p:nvSpPr>
               <p:cNvPr id="6" name="TextBox 5"/>
@@ -45574,7 +45570,7 @@
             </p:txBody>
           </p:sp>
         </mc:Choice>
-        <mc:Fallback>
+        <mc:Fallback xmlns="">
           <p:sp>
             <p:nvSpPr>
               <p:cNvPr id="6" name="TextBox 5"/>
@@ -45613,8 +45609,8 @@
           </p:sp>
         </mc:Fallback>
       </mc:AlternateContent>
-      <mc:AlternateContent xmlns:mc="http://schemas.openxmlformats.org/markup-compatibility/2006">
-        <mc:Choice xmlns:a14="http://schemas.microsoft.com/office/drawing/2010/main" Requires="a14">
+      <mc:AlternateContent xmlns:mc="http://schemas.openxmlformats.org/markup-compatibility/2006" xmlns:a14="http://schemas.microsoft.com/office/drawing/2010/main">
+        <mc:Choice Requires="a14">
           <p:sp>
             <p:nvSpPr>
               <p:cNvPr id="8" name="TextBox 7"/>
@@ -45637,6 +45633,7 @@
               </a:bodyPr>
               <a:lstStyle/>
               <a:p>
+                <a:pPr/>
                 <a14:m>
                   <m:oMathPara xmlns:m="http://schemas.openxmlformats.org/officeDocument/2006/math">
                     <m:oMathParaPr>
@@ -45710,7 +45707,7 @@
             </p:txBody>
           </p:sp>
         </mc:Choice>
-        <mc:Fallback>
+        <mc:Fallback xmlns="">
           <p:sp>
             <p:nvSpPr>
               <p:cNvPr id="8" name="TextBox 7"/>
@@ -45789,8 +45786,8 @@
           </a:p>
         </p:txBody>
       </p:sp>
-      <mc:AlternateContent xmlns:mc="http://schemas.openxmlformats.org/markup-compatibility/2006">
-        <mc:Choice xmlns:a14="http://schemas.microsoft.com/office/drawing/2010/main" Requires="a14">
+      <mc:AlternateContent xmlns:mc="http://schemas.openxmlformats.org/markup-compatibility/2006" xmlns:a14="http://schemas.microsoft.com/office/drawing/2010/main">
+        <mc:Choice Requires="a14">
           <p:sp>
             <p:nvSpPr>
               <p:cNvPr id="20" name="TextBox 19"/>
@@ -45877,7 +45874,7 @@
             </p:txBody>
           </p:sp>
         </mc:Choice>
-        <mc:Fallback>
+        <mc:Fallback xmlns="">
           <p:sp>
             <p:nvSpPr>
               <p:cNvPr id="20" name="TextBox 19"/>
@@ -45916,8 +45913,8 @@
           </p:sp>
         </mc:Fallback>
       </mc:AlternateContent>
-      <mc:AlternateContent xmlns:mc="http://schemas.openxmlformats.org/markup-compatibility/2006">
-        <mc:Choice xmlns:a14="http://schemas.microsoft.com/office/drawing/2010/main" Requires="a14">
+      <mc:AlternateContent xmlns:mc="http://schemas.openxmlformats.org/markup-compatibility/2006" xmlns:a14="http://schemas.microsoft.com/office/drawing/2010/main">
+        <mc:Choice Requires="a14">
           <p:sp>
             <p:nvSpPr>
               <p:cNvPr id="53" name="TextBox 52"/>
@@ -46040,7 +46037,7 @@
             </p:txBody>
           </p:sp>
         </mc:Choice>
-        <mc:Fallback>
+        <mc:Fallback xmlns="">
           <p:sp>
             <p:nvSpPr>
               <p:cNvPr id="53" name="TextBox 52"/>
@@ -46083,6 +46080,9166 @@
     <p:extLst>
       <p:ext uri="{BB962C8B-B14F-4D97-AF65-F5344CB8AC3E}">
         <p14:creationId xmlns:p14="http://schemas.microsoft.com/office/powerpoint/2010/main" val="1989388839"/>
+      </p:ext>
+    </p:extLst>
+  </p:cSld>
+  <p:clrMapOvr>
+    <a:masterClrMapping/>
+  </p:clrMapOvr>
+</p:sld>
+</file>
+
+<file path=ppt/slides/slide51.xml><?xml version="1.0" encoding="utf-8"?>
+<p:sld xmlns:a="http://schemas.openxmlformats.org/drawingml/2006/main" xmlns:r="http://schemas.openxmlformats.org/officeDocument/2006/relationships" xmlns:p="http://schemas.openxmlformats.org/presentationml/2006/main">
+  <p:cSld>
+    <p:spTree>
+      <p:nvGrpSpPr>
+        <p:cNvPr id="1" name=""/>
+        <p:cNvGrpSpPr/>
+        <p:nvPr/>
+      </p:nvGrpSpPr>
+      <p:grpSpPr>
+        <a:xfrm>
+          <a:off x="0" y="0"/>
+          <a:ext cx="0" cy="0"/>
+          <a:chOff x="0" y="0"/>
+          <a:chExt cx="0" cy="0"/>
+        </a:xfrm>
+      </p:grpSpPr>
+      <p:sp>
+        <p:nvSpPr>
+          <p:cNvPr id="7" name="TextBox 6"/>
+          <p:cNvSpPr txBox="1"/>
+          <p:nvPr/>
+        </p:nvSpPr>
+        <p:spPr>
+          <a:xfrm>
+            <a:off x="395536" y="404664"/>
+            <a:ext cx="1689886" cy="646331"/>
+          </a:xfrm>
+          <a:prstGeom prst="rect">
+            <a:avLst/>
+          </a:prstGeom>
+          <a:noFill/>
+        </p:spPr>
+        <p:txBody>
+          <a:bodyPr wrap="none" rtlCol="0">
+            <a:spAutoFit/>
+          </a:bodyPr>
+          <a:lstStyle/>
+          <a:p>
+            <a:r>
+              <a:rPr lang="ko-KR" altLang="en-US" dirty="0" smtClean="0"/>
+              <a:t>정렬 알고리즘</a:t>
+            </a:r>
+            <a:endParaRPr lang="en-US" altLang="ko-KR" dirty="0" smtClean="0"/>
+          </a:p>
+          <a:p>
+            <a:r>
+              <a:rPr lang="en-US" altLang="ko-KR" dirty="0" smtClean="0"/>
+              <a:t>  : </a:t>
+            </a:r>
+            <a:r>
+              <a:rPr lang="en-US" altLang="ko-KR" dirty="0" smtClean="0"/>
+              <a:t>Quicksort</a:t>
+            </a:r>
+            <a:endParaRPr lang="ko-KR" altLang="en-US" dirty="0"/>
+          </a:p>
+        </p:txBody>
+      </p:sp>
+      <p:sp>
+        <p:nvSpPr>
+          <p:cNvPr id="9" name="직사각형 8"/>
+          <p:cNvSpPr/>
+          <p:nvPr/>
+        </p:nvSpPr>
+        <p:spPr>
+          <a:xfrm>
+            <a:off x="1538309" y="4180839"/>
+            <a:ext cx="504056" cy="432048"/>
+          </a:xfrm>
+          <a:prstGeom prst="rect">
+            <a:avLst/>
+          </a:prstGeom>
+          <a:solidFill>
+            <a:schemeClr val="accent2">
+              <a:lumMod val="60000"/>
+              <a:lumOff val="40000"/>
+            </a:schemeClr>
+          </a:solidFill>
+          <a:ln>
+            <a:solidFill>
+              <a:schemeClr val="accent5">
+                <a:lumMod val="75000"/>
+              </a:schemeClr>
+            </a:solidFill>
+          </a:ln>
+        </p:spPr>
+        <p:style>
+          <a:lnRef idx="2">
+            <a:schemeClr val="accent1">
+              <a:shade val="50000"/>
+            </a:schemeClr>
+          </a:lnRef>
+          <a:fillRef idx="1">
+            <a:schemeClr val="accent1"/>
+          </a:fillRef>
+          <a:effectRef idx="0">
+            <a:schemeClr val="accent1"/>
+          </a:effectRef>
+          <a:fontRef idx="minor">
+            <a:schemeClr val="lt1"/>
+          </a:fontRef>
+        </p:style>
+        <p:txBody>
+          <a:bodyPr rtlCol="0" anchor="ctr"/>
+          <a:lstStyle/>
+          <a:p>
+            <a:pPr algn="ctr"/>
+            <a:r>
+              <a:rPr lang="en-US" altLang="ko-KR" dirty="0"/>
+              <a:t>5</a:t>
+            </a:r>
+            <a:endParaRPr lang="ko-KR" altLang="en-US" dirty="0"/>
+          </a:p>
+        </p:txBody>
+      </p:sp>
+      <p:sp>
+        <p:nvSpPr>
+          <p:cNvPr id="10" name="직사각형 9"/>
+          <p:cNvSpPr/>
+          <p:nvPr/>
+        </p:nvSpPr>
+        <p:spPr>
+          <a:xfrm>
+            <a:off x="2111242" y="4180839"/>
+            <a:ext cx="504056" cy="432048"/>
+          </a:xfrm>
+          <a:prstGeom prst="rect">
+            <a:avLst/>
+          </a:prstGeom>
+          <a:solidFill>
+            <a:schemeClr val="accent2">
+              <a:lumMod val="60000"/>
+              <a:lumOff val="40000"/>
+            </a:schemeClr>
+          </a:solidFill>
+          <a:ln>
+            <a:solidFill>
+              <a:schemeClr val="accent5">
+                <a:lumMod val="75000"/>
+              </a:schemeClr>
+            </a:solidFill>
+          </a:ln>
+        </p:spPr>
+        <p:style>
+          <a:lnRef idx="2">
+            <a:schemeClr val="accent1">
+              <a:shade val="50000"/>
+            </a:schemeClr>
+          </a:lnRef>
+          <a:fillRef idx="1">
+            <a:schemeClr val="accent1"/>
+          </a:fillRef>
+          <a:effectRef idx="0">
+            <a:schemeClr val="accent1"/>
+          </a:effectRef>
+          <a:fontRef idx="minor">
+            <a:schemeClr val="lt1"/>
+          </a:fontRef>
+        </p:style>
+        <p:txBody>
+          <a:bodyPr rtlCol="0" anchor="ctr"/>
+          <a:lstStyle/>
+          <a:p>
+            <a:pPr algn="ctr"/>
+            <a:r>
+              <a:rPr lang="en-US" altLang="ko-KR" dirty="0"/>
+              <a:t>2</a:t>
+            </a:r>
+            <a:endParaRPr lang="ko-KR" altLang="en-US" dirty="0"/>
+          </a:p>
+        </p:txBody>
+      </p:sp>
+      <p:sp>
+        <p:nvSpPr>
+          <p:cNvPr id="11" name="직사각형 10"/>
+          <p:cNvSpPr/>
+          <p:nvPr/>
+        </p:nvSpPr>
+        <p:spPr>
+          <a:xfrm>
+            <a:off x="2676164" y="4180839"/>
+            <a:ext cx="504056" cy="432048"/>
+          </a:xfrm>
+          <a:prstGeom prst="rect">
+            <a:avLst/>
+          </a:prstGeom>
+          <a:solidFill>
+            <a:schemeClr val="accent2">
+              <a:lumMod val="60000"/>
+              <a:lumOff val="40000"/>
+            </a:schemeClr>
+          </a:solidFill>
+          <a:ln>
+            <a:solidFill>
+              <a:schemeClr val="accent5">
+                <a:lumMod val="75000"/>
+              </a:schemeClr>
+            </a:solidFill>
+          </a:ln>
+        </p:spPr>
+        <p:style>
+          <a:lnRef idx="2">
+            <a:schemeClr val="accent1">
+              <a:shade val="50000"/>
+            </a:schemeClr>
+          </a:lnRef>
+          <a:fillRef idx="1">
+            <a:schemeClr val="accent1"/>
+          </a:fillRef>
+          <a:effectRef idx="0">
+            <a:schemeClr val="accent1"/>
+          </a:effectRef>
+          <a:fontRef idx="minor">
+            <a:schemeClr val="lt1"/>
+          </a:fontRef>
+        </p:style>
+        <p:txBody>
+          <a:bodyPr rtlCol="0" anchor="ctr"/>
+          <a:lstStyle/>
+          <a:p>
+            <a:pPr algn="ctr"/>
+            <a:r>
+              <a:rPr lang="en-US" altLang="ko-KR" dirty="0"/>
+              <a:t>8</a:t>
+            </a:r>
+            <a:endParaRPr lang="ko-KR" altLang="en-US" dirty="0"/>
+          </a:p>
+        </p:txBody>
+      </p:sp>
+      <p:sp>
+        <p:nvSpPr>
+          <p:cNvPr id="12" name="직사각형 11"/>
+          <p:cNvSpPr/>
+          <p:nvPr/>
+        </p:nvSpPr>
+        <p:spPr>
+          <a:xfrm>
+            <a:off x="3254530" y="4180839"/>
+            <a:ext cx="504056" cy="432048"/>
+          </a:xfrm>
+          <a:prstGeom prst="rect">
+            <a:avLst/>
+          </a:prstGeom>
+          <a:solidFill>
+            <a:schemeClr val="accent2">
+              <a:lumMod val="60000"/>
+              <a:lumOff val="40000"/>
+            </a:schemeClr>
+          </a:solidFill>
+          <a:ln>
+            <a:solidFill>
+              <a:schemeClr val="accent5">
+                <a:lumMod val="75000"/>
+              </a:schemeClr>
+            </a:solidFill>
+          </a:ln>
+        </p:spPr>
+        <p:style>
+          <a:lnRef idx="2">
+            <a:schemeClr val="accent1">
+              <a:shade val="50000"/>
+            </a:schemeClr>
+          </a:lnRef>
+          <a:fillRef idx="1">
+            <a:schemeClr val="accent1"/>
+          </a:fillRef>
+          <a:effectRef idx="0">
+            <a:schemeClr val="accent1"/>
+          </a:effectRef>
+          <a:fontRef idx="minor">
+            <a:schemeClr val="lt1"/>
+          </a:fontRef>
+        </p:style>
+        <p:txBody>
+          <a:bodyPr rtlCol="0" anchor="ctr"/>
+          <a:lstStyle/>
+          <a:p>
+            <a:pPr algn="ctr"/>
+            <a:r>
+              <a:rPr lang="en-US" altLang="ko-KR" dirty="0" smtClean="0"/>
+              <a:t>7</a:t>
+            </a:r>
+            <a:endParaRPr lang="ko-KR" altLang="en-US" dirty="0"/>
+          </a:p>
+        </p:txBody>
+      </p:sp>
+      <p:sp>
+        <p:nvSpPr>
+          <p:cNvPr id="13" name="직사각형 12"/>
+          <p:cNvSpPr/>
+          <p:nvPr/>
+        </p:nvSpPr>
+        <p:spPr>
+          <a:xfrm>
+            <a:off x="3819236" y="4180839"/>
+            <a:ext cx="504056" cy="432048"/>
+          </a:xfrm>
+          <a:prstGeom prst="rect">
+            <a:avLst/>
+          </a:prstGeom>
+          <a:solidFill>
+            <a:schemeClr val="accent2">
+              <a:lumMod val="60000"/>
+              <a:lumOff val="40000"/>
+            </a:schemeClr>
+          </a:solidFill>
+          <a:ln>
+            <a:solidFill>
+              <a:schemeClr val="accent5">
+                <a:lumMod val="75000"/>
+              </a:schemeClr>
+            </a:solidFill>
+          </a:ln>
+        </p:spPr>
+        <p:style>
+          <a:lnRef idx="2">
+            <a:schemeClr val="accent1">
+              <a:shade val="50000"/>
+            </a:schemeClr>
+          </a:lnRef>
+          <a:fillRef idx="1">
+            <a:schemeClr val="accent1"/>
+          </a:fillRef>
+          <a:effectRef idx="0">
+            <a:schemeClr val="accent1"/>
+          </a:effectRef>
+          <a:fontRef idx="minor">
+            <a:schemeClr val="lt1"/>
+          </a:fontRef>
+        </p:style>
+        <p:txBody>
+          <a:bodyPr rtlCol="0" anchor="ctr"/>
+          <a:lstStyle/>
+          <a:p>
+            <a:pPr algn="ctr"/>
+            <a:r>
+              <a:rPr lang="en-US" altLang="ko-KR" dirty="0"/>
+              <a:t>3</a:t>
+            </a:r>
+            <a:endParaRPr lang="ko-KR" altLang="en-US" dirty="0"/>
+          </a:p>
+        </p:txBody>
+      </p:sp>
+      <p:sp>
+        <p:nvSpPr>
+          <p:cNvPr id="14" name="직사각형 13"/>
+          <p:cNvSpPr/>
+          <p:nvPr/>
+        </p:nvSpPr>
+        <p:spPr>
+          <a:xfrm>
+            <a:off x="4406658" y="4180839"/>
+            <a:ext cx="504056" cy="432048"/>
+          </a:xfrm>
+          <a:prstGeom prst="rect">
+            <a:avLst/>
+          </a:prstGeom>
+          <a:solidFill>
+            <a:schemeClr val="accent2">
+              <a:lumMod val="60000"/>
+              <a:lumOff val="40000"/>
+            </a:schemeClr>
+          </a:solidFill>
+          <a:ln>
+            <a:solidFill>
+              <a:schemeClr val="accent5">
+                <a:lumMod val="75000"/>
+              </a:schemeClr>
+            </a:solidFill>
+          </a:ln>
+        </p:spPr>
+        <p:style>
+          <a:lnRef idx="2">
+            <a:schemeClr val="accent1">
+              <a:shade val="50000"/>
+            </a:schemeClr>
+          </a:lnRef>
+          <a:fillRef idx="1">
+            <a:schemeClr val="accent1"/>
+          </a:fillRef>
+          <a:effectRef idx="0">
+            <a:schemeClr val="accent1"/>
+          </a:effectRef>
+          <a:fontRef idx="minor">
+            <a:schemeClr val="lt1"/>
+          </a:fontRef>
+        </p:style>
+        <p:txBody>
+          <a:bodyPr rtlCol="0" anchor="ctr"/>
+          <a:lstStyle/>
+          <a:p>
+            <a:pPr algn="ctr"/>
+            <a:r>
+              <a:rPr lang="en-US" altLang="ko-KR" dirty="0"/>
+              <a:t>6</a:t>
+            </a:r>
+            <a:endParaRPr lang="ko-KR" altLang="en-US" dirty="0"/>
+          </a:p>
+        </p:txBody>
+      </p:sp>
+      <p:sp>
+        <p:nvSpPr>
+          <p:cNvPr id="15" name="직사각형 14"/>
+          <p:cNvSpPr/>
+          <p:nvPr/>
+        </p:nvSpPr>
+        <p:spPr>
+          <a:xfrm>
+            <a:off x="4979591" y="4180839"/>
+            <a:ext cx="504056" cy="432048"/>
+          </a:xfrm>
+          <a:prstGeom prst="rect">
+            <a:avLst/>
+          </a:prstGeom>
+          <a:solidFill>
+            <a:schemeClr val="accent2">
+              <a:lumMod val="60000"/>
+              <a:lumOff val="40000"/>
+            </a:schemeClr>
+          </a:solidFill>
+          <a:ln>
+            <a:solidFill>
+              <a:schemeClr val="accent5">
+                <a:lumMod val="75000"/>
+              </a:schemeClr>
+            </a:solidFill>
+          </a:ln>
+        </p:spPr>
+        <p:style>
+          <a:lnRef idx="2">
+            <a:schemeClr val="accent1">
+              <a:shade val="50000"/>
+            </a:schemeClr>
+          </a:lnRef>
+          <a:fillRef idx="1">
+            <a:schemeClr val="accent1"/>
+          </a:fillRef>
+          <a:effectRef idx="0">
+            <a:schemeClr val="accent1"/>
+          </a:effectRef>
+          <a:fontRef idx="minor">
+            <a:schemeClr val="lt1"/>
+          </a:fontRef>
+        </p:style>
+        <p:txBody>
+          <a:bodyPr rtlCol="0" anchor="ctr"/>
+          <a:lstStyle/>
+          <a:p>
+            <a:pPr algn="ctr"/>
+            <a:r>
+              <a:rPr lang="en-US" altLang="ko-KR" dirty="0"/>
+              <a:t>3</a:t>
+            </a:r>
+            <a:endParaRPr lang="ko-KR" altLang="en-US" dirty="0"/>
+          </a:p>
+        </p:txBody>
+      </p:sp>
+      <p:sp>
+        <p:nvSpPr>
+          <p:cNvPr id="16" name="직사각형 15"/>
+          <p:cNvSpPr/>
+          <p:nvPr/>
+        </p:nvSpPr>
+        <p:spPr>
+          <a:xfrm>
+            <a:off x="5544513" y="4180839"/>
+            <a:ext cx="504056" cy="432048"/>
+          </a:xfrm>
+          <a:prstGeom prst="rect">
+            <a:avLst/>
+          </a:prstGeom>
+          <a:solidFill>
+            <a:schemeClr val="accent2">
+              <a:lumMod val="60000"/>
+              <a:lumOff val="40000"/>
+            </a:schemeClr>
+          </a:solidFill>
+          <a:ln>
+            <a:solidFill>
+              <a:schemeClr val="accent5">
+                <a:lumMod val="75000"/>
+              </a:schemeClr>
+            </a:solidFill>
+          </a:ln>
+        </p:spPr>
+        <p:style>
+          <a:lnRef idx="2">
+            <a:schemeClr val="accent1">
+              <a:shade val="50000"/>
+            </a:schemeClr>
+          </a:lnRef>
+          <a:fillRef idx="1">
+            <a:schemeClr val="accent1"/>
+          </a:fillRef>
+          <a:effectRef idx="0">
+            <a:schemeClr val="accent1"/>
+          </a:effectRef>
+          <a:fontRef idx="minor">
+            <a:schemeClr val="lt1"/>
+          </a:fontRef>
+        </p:style>
+        <p:txBody>
+          <a:bodyPr rtlCol="0" anchor="ctr"/>
+          <a:lstStyle/>
+          <a:p>
+            <a:pPr algn="ctr"/>
+            <a:r>
+              <a:rPr lang="en-US" altLang="ko-KR" dirty="0"/>
+              <a:t>7</a:t>
+            </a:r>
+            <a:endParaRPr lang="ko-KR" altLang="en-US" dirty="0"/>
+          </a:p>
+        </p:txBody>
+      </p:sp>
+      <p:sp>
+        <p:nvSpPr>
+          <p:cNvPr id="17" name="직사각형 16"/>
+          <p:cNvSpPr/>
+          <p:nvPr/>
+        </p:nvSpPr>
+        <p:spPr>
+          <a:xfrm>
+            <a:off x="6122879" y="4180839"/>
+            <a:ext cx="504056" cy="432048"/>
+          </a:xfrm>
+          <a:prstGeom prst="rect">
+            <a:avLst/>
+          </a:prstGeom>
+          <a:solidFill>
+            <a:schemeClr val="accent2">
+              <a:lumMod val="60000"/>
+              <a:lumOff val="40000"/>
+            </a:schemeClr>
+          </a:solidFill>
+          <a:ln>
+            <a:solidFill>
+              <a:schemeClr val="accent5">
+                <a:lumMod val="75000"/>
+              </a:schemeClr>
+            </a:solidFill>
+          </a:ln>
+        </p:spPr>
+        <p:style>
+          <a:lnRef idx="2">
+            <a:schemeClr val="accent1">
+              <a:shade val="50000"/>
+            </a:schemeClr>
+          </a:lnRef>
+          <a:fillRef idx="1">
+            <a:schemeClr val="accent1"/>
+          </a:fillRef>
+          <a:effectRef idx="0">
+            <a:schemeClr val="accent1"/>
+          </a:effectRef>
+          <a:fontRef idx="minor">
+            <a:schemeClr val="lt1"/>
+          </a:fontRef>
+        </p:style>
+        <p:txBody>
+          <a:bodyPr rtlCol="0" anchor="ctr"/>
+          <a:lstStyle/>
+          <a:p>
+            <a:pPr algn="ctr"/>
+            <a:r>
+              <a:rPr lang="en-US" altLang="ko-KR" dirty="0" smtClean="0"/>
+              <a:t>1</a:t>
+            </a:r>
+            <a:endParaRPr lang="ko-KR" altLang="en-US" dirty="0"/>
+          </a:p>
+        </p:txBody>
+      </p:sp>
+      <p:sp>
+        <p:nvSpPr>
+          <p:cNvPr id="18" name="직사각형 17"/>
+          <p:cNvSpPr/>
+          <p:nvPr/>
+        </p:nvSpPr>
+        <p:spPr>
+          <a:xfrm>
+            <a:off x="6687585" y="4180839"/>
+            <a:ext cx="504056" cy="432048"/>
+          </a:xfrm>
+          <a:prstGeom prst="rect">
+            <a:avLst/>
+          </a:prstGeom>
+          <a:solidFill>
+            <a:schemeClr val="accent2">
+              <a:lumMod val="60000"/>
+              <a:lumOff val="40000"/>
+            </a:schemeClr>
+          </a:solidFill>
+          <a:ln>
+            <a:solidFill>
+              <a:schemeClr val="accent5">
+                <a:lumMod val="75000"/>
+              </a:schemeClr>
+            </a:solidFill>
+          </a:ln>
+        </p:spPr>
+        <p:style>
+          <a:lnRef idx="2">
+            <a:schemeClr val="accent1">
+              <a:shade val="50000"/>
+            </a:schemeClr>
+          </a:lnRef>
+          <a:fillRef idx="1">
+            <a:schemeClr val="accent1"/>
+          </a:fillRef>
+          <a:effectRef idx="0">
+            <a:schemeClr val="accent1"/>
+          </a:effectRef>
+          <a:fontRef idx="minor">
+            <a:schemeClr val="lt1"/>
+          </a:fontRef>
+        </p:style>
+        <p:txBody>
+          <a:bodyPr rtlCol="0" anchor="ctr"/>
+          <a:lstStyle/>
+          <a:p>
+            <a:pPr algn="ctr"/>
+            <a:r>
+              <a:rPr lang="en-US" altLang="ko-KR" dirty="0"/>
+              <a:t>8</a:t>
+            </a:r>
+            <a:endParaRPr lang="ko-KR" altLang="en-US" dirty="0"/>
+          </a:p>
+        </p:txBody>
+      </p:sp>
+      <p:grpSp>
+        <p:nvGrpSpPr>
+          <p:cNvPr id="21" name="그룹 20"/>
+          <p:cNvGrpSpPr/>
+          <p:nvPr/>
+        </p:nvGrpSpPr>
+        <p:grpSpPr>
+          <a:xfrm>
+            <a:off x="1439920" y="3400722"/>
+            <a:ext cx="707373" cy="780117"/>
+            <a:chOff x="3032395" y="1838133"/>
+            <a:chExt cx="707373" cy="780117"/>
+          </a:xfrm>
+        </p:grpSpPr>
+        <p:sp>
+          <p:nvSpPr>
+            <p:cNvPr id="22" name="아래쪽 화살표 21"/>
+            <p:cNvSpPr/>
+            <p:nvPr/>
+          </p:nvSpPr>
+          <p:spPr>
+            <a:xfrm>
+              <a:off x="3240408" y="2186202"/>
+              <a:ext cx="301370" cy="432048"/>
+            </a:xfrm>
+            <a:prstGeom prst="downArrow">
+              <a:avLst/>
+            </a:prstGeom>
+            <a:solidFill>
+              <a:srgbClr val="FF0000"/>
+            </a:solidFill>
+            <a:ln>
+              <a:noFill/>
+            </a:ln>
+          </p:spPr>
+          <p:style>
+            <a:lnRef idx="2">
+              <a:schemeClr val="accent1">
+                <a:shade val="50000"/>
+              </a:schemeClr>
+            </a:lnRef>
+            <a:fillRef idx="1">
+              <a:schemeClr val="accent1"/>
+            </a:fillRef>
+            <a:effectRef idx="0">
+              <a:schemeClr val="accent1"/>
+            </a:effectRef>
+            <a:fontRef idx="minor">
+              <a:schemeClr val="lt1"/>
+            </a:fontRef>
+          </p:style>
+          <p:txBody>
+            <a:bodyPr rtlCol="0" anchor="ctr"/>
+            <a:lstStyle/>
+            <a:p>
+              <a:pPr algn="ctr"/>
+              <a:endParaRPr lang="ko-KR" altLang="en-US"/>
+            </a:p>
+          </p:txBody>
+        </p:sp>
+        <p:sp>
+          <p:nvSpPr>
+            <p:cNvPr id="23" name="TextBox 22"/>
+            <p:cNvSpPr txBox="1"/>
+            <p:nvPr/>
+          </p:nvSpPr>
+          <p:spPr>
+            <a:xfrm>
+              <a:off x="3032395" y="1838133"/>
+              <a:ext cx="707373" cy="369332"/>
+            </a:xfrm>
+            <a:prstGeom prst="rect">
+              <a:avLst/>
+            </a:prstGeom>
+            <a:noFill/>
+          </p:spPr>
+          <p:txBody>
+            <a:bodyPr wrap="none" rtlCol="0">
+              <a:spAutoFit/>
+            </a:bodyPr>
+            <a:lstStyle/>
+            <a:p>
+              <a:r>
+                <a:rPr lang="en-US" altLang="ko-KR" dirty="0" smtClean="0">
+                  <a:solidFill>
+                    <a:srgbClr val="FF0000"/>
+                  </a:solidFill>
+                </a:rPr>
+                <a:t>pivot</a:t>
+              </a:r>
+              <a:endParaRPr lang="ko-KR" altLang="en-US" dirty="0">
+                <a:solidFill>
+                  <a:srgbClr val="FF0000"/>
+                </a:solidFill>
+              </a:endParaRPr>
+            </a:p>
+          </p:txBody>
+        </p:sp>
+      </p:grpSp>
+      <p:grpSp>
+        <p:nvGrpSpPr>
+          <p:cNvPr id="24" name="그룹 23"/>
+          <p:cNvGrpSpPr/>
+          <p:nvPr/>
+        </p:nvGrpSpPr>
+        <p:grpSpPr>
+          <a:xfrm>
+            <a:off x="2088996" y="3400722"/>
+            <a:ext cx="548548" cy="780117"/>
+            <a:chOff x="3094142" y="1838133"/>
+            <a:chExt cx="548548" cy="780117"/>
+          </a:xfrm>
+        </p:grpSpPr>
+        <p:sp>
+          <p:nvSpPr>
+            <p:cNvPr id="25" name="아래쪽 화살표 24"/>
+            <p:cNvSpPr/>
+            <p:nvPr/>
+          </p:nvSpPr>
+          <p:spPr>
+            <a:xfrm>
+              <a:off x="3240408" y="2186202"/>
+              <a:ext cx="301370" cy="432048"/>
+            </a:xfrm>
+            <a:prstGeom prst="downArrow">
+              <a:avLst/>
+            </a:prstGeom>
+            <a:solidFill>
+              <a:srgbClr val="FF0000"/>
+            </a:solidFill>
+            <a:ln>
+              <a:noFill/>
+            </a:ln>
+          </p:spPr>
+          <p:style>
+            <a:lnRef idx="2">
+              <a:schemeClr val="accent1">
+                <a:shade val="50000"/>
+              </a:schemeClr>
+            </a:lnRef>
+            <a:fillRef idx="1">
+              <a:schemeClr val="accent1"/>
+            </a:fillRef>
+            <a:effectRef idx="0">
+              <a:schemeClr val="accent1"/>
+            </a:effectRef>
+            <a:fontRef idx="minor">
+              <a:schemeClr val="lt1"/>
+            </a:fontRef>
+          </p:style>
+          <p:txBody>
+            <a:bodyPr rtlCol="0" anchor="ctr"/>
+            <a:lstStyle/>
+            <a:p>
+              <a:pPr algn="ctr"/>
+              <a:endParaRPr lang="ko-KR" altLang="en-US"/>
+            </a:p>
+          </p:txBody>
+        </p:sp>
+        <p:sp>
+          <p:nvSpPr>
+            <p:cNvPr id="26" name="TextBox 25"/>
+            <p:cNvSpPr txBox="1"/>
+            <p:nvPr/>
+          </p:nvSpPr>
+          <p:spPr>
+            <a:xfrm>
+              <a:off x="3094142" y="1838133"/>
+              <a:ext cx="548548" cy="369332"/>
+            </a:xfrm>
+            <a:prstGeom prst="rect">
+              <a:avLst/>
+            </a:prstGeom>
+            <a:noFill/>
+          </p:spPr>
+          <p:txBody>
+            <a:bodyPr wrap="none" rtlCol="0">
+              <a:spAutoFit/>
+            </a:bodyPr>
+            <a:lstStyle/>
+            <a:p>
+              <a:r>
+                <a:rPr lang="en-US" altLang="ko-KR" dirty="0" smtClean="0">
+                  <a:solidFill>
+                    <a:srgbClr val="FF0000"/>
+                  </a:solidFill>
+                </a:rPr>
+                <a:t>low</a:t>
+              </a:r>
+              <a:endParaRPr lang="ko-KR" altLang="en-US" dirty="0">
+                <a:solidFill>
+                  <a:srgbClr val="FF0000"/>
+                </a:solidFill>
+              </a:endParaRPr>
+            </a:p>
+          </p:txBody>
+        </p:sp>
+      </p:grpSp>
+      <p:grpSp>
+        <p:nvGrpSpPr>
+          <p:cNvPr id="27" name="그룹 26"/>
+          <p:cNvGrpSpPr/>
+          <p:nvPr/>
+        </p:nvGrpSpPr>
+        <p:grpSpPr>
+          <a:xfrm>
+            <a:off x="6622247" y="3358732"/>
+            <a:ext cx="646331" cy="780117"/>
+            <a:chOff x="3094142" y="1838133"/>
+            <a:chExt cx="646331" cy="780117"/>
+          </a:xfrm>
+        </p:grpSpPr>
+        <p:sp>
+          <p:nvSpPr>
+            <p:cNvPr id="28" name="아래쪽 화살표 27"/>
+            <p:cNvSpPr/>
+            <p:nvPr/>
+          </p:nvSpPr>
+          <p:spPr>
+            <a:xfrm>
+              <a:off x="3240408" y="2186202"/>
+              <a:ext cx="301370" cy="432048"/>
+            </a:xfrm>
+            <a:prstGeom prst="downArrow">
+              <a:avLst/>
+            </a:prstGeom>
+            <a:solidFill>
+              <a:srgbClr val="FF0000"/>
+            </a:solidFill>
+            <a:ln>
+              <a:noFill/>
+            </a:ln>
+          </p:spPr>
+          <p:style>
+            <a:lnRef idx="2">
+              <a:schemeClr val="accent1">
+                <a:shade val="50000"/>
+              </a:schemeClr>
+            </a:lnRef>
+            <a:fillRef idx="1">
+              <a:schemeClr val="accent1"/>
+            </a:fillRef>
+            <a:effectRef idx="0">
+              <a:schemeClr val="accent1"/>
+            </a:effectRef>
+            <a:fontRef idx="minor">
+              <a:schemeClr val="lt1"/>
+            </a:fontRef>
+          </p:style>
+          <p:txBody>
+            <a:bodyPr rtlCol="0" anchor="ctr"/>
+            <a:lstStyle/>
+            <a:p>
+              <a:pPr algn="ctr"/>
+              <a:endParaRPr lang="ko-KR" altLang="en-US"/>
+            </a:p>
+          </p:txBody>
+        </p:sp>
+        <p:sp>
+          <p:nvSpPr>
+            <p:cNvPr id="29" name="TextBox 28"/>
+            <p:cNvSpPr txBox="1"/>
+            <p:nvPr/>
+          </p:nvSpPr>
+          <p:spPr>
+            <a:xfrm>
+              <a:off x="3094142" y="1838133"/>
+              <a:ext cx="646331" cy="369332"/>
+            </a:xfrm>
+            <a:prstGeom prst="rect">
+              <a:avLst/>
+            </a:prstGeom>
+            <a:noFill/>
+          </p:spPr>
+          <p:txBody>
+            <a:bodyPr wrap="none" rtlCol="0">
+              <a:spAutoFit/>
+            </a:bodyPr>
+            <a:lstStyle/>
+            <a:p>
+              <a:r>
+                <a:rPr lang="en-US" altLang="ko-KR" dirty="0" smtClean="0">
+                  <a:solidFill>
+                    <a:srgbClr val="FF0000"/>
+                  </a:solidFill>
+                </a:rPr>
+                <a:t>high</a:t>
+              </a:r>
+              <a:endParaRPr lang="ko-KR" altLang="en-US" dirty="0">
+                <a:solidFill>
+                  <a:srgbClr val="FF0000"/>
+                </a:solidFill>
+              </a:endParaRPr>
+            </a:p>
+          </p:txBody>
+        </p:sp>
+      </p:grpSp>
+      <p:sp>
+        <p:nvSpPr>
+          <p:cNvPr id="30" name="TextBox 29"/>
+          <p:cNvSpPr txBox="1"/>
+          <p:nvPr/>
+        </p:nvSpPr>
+        <p:spPr>
+          <a:xfrm>
+            <a:off x="1538309" y="2452647"/>
+            <a:ext cx="2085956" cy="646331"/>
+          </a:xfrm>
+          <a:prstGeom prst="rect">
+            <a:avLst/>
+          </a:prstGeom>
+          <a:noFill/>
+        </p:spPr>
+        <p:txBody>
+          <a:bodyPr wrap="none" rtlCol="0">
+            <a:spAutoFit/>
+          </a:bodyPr>
+          <a:lstStyle/>
+          <a:p>
+            <a:r>
+              <a:rPr lang="en-US" altLang="ko-KR" dirty="0" smtClean="0"/>
+              <a:t>Pivot</a:t>
+            </a:r>
+            <a:r>
+              <a:rPr lang="ko-KR" altLang="en-US" dirty="0" smtClean="0"/>
+              <a:t>을 맨 왼쪽에</a:t>
+            </a:r>
+            <a:r>
+              <a:rPr lang="en-US" altLang="ko-KR" dirty="0" smtClean="0"/>
+              <a:t>!</a:t>
+            </a:r>
+          </a:p>
+          <a:p>
+            <a:r>
+              <a:rPr lang="en-US" altLang="ko-KR" dirty="0" smtClean="0"/>
+              <a:t>Low</a:t>
+            </a:r>
+            <a:r>
+              <a:rPr lang="ko-KR" altLang="en-US" dirty="0" smtClean="0"/>
+              <a:t>는 그 다음에</a:t>
+            </a:r>
+            <a:r>
+              <a:rPr lang="en-US" altLang="ko-KR" dirty="0" smtClean="0"/>
+              <a:t>!</a:t>
+            </a:r>
+            <a:endParaRPr lang="ko-KR" altLang="en-US" dirty="0"/>
+          </a:p>
+        </p:txBody>
+      </p:sp>
+      <p:sp>
+        <p:nvSpPr>
+          <p:cNvPr id="31" name="TextBox 30"/>
+          <p:cNvSpPr txBox="1"/>
+          <p:nvPr/>
+        </p:nvSpPr>
+        <p:spPr>
+          <a:xfrm>
+            <a:off x="1471829" y="4723758"/>
+            <a:ext cx="653577" cy="369332"/>
+          </a:xfrm>
+          <a:prstGeom prst="rect">
+            <a:avLst/>
+          </a:prstGeom>
+          <a:noFill/>
+        </p:spPr>
+        <p:txBody>
+          <a:bodyPr wrap="none" rtlCol="0">
+            <a:spAutoFit/>
+          </a:bodyPr>
+          <a:lstStyle/>
+          <a:p>
+            <a:r>
+              <a:rPr lang="en-US" altLang="ko-KR" dirty="0" smtClean="0">
+                <a:solidFill>
+                  <a:srgbClr val="FF0000"/>
+                </a:solidFill>
+              </a:rPr>
+              <a:t>start</a:t>
+            </a:r>
+            <a:endParaRPr lang="ko-KR" altLang="en-US" dirty="0">
+              <a:solidFill>
+                <a:srgbClr val="FF0000"/>
+              </a:solidFill>
+            </a:endParaRPr>
+          </a:p>
+        </p:txBody>
+      </p:sp>
+      <p:sp>
+        <p:nvSpPr>
+          <p:cNvPr id="32" name="TextBox 31"/>
+          <p:cNvSpPr txBox="1"/>
+          <p:nvPr/>
+        </p:nvSpPr>
+        <p:spPr>
+          <a:xfrm>
+            <a:off x="6626935" y="4723758"/>
+            <a:ext cx="580608" cy="369332"/>
+          </a:xfrm>
+          <a:prstGeom prst="rect">
+            <a:avLst/>
+          </a:prstGeom>
+          <a:noFill/>
+        </p:spPr>
+        <p:txBody>
+          <a:bodyPr wrap="none" rtlCol="0">
+            <a:spAutoFit/>
+          </a:bodyPr>
+          <a:lstStyle/>
+          <a:p>
+            <a:r>
+              <a:rPr lang="en-US" altLang="ko-KR" dirty="0" smtClean="0">
+                <a:solidFill>
+                  <a:srgbClr val="FF0000"/>
+                </a:solidFill>
+              </a:rPr>
+              <a:t>end</a:t>
+            </a:r>
+            <a:endParaRPr lang="ko-KR" altLang="en-US" dirty="0">
+              <a:solidFill>
+                <a:srgbClr val="FF0000"/>
+              </a:solidFill>
+            </a:endParaRPr>
+          </a:p>
+        </p:txBody>
+      </p:sp>
+      <p:sp>
+        <p:nvSpPr>
+          <p:cNvPr id="3" name="TextBox 2"/>
+          <p:cNvSpPr txBox="1"/>
+          <p:nvPr/>
+        </p:nvSpPr>
+        <p:spPr>
+          <a:xfrm>
+            <a:off x="798675" y="1268760"/>
+            <a:ext cx="3677738" cy="369332"/>
+          </a:xfrm>
+          <a:prstGeom prst="rect">
+            <a:avLst/>
+          </a:prstGeom>
+          <a:noFill/>
+        </p:spPr>
+        <p:txBody>
+          <a:bodyPr wrap="none" rtlCol="0">
+            <a:spAutoFit/>
+          </a:bodyPr>
+          <a:lstStyle/>
+          <a:p>
+            <a:r>
+              <a:rPr lang="ko-KR" altLang="en-US" dirty="0" smtClean="0">
+                <a:solidFill>
+                  <a:srgbClr val="FF0000"/>
+                </a:solidFill>
+              </a:rPr>
+              <a:t>항상 </a:t>
+            </a:r>
+            <a:r>
+              <a:rPr lang="en-US" altLang="ko-KR" dirty="0" smtClean="0">
+                <a:solidFill>
+                  <a:srgbClr val="FF0000"/>
+                </a:solidFill>
+              </a:rPr>
+              <a:t>pivot</a:t>
+            </a:r>
+            <a:r>
+              <a:rPr lang="ko-KR" altLang="en-US" dirty="0" smtClean="0">
+                <a:solidFill>
+                  <a:srgbClr val="FF0000"/>
+                </a:solidFill>
+              </a:rPr>
+              <a:t>을 맨 왼쪽에 두면</a:t>
+            </a:r>
+            <a:r>
+              <a:rPr lang="en-US" altLang="ko-KR" dirty="0" smtClean="0">
+                <a:solidFill>
+                  <a:srgbClr val="FF0000"/>
+                </a:solidFill>
+              </a:rPr>
+              <a:t>……….</a:t>
+            </a:r>
+            <a:endParaRPr lang="ko-KR" altLang="en-US" dirty="0">
+              <a:solidFill>
+                <a:srgbClr val="FF0000"/>
+              </a:solidFill>
+            </a:endParaRPr>
+          </a:p>
+        </p:txBody>
+      </p:sp>
+    </p:spTree>
+    <p:extLst>
+      <p:ext uri="{BB962C8B-B14F-4D97-AF65-F5344CB8AC3E}">
+        <p14:creationId xmlns:p14="http://schemas.microsoft.com/office/powerpoint/2010/main" val="3790744819"/>
+      </p:ext>
+    </p:extLst>
+  </p:cSld>
+  <p:clrMapOvr>
+    <a:masterClrMapping/>
+  </p:clrMapOvr>
+</p:sld>
+</file>
+
+<file path=ppt/slides/slide52.xml><?xml version="1.0" encoding="utf-8"?>
+<p:sld xmlns:a="http://schemas.openxmlformats.org/drawingml/2006/main" xmlns:r="http://schemas.openxmlformats.org/officeDocument/2006/relationships" xmlns:p="http://schemas.openxmlformats.org/presentationml/2006/main">
+  <p:cSld>
+    <p:spTree>
+      <p:nvGrpSpPr>
+        <p:cNvPr id="1" name=""/>
+        <p:cNvGrpSpPr/>
+        <p:nvPr/>
+      </p:nvGrpSpPr>
+      <p:grpSpPr>
+        <a:xfrm>
+          <a:off x="0" y="0"/>
+          <a:ext cx="0" cy="0"/>
+          <a:chOff x="0" y="0"/>
+          <a:chExt cx="0" cy="0"/>
+        </a:xfrm>
+      </p:grpSpPr>
+      <p:sp>
+        <p:nvSpPr>
+          <p:cNvPr id="7" name="TextBox 6"/>
+          <p:cNvSpPr txBox="1"/>
+          <p:nvPr/>
+        </p:nvSpPr>
+        <p:spPr>
+          <a:xfrm>
+            <a:off x="395536" y="404664"/>
+            <a:ext cx="1689886" cy="646331"/>
+          </a:xfrm>
+          <a:prstGeom prst="rect">
+            <a:avLst/>
+          </a:prstGeom>
+          <a:noFill/>
+        </p:spPr>
+        <p:txBody>
+          <a:bodyPr wrap="none" rtlCol="0">
+            <a:spAutoFit/>
+          </a:bodyPr>
+          <a:lstStyle/>
+          <a:p>
+            <a:r>
+              <a:rPr lang="ko-KR" altLang="en-US" dirty="0" smtClean="0"/>
+              <a:t>정렬 알고리즘</a:t>
+            </a:r>
+            <a:endParaRPr lang="en-US" altLang="ko-KR" dirty="0" smtClean="0"/>
+          </a:p>
+          <a:p>
+            <a:r>
+              <a:rPr lang="en-US" altLang="ko-KR" dirty="0" smtClean="0"/>
+              <a:t>  : </a:t>
+            </a:r>
+            <a:r>
+              <a:rPr lang="en-US" altLang="ko-KR" dirty="0" smtClean="0"/>
+              <a:t>Quicksort</a:t>
+            </a:r>
+            <a:endParaRPr lang="ko-KR" altLang="en-US" dirty="0"/>
+          </a:p>
+        </p:txBody>
+      </p:sp>
+      <p:sp>
+        <p:nvSpPr>
+          <p:cNvPr id="9" name="직사각형 8"/>
+          <p:cNvSpPr/>
+          <p:nvPr/>
+        </p:nvSpPr>
+        <p:spPr>
+          <a:xfrm>
+            <a:off x="1538309" y="4180839"/>
+            <a:ext cx="504056" cy="432048"/>
+          </a:xfrm>
+          <a:prstGeom prst="rect">
+            <a:avLst/>
+          </a:prstGeom>
+          <a:solidFill>
+            <a:schemeClr val="accent2">
+              <a:lumMod val="60000"/>
+              <a:lumOff val="40000"/>
+            </a:schemeClr>
+          </a:solidFill>
+          <a:ln>
+            <a:solidFill>
+              <a:schemeClr val="accent5">
+                <a:lumMod val="75000"/>
+              </a:schemeClr>
+            </a:solidFill>
+          </a:ln>
+        </p:spPr>
+        <p:style>
+          <a:lnRef idx="2">
+            <a:schemeClr val="accent1">
+              <a:shade val="50000"/>
+            </a:schemeClr>
+          </a:lnRef>
+          <a:fillRef idx="1">
+            <a:schemeClr val="accent1"/>
+          </a:fillRef>
+          <a:effectRef idx="0">
+            <a:schemeClr val="accent1"/>
+          </a:effectRef>
+          <a:fontRef idx="minor">
+            <a:schemeClr val="lt1"/>
+          </a:fontRef>
+        </p:style>
+        <p:txBody>
+          <a:bodyPr rtlCol="0" anchor="ctr"/>
+          <a:lstStyle/>
+          <a:p>
+            <a:pPr algn="ctr"/>
+            <a:r>
+              <a:rPr lang="en-US" altLang="ko-KR" dirty="0"/>
+              <a:t>1</a:t>
+            </a:r>
+            <a:endParaRPr lang="ko-KR" altLang="en-US" dirty="0"/>
+          </a:p>
+        </p:txBody>
+      </p:sp>
+      <p:sp>
+        <p:nvSpPr>
+          <p:cNvPr id="10" name="직사각형 9"/>
+          <p:cNvSpPr/>
+          <p:nvPr/>
+        </p:nvSpPr>
+        <p:spPr>
+          <a:xfrm>
+            <a:off x="2111242" y="4180839"/>
+            <a:ext cx="504056" cy="432048"/>
+          </a:xfrm>
+          <a:prstGeom prst="rect">
+            <a:avLst/>
+          </a:prstGeom>
+          <a:solidFill>
+            <a:schemeClr val="accent2">
+              <a:lumMod val="60000"/>
+              <a:lumOff val="40000"/>
+            </a:schemeClr>
+          </a:solidFill>
+          <a:ln>
+            <a:solidFill>
+              <a:schemeClr val="accent5">
+                <a:lumMod val="75000"/>
+              </a:schemeClr>
+            </a:solidFill>
+          </a:ln>
+        </p:spPr>
+        <p:style>
+          <a:lnRef idx="2">
+            <a:schemeClr val="accent1">
+              <a:shade val="50000"/>
+            </a:schemeClr>
+          </a:lnRef>
+          <a:fillRef idx="1">
+            <a:schemeClr val="accent1"/>
+          </a:fillRef>
+          <a:effectRef idx="0">
+            <a:schemeClr val="accent1"/>
+          </a:effectRef>
+          <a:fontRef idx="minor">
+            <a:schemeClr val="lt1"/>
+          </a:fontRef>
+        </p:style>
+        <p:txBody>
+          <a:bodyPr rtlCol="0" anchor="ctr"/>
+          <a:lstStyle/>
+          <a:p>
+            <a:pPr algn="ctr"/>
+            <a:r>
+              <a:rPr lang="en-US" altLang="ko-KR" dirty="0"/>
+              <a:t>2</a:t>
+            </a:r>
+            <a:endParaRPr lang="ko-KR" altLang="en-US" dirty="0"/>
+          </a:p>
+        </p:txBody>
+      </p:sp>
+      <p:sp>
+        <p:nvSpPr>
+          <p:cNvPr id="11" name="직사각형 10"/>
+          <p:cNvSpPr/>
+          <p:nvPr/>
+        </p:nvSpPr>
+        <p:spPr>
+          <a:xfrm>
+            <a:off x="2676164" y="4180839"/>
+            <a:ext cx="504056" cy="432048"/>
+          </a:xfrm>
+          <a:prstGeom prst="rect">
+            <a:avLst/>
+          </a:prstGeom>
+          <a:solidFill>
+            <a:schemeClr val="accent2">
+              <a:lumMod val="60000"/>
+              <a:lumOff val="40000"/>
+            </a:schemeClr>
+          </a:solidFill>
+          <a:ln>
+            <a:solidFill>
+              <a:schemeClr val="accent5">
+                <a:lumMod val="75000"/>
+              </a:schemeClr>
+            </a:solidFill>
+          </a:ln>
+        </p:spPr>
+        <p:style>
+          <a:lnRef idx="2">
+            <a:schemeClr val="accent1">
+              <a:shade val="50000"/>
+            </a:schemeClr>
+          </a:lnRef>
+          <a:fillRef idx="1">
+            <a:schemeClr val="accent1"/>
+          </a:fillRef>
+          <a:effectRef idx="0">
+            <a:schemeClr val="accent1"/>
+          </a:effectRef>
+          <a:fontRef idx="minor">
+            <a:schemeClr val="lt1"/>
+          </a:fontRef>
+        </p:style>
+        <p:txBody>
+          <a:bodyPr rtlCol="0" anchor="ctr"/>
+          <a:lstStyle/>
+          <a:p>
+            <a:pPr algn="ctr"/>
+            <a:r>
+              <a:rPr lang="en-US" altLang="ko-KR" dirty="0"/>
+              <a:t>3</a:t>
+            </a:r>
+            <a:endParaRPr lang="ko-KR" altLang="en-US" dirty="0"/>
+          </a:p>
+        </p:txBody>
+      </p:sp>
+      <p:sp>
+        <p:nvSpPr>
+          <p:cNvPr id="12" name="직사각형 11"/>
+          <p:cNvSpPr/>
+          <p:nvPr/>
+        </p:nvSpPr>
+        <p:spPr>
+          <a:xfrm>
+            <a:off x="3254530" y="4180839"/>
+            <a:ext cx="504056" cy="432048"/>
+          </a:xfrm>
+          <a:prstGeom prst="rect">
+            <a:avLst/>
+          </a:prstGeom>
+          <a:solidFill>
+            <a:schemeClr val="accent2">
+              <a:lumMod val="60000"/>
+              <a:lumOff val="40000"/>
+            </a:schemeClr>
+          </a:solidFill>
+          <a:ln>
+            <a:solidFill>
+              <a:schemeClr val="accent5">
+                <a:lumMod val="75000"/>
+              </a:schemeClr>
+            </a:solidFill>
+          </a:ln>
+        </p:spPr>
+        <p:style>
+          <a:lnRef idx="2">
+            <a:schemeClr val="accent1">
+              <a:shade val="50000"/>
+            </a:schemeClr>
+          </a:lnRef>
+          <a:fillRef idx="1">
+            <a:schemeClr val="accent1"/>
+          </a:fillRef>
+          <a:effectRef idx="0">
+            <a:schemeClr val="accent1"/>
+          </a:effectRef>
+          <a:fontRef idx="minor">
+            <a:schemeClr val="lt1"/>
+          </a:fontRef>
+        </p:style>
+        <p:txBody>
+          <a:bodyPr rtlCol="0" anchor="ctr"/>
+          <a:lstStyle/>
+          <a:p>
+            <a:pPr algn="ctr"/>
+            <a:r>
+              <a:rPr lang="en-US" altLang="ko-KR" dirty="0"/>
+              <a:t>4</a:t>
+            </a:r>
+            <a:endParaRPr lang="ko-KR" altLang="en-US" dirty="0"/>
+          </a:p>
+        </p:txBody>
+      </p:sp>
+      <p:sp>
+        <p:nvSpPr>
+          <p:cNvPr id="13" name="직사각형 12"/>
+          <p:cNvSpPr/>
+          <p:nvPr/>
+        </p:nvSpPr>
+        <p:spPr>
+          <a:xfrm>
+            <a:off x="3819236" y="4180839"/>
+            <a:ext cx="504056" cy="432048"/>
+          </a:xfrm>
+          <a:prstGeom prst="rect">
+            <a:avLst/>
+          </a:prstGeom>
+          <a:solidFill>
+            <a:schemeClr val="accent2">
+              <a:lumMod val="60000"/>
+              <a:lumOff val="40000"/>
+            </a:schemeClr>
+          </a:solidFill>
+          <a:ln>
+            <a:solidFill>
+              <a:schemeClr val="accent5">
+                <a:lumMod val="75000"/>
+              </a:schemeClr>
+            </a:solidFill>
+          </a:ln>
+        </p:spPr>
+        <p:style>
+          <a:lnRef idx="2">
+            <a:schemeClr val="accent1">
+              <a:shade val="50000"/>
+            </a:schemeClr>
+          </a:lnRef>
+          <a:fillRef idx="1">
+            <a:schemeClr val="accent1"/>
+          </a:fillRef>
+          <a:effectRef idx="0">
+            <a:schemeClr val="accent1"/>
+          </a:effectRef>
+          <a:fontRef idx="minor">
+            <a:schemeClr val="lt1"/>
+          </a:fontRef>
+        </p:style>
+        <p:txBody>
+          <a:bodyPr rtlCol="0" anchor="ctr"/>
+          <a:lstStyle/>
+          <a:p>
+            <a:pPr algn="ctr"/>
+            <a:r>
+              <a:rPr lang="en-US" altLang="ko-KR" dirty="0"/>
+              <a:t>5</a:t>
+            </a:r>
+            <a:endParaRPr lang="ko-KR" altLang="en-US" dirty="0"/>
+          </a:p>
+        </p:txBody>
+      </p:sp>
+      <p:sp>
+        <p:nvSpPr>
+          <p:cNvPr id="14" name="직사각형 13"/>
+          <p:cNvSpPr/>
+          <p:nvPr/>
+        </p:nvSpPr>
+        <p:spPr>
+          <a:xfrm>
+            <a:off x="4406658" y="4180839"/>
+            <a:ext cx="504056" cy="432048"/>
+          </a:xfrm>
+          <a:prstGeom prst="rect">
+            <a:avLst/>
+          </a:prstGeom>
+          <a:solidFill>
+            <a:schemeClr val="accent2">
+              <a:lumMod val="60000"/>
+              <a:lumOff val="40000"/>
+            </a:schemeClr>
+          </a:solidFill>
+          <a:ln>
+            <a:solidFill>
+              <a:schemeClr val="accent5">
+                <a:lumMod val="75000"/>
+              </a:schemeClr>
+            </a:solidFill>
+          </a:ln>
+        </p:spPr>
+        <p:style>
+          <a:lnRef idx="2">
+            <a:schemeClr val="accent1">
+              <a:shade val="50000"/>
+            </a:schemeClr>
+          </a:lnRef>
+          <a:fillRef idx="1">
+            <a:schemeClr val="accent1"/>
+          </a:fillRef>
+          <a:effectRef idx="0">
+            <a:schemeClr val="accent1"/>
+          </a:effectRef>
+          <a:fontRef idx="minor">
+            <a:schemeClr val="lt1"/>
+          </a:fontRef>
+        </p:style>
+        <p:txBody>
+          <a:bodyPr rtlCol="0" anchor="ctr"/>
+          <a:lstStyle/>
+          <a:p>
+            <a:pPr algn="ctr"/>
+            <a:r>
+              <a:rPr lang="en-US" altLang="ko-KR" dirty="0"/>
+              <a:t>6</a:t>
+            </a:r>
+            <a:endParaRPr lang="ko-KR" altLang="en-US" dirty="0"/>
+          </a:p>
+        </p:txBody>
+      </p:sp>
+      <p:sp>
+        <p:nvSpPr>
+          <p:cNvPr id="15" name="직사각형 14"/>
+          <p:cNvSpPr/>
+          <p:nvPr/>
+        </p:nvSpPr>
+        <p:spPr>
+          <a:xfrm>
+            <a:off x="4979591" y="4180839"/>
+            <a:ext cx="504056" cy="432048"/>
+          </a:xfrm>
+          <a:prstGeom prst="rect">
+            <a:avLst/>
+          </a:prstGeom>
+          <a:solidFill>
+            <a:schemeClr val="accent2">
+              <a:lumMod val="60000"/>
+              <a:lumOff val="40000"/>
+            </a:schemeClr>
+          </a:solidFill>
+          <a:ln>
+            <a:solidFill>
+              <a:schemeClr val="accent5">
+                <a:lumMod val="75000"/>
+              </a:schemeClr>
+            </a:solidFill>
+          </a:ln>
+        </p:spPr>
+        <p:style>
+          <a:lnRef idx="2">
+            <a:schemeClr val="accent1">
+              <a:shade val="50000"/>
+            </a:schemeClr>
+          </a:lnRef>
+          <a:fillRef idx="1">
+            <a:schemeClr val="accent1"/>
+          </a:fillRef>
+          <a:effectRef idx="0">
+            <a:schemeClr val="accent1"/>
+          </a:effectRef>
+          <a:fontRef idx="minor">
+            <a:schemeClr val="lt1"/>
+          </a:fontRef>
+        </p:style>
+        <p:txBody>
+          <a:bodyPr rtlCol="0" anchor="ctr"/>
+          <a:lstStyle/>
+          <a:p>
+            <a:pPr algn="ctr"/>
+            <a:r>
+              <a:rPr lang="en-US" altLang="ko-KR" dirty="0"/>
+              <a:t>7</a:t>
+            </a:r>
+            <a:endParaRPr lang="ko-KR" altLang="en-US" dirty="0"/>
+          </a:p>
+        </p:txBody>
+      </p:sp>
+      <p:sp>
+        <p:nvSpPr>
+          <p:cNvPr id="16" name="직사각형 15"/>
+          <p:cNvSpPr/>
+          <p:nvPr/>
+        </p:nvSpPr>
+        <p:spPr>
+          <a:xfrm>
+            <a:off x="5544513" y="4180839"/>
+            <a:ext cx="504056" cy="432048"/>
+          </a:xfrm>
+          <a:prstGeom prst="rect">
+            <a:avLst/>
+          </a:prstGeom>
+          <a:solidFill>
+            <a:schemeClr val="accent2">
+              <a:lumMod val="60000"/>
+              <a:lumOff val="40000"/>
+            </a:schemeClr>
+          </a:solidFill>
+          <a:ln>
+            <a:solidFill>
+              <a:schemeClr val="accent5">
+                <a:lumMod val="75000"/>
+              </a:schemeClr>
+            </a:solidFill>
+          </a:ln>
+        </p:spPr>
+        <p:style>
+          <a:lnRef idx="2">
+            <a:schemeClr val="accent1">
+              <a:shade val="50000"/>
+            </a:schemeClr>
+          </a:lnRef>
+          <a:fillRef idx="1">
+            <a:schemeClr val="accent1"/>
+          </a:fillRef>
+          <a:effectRef idx="0">
+            <a:schemeClr val="accent1"/>
+          </a:effectRef>
+          <a:fontRef idx="minor">
+            <a:schemeClr val="lt1"/>
+          </a:fontRef>
+        </p:style>
+        <p:txBody>
+          <a:bodyPr rtlCol="0" anchor="ctr"/>
+          <a:lstStyle/>
+          <a:p>
+            <a:pPr algn="ctr"/>
+            <a:r>
+              <a:rPr lang="en-US" altLang="ko-KR" dirty="0"/>
+              <a:t>8</a:t>
+            </a:r>
+            <a:endParaRPr lang="ko-KR" altLang="en-US" dirty="0"/>
+          </a:p>
+        </p:txBody>
+      </p:sp>
+      <p:sp>
+        <p:nvSpPr>
+          <p:cNvPr id="17" name="직사각형 16"/>
+          <p:cNvSpPr/>
+          <p:nvPr/>
+        </p:nvSpPr>
+        <p:spPr>
+          <a:xfrm>
+            <a:off x="6122879" y="4180839"/>
+            <a:ext cx="504056" cy="432048"/>
+          </a:xfrm>
+          <a:prstGeom prst="rect">
+            <a:avLst/>
+          </a:prstGeom>
+          <a:solidFill>
+            <a:schemeClr val="accent2">
+              <a:lumMod val="60000"/>
+              <a:lumOff val="40000"/>
+            </a:schemeClr>
+          </a:solidFill>
+          <a:ln>
+            <a:solidFill>
+              <a:schemeClr val="accent5">
+                <a:lumMod val="75000"/>
+              </a:schemeClr>
+            </a:solidFill>
+          </a:ln>
+        </p:spPr>
+        <p:style>
+          <a:lnRef idx="2">
+            <a:schemeClr val="accent1">
+              <a:shade val="50000"/>
+            </a:schemeClr>
+          </a:lnRef>
+          <a:fillRef idx="1">
+            <a:schemeClr val="accent1"/>
+          </a:fillRef>
+          <a:effectRef idx="0">
+            <a:schemeClr val="accent1"/>
+          </a:effectRef>
+          <a:fontRef idx="minor">
+            <a:schemeClr val="lt1"/>
+          </a:fontRef>
+        </p:style>
+        <p:txBody>
+          <a:bodyPr rtlCol="0" anchor="ctr"/>
+          <a:lstStyle/>
+          <a:p>
+            <a:pPr algn="ctr"/>
+            <a:r>
+              <a:rPr lang="en-US" altLang="ko-KR" dirty="0"/>
+              <a:t>9</a:t>
+            </a:r>
+            <a:endParaRPr lang="ko-KR" altLang="en-US" dirty="0"/>
+          </a:p>
+        </p:txBody>
+      </p:sp>
+      <p:sp>
+        <p:nvSpPr>
+          <p:cNvPr id="18" name="직사각형 17"/>
+          <p:cNvSpPr/>
+          <p:nvPr/>
+        </p:nvSpPr>
+        <p:spPr>
+          <a:xfrm>
+            <a:off x="6687585" y="4180839"/>
+            <a:ext cx="504056" cy="432048"/>
+          </a:xfrm>
+          <a:prstGeom prst="rect">
+            <a:avLst/>
+          </a:prstGeom>
+          <a:solidFill>
+            <a:schemeClr val="accent2">
+              <a:lumMod val="60000"/>
+              <a:lumOff val="40000"/>
+            </a:schemeClr>
+          </a:solidFill>
+          <a:ln>
+            <a:solidFill>
+              <a:schemeClr val="accent5">
+                <a:lumMod val="75000"/>
+              </a:schemeClr>
+            </a:solidFill>
+          </a:ln>
+        </p:spPr>
+        <p:style>
+          <a:lnRef idx="2">
+            <a:schemeClr val="accent1">
+              <a:shade val="50000"/>
+            </a:schemeClr>
+          </a:lnRef>
+          <a:fillRef idx="1">
+            <a:schemeClr val="accent1"/>
+          </a:fillRef>
+          <a:effectRef idx="0">
+            <a:schemeClr val="accent1"/>
+          </a:effectRef>
+          <a:fontRef idx="minor">
+            <a:schemeClr val="lt1"/>
+          </a:fontRef>
+        </p:style>
+        <p:txBody>
+          <a:bodyPr rtlCol="0" anchor="ctr"/>
+          <a:lstStyle/>
+          <a:p>
+            <a:pPr algn="ctr"/>
+            <a:r>
+              <a:rPr lang="en-US" altLang="ko-KR" dirty="0" smtClean="0"/>
+              <a:t>10</a:t>
+            </a:r>
+            <a:endParaRPr lang="ko-KR" altLang="en-US" dirty="0"/>
+          </a:p>
+        </p:txBody>
+      </p:sp>
+      <p:grpSp>
+        <p:nvGrpSpPr>
+          <p:cNvPr id="21" name="그룹 20"/>
+          <p:cNvGrpSpPr/>
+          <p:nvPr/>
+        </p:nvGrpSpPr>
+        <p:grpSpPr>
+          <a:xfrm>
+            <a:off x="1439920" y="3400722"/>
+            <a:ext cx="707373" cy="780117"/>
+            <a:chOff x="3032395" y="1838133"/>
+            <a:chExt cx="707373" cy="780117"/>
+          </a:xfrm>
+        </p:grpSpPr>
+        <p:sp>
+          <p:nvSpPr>
+            <p:cNvPr id="22" name="아래쪽 화살표 21"/>
+            <p:cNvSpPr/>
+            <p:nvPr/>
+          </p:nvSpPr>
+          <p:spPr>
+            <a:xfrm>
+              <a:off x="3240408" y="2186202"/>
+              <a:ext cx="301370" cy="432048"/>
+            </a:xfrm>
+            <a:prstGeom prst="downArrow">
+              <a:avLst/>
+            </a:prstGeom>
+            <a:solidFill>
+              <a:srgbClr val="FF0000"/>
+            </a:solidFill>
+            <a:ln>
+              <a:noFill/>
+            </a:ln>
+          </p:spPr>
+          <p:style>
+            <a:lnRef idx="2">
+              <a:schemeClr val="accent1">
+                <a:shade val="50000"/>
+              </a:schemeClr>
+            </a:lnRef>
+            <a:fillRef idx="1">
+              <a:schemeClr val="accent1"/>
+            </a:fillRef>
+            <a:effectRef idx="0">
+              <a:schemeClr val="accent1"/>
+            </a:effectRef>
+            <a:fontRef idx="minor">
+              <a:schemeClr val="lt1"/>
+            </a:fontRef>
+          </p:style>
+          <p:txBody>
+            <a:bodyPr rtlCol="0" anchor="ctr"/>
+            <a:lstStyle/>
+            <a:p>
+              <a:pPr algn="ctr"/>
+              <a:endParaRPr lang="ko-KR" altLang="en-US"/>
+            </a:p>
+          </p:txBody>
+        </p:sp>
+        <p:sp>
+          <p:nvSpPr>
+            <p:cNvPr id="23" name="TextBox 22"/>
+            <p:cNvSpPr txBox="1"/>
+            <p:nvPr/>
+          </p:nvSpPr>
+          <p:spPr>
+            <a:xfrm>
+              <a:off x="3032395" y="1838133"/>
+              <a:ext cx="707373" cy="369332"/>
+            </a:xfrm>
+            <a:prstGeom prst="rect">
+              <a:avLst/>
+            </a:prstGeom>
+            <a:noFill/>
+          </p:spPr>
+          <p:txBody>
+            <a:bodyPr wrap="none" rtlCol="0">
+              <a:spAutoFit/>
+            </a:bodyPr>
+            <a:lstStyle/>
+            <a:p>
+              <a:r>
+                <a:rPr lang="en-US" altLang="ko-KR" dirty="0" smtClean="0">
+                  <a:solidFill>
+                    <a:srgbClr val="FF0000"/>
+                  </a:solidFill>
+                </a:rPr>
+                <a:t>pivot</a:t>
+              </a:r>
+              <a:endParaRPr lang="ko-KR" altLang="en-US" dirty="0">
+                <a:solidFill>
+                  <a:srgbClr val="FF0000"/>
+                </a:solidFill>
+              </a:endParaRPr>
+            </a:p>
+          </p:txBody>
+        </p:sp>
+      </p:grpSp>
+      <p:grpSp>
+        <p:nvGrpSpPr>
+          <p:cNvPr id="24" name="그룹 23"/>
+          <p:cNvGrpSpPr/>
+          <p:nvPr/>
+        </p:nvGrpSpPr>
+        <p:grpSpPr>
+          <a:xfrm>
+            <a:off x="2088996" y="3400722"/>
+            <a:ext cx="548548" cy="780117"/>
+            <a:chOff x="3094142" y="1838133"/>
+            <a:chExt cx="548548" cy="780117"/>
+          </a:xfrm>
+        </p:grpSpPr>
+        <p:sp>
+          <p:nvSpPr>
+            <p:cNvPr id="25" name="아래쪽 화살표 24"/>
+            <p:cNvSpPr/>
+            <p:nvPr/>
+          </p:nvSpPr>
+          <p:spPr>
+            <a:xfrm>
+              <a:off x="3240408" y="2186202"/>
+              <a:ext cx="301370" cy="432048"/>
+            </a:xfrm>
+            <a:prstGeom prst="downArrow">
+              <a:avLst/>
+            </a:prstGeom>
+            <a:solidFill>
+              <a:srgbClr val="FF0000"/>
+            </a:solidFill>
+            <a:ln>
+              <a:noFill/>
+            </a:ln>
+          </p:spPr>
+          <p:style>
+            <a:lnRef idx="2">
+              <a:schemeClr val="accent1">
+                <a:shade val="50000"/>
+              </a:schemeClr>
+            </a:lnRef>
+            <a:fillRef idx="1">
+              <a:schemeClr val="accent1"/>
+            </a:fillRef>
+            <a:effectRef idx="0">
+              <a:schemeClr val="accent1"/>
+            </a:effectRef>
+            <a:fontRef idx="minor">
+              <a:schemeClr val="lt1"/>
+            </a:fontRef>
+          </p:style>
+          <p:txBody>
+            <a:bodyPr rtlCol="0" anchor="ctr"/>
+            <a:lstStyle/>
+            <a:p>
+              <a:pPr algn="ctr"/>
+              <a:endParaRPr lang="ko-KR" altLang="en-US"/>
+            </a:p>
+          </p:txBody>
+        </p:sp>
+        <p:sp>
+          <p:nvSpPr>
+            <p:cNvPr id="26" name="TextBox 25"/>
+            <p:cNvSpPr txBox="1"/>
+            <p:nvPr/>
+          </p:nvSpPr>
+          <p:spPr>
+            <a:xfrm>
+              <a:off x="3094142" y="1838133"/>
+              <a:ext cx="548548" cy="369332"/>
+            </a:xfrm>
+            <a:prstGeom prst="rect">
+              <a:avLst/>
+            </a:prstGeom>
+            <a:noFill/>
+          </p:spPr>
+          <p:txBody>
+            <a:bodyPr wrap="none" rtlCol="0">
+              <a:spAutoFit/>
+            </a:bodyPr>
+            <a:lstStyle/>
+            <a:p>
+              <a:r>
+                <a:rPr lang="en-US" altLang="ko-KR" dirty="0" smtClean="0">
+                  <a:solidFill>
+                    <a:srgbClr val="FF0000"/>
+                  </a:solidFill>
+                </a:rPr>
+                <a:t>low</a:t>
+              </a:r>
+              <a:endParaRPr lang="ko-KR" altLang="en-US" dirty="0">
+                <a:solidFill>
+                  <a:srgbClr val="FF0000"/>
+                </a:solidFill>
+              </a:endParaRPr>
+            </a:p>
+          </p:txBody>
+        </p:sp>
+      </p:grpSp>
+      <p:grpSp>
+        <p:nvGrpSpPr>
+          <p:cNvPr id="27" name="그룹 26"/>
+          <p:cNvGrpSpPr/>
+          <p:nvPr/>
+        </p:nvGrpSpPr>
+        <p:grpSpPr>
+          <a:xfrm>
+            <a:off x="6622247" y="3358732"/>
+            <a:ext cx="646331" cy="780117"/>
+            <a:chOff x="3094142" y="1838133"/>
+            <a:chExt cx="646331" cy="780117"/>
+          </a:xfrm>
+        </p:grpSpPr>
+        <p:sp>
+          <p:nvSpPr>
+            <p:cNvPr id="28" name="아래쪽 화살표 27"/>
+            <p:cNvSpPr/>
+            <p:nvPr/>
+          </p:nvSpPr>
+          <p:spPr>
+            <a:xfrm>
+              <a:off x="3240408" y="2186202"/>
+              <a:ext cx="301370" cy="432048"/>
+            </a:xfrm>
+            <a:prstGeom prst="downArrow">
+              <a:avLst/>
+            </a:prstGeom>
+            <a:solidFill>
+              <a:srgbClr val="FF0000"/>
+            </a:solidFill>
+            <a:ln>
+              <a:noFill/>
+            </a:ln>
+          </p:spPr>
+          <p:style>
+            <a:lnRef idx="2">
+              <a:schemeClr val="accent1">
+                <a:shade val="50000"/>
+              </a:schemeClr>
+            </a:lnRef>
+            <a:fillRef idx="1">
+              <a:schemeClr val="accent1"/>
+            </a:fillRef>
+            <a:effectRef idx="0">
+              <a:schemeClr val="accent1"/>
+            </a:effectRef>
+            <a:fontRef idx="minor">
+              <a:schemeClr val="lt1"/>
+            </a:fontRef>
+          </p:style>
+          <p:txBody>
+            <a:bodyPr rtlCol="0" anchor="ctr"/>
+            <a:lstStyle/>
+            <a:p>
+              <a:pPr algn="ctr"/>
+              <a:endParaRPr lang="ko-KR" altLang="en-US"/>
+            </a:p>
+          </p:txBody>
+        </p:sp>
+        <p:sp>
+          <p:nvSpPr>
+            <p:cNvPr id="29" name="TextBox 28"/>
+            <p:cNvSpPr txBox="1"/>
+            <p:nvPr/>
+          </p:nvSpPr>
+          <p:spPr>
+            <a:xfrm>
+              <a:off x="3094142" y="1838133"/>
+              <a:ext cx="646331" cy="369332"/>
+            </a:xfrm>
+            <a:prstGeom prst="rect">
+              <a:avLst/>
+            </a:prstGeom>
+            <a:noFill/>
+          </p:spPr>
+          <p:txBody>
+            <a:bodyPr wrap="none" rtlCol="0">
+              <a:spAutoFit/>
+            </a:bodyPr>
+            <a:lstStyle/>
+            <a:p>
+              <a:r>
+                <a:rPr lang="en-US" altLang="ko-KR" dirty="0" smtClean="0">
+                  <a:solidFill>
+                    <a:srgbClr val="FF0000"/>
+                  </a:solidFill>
+                </a:rPr>
+                <a:t>high</a:t>
+              </a:r>
+              <a:endParaRPr lang="ko-KR" altLang="en-US" dirty="0">
+                <a:solidFill>
+                  <a:srgbClr val="FF0000"/>
+                </a:solidFill>
+              </a:endParaRPr>
+            </a:p>
+          </p:txBody>
+        </p:sp>
+      </p:grpSp>
+      <p:sp>
+        <p:nvSpPr>
+          <p:cNvPr id="31" name="TextBox 30"/>
+          <p:cNvSpPr txBox="1"/>
+          <p:nvPr/>
+        </p:nvSpPr>
+        <p:spPr>
+          <a:xfrm>
+            <a:off x="1471829" y="4723758"/>
+            <a:ext cx="653577" cy="369332"/>
+          </a:xfrm>
+          <a:prstGeom prst="rect">
+            <a:avLst/>
+          </a:prstGeom>
+          <a:noFill/>
+        </p:spPr>
+        <p:txBody>
+          <a:bodyPr wrap="none" rtlCol="0">
+            <a:spAutoFit/>
+          </a:bodyPr>
+          <a:lstStyle/>
+          <a:p>
+            <a:r>
+              <a:rPr lang="en-US" altLang="ko-KR" dirty="0" smtClean="0">
+                <a:solidFill>
+                  <a:srgbClr val="FF0000"/>
+                </a:solidFill>
+              </a:rPr>
+              <a:t>start</a:t>
+            </a:r>
+            <a:endParaRPr lang="ko-KR" altLang="en-US" dirty="0">
+              <a:solidFill>
+                <a:srgbClr val="FF0000"/>
+              </a:solidFill>
+            </a:endParaRPr>
+          </a:p>
+        </p:txBody>
+      </p:sp>
+      <p:sp>
+        <p:nvSpPr>
+          <p:cNvPr id="32" name="TextBox 31"/>
+          <p:cNvSpPr txBox="1"/>
+          <p:nvPr/>
+        </p:nvSpPr>
+        <p:spPr>
+          <a:xfrm>
+            <a:off x="6626935" y="4723758"/>
+            <a:ext cx="580608" cy="369332"/>
+          </a:xfrm>
+          <a:prstGeom prst="rect">
+            <a:avLst/>
+          </a:prstGeom>
+          <a:noFill/>
+        </p:spPr>
+        <p:txBody>
+          <a:bodyPr wrap="none" rtlCol="0">
+            <a:spAutoFit/>
+          </a:bodyPr>
+          <a:lstStyle/>
+          <a:p>
+            <a:r>
+              <a:rPr lang="en-US" altLang="ko-KR" dirty="0" smtClean="0">
+                <a:solidFill>
+                  <a:srgbClr val="FF0000"/>
+                </a:solidFill>
+              </a:rPr>
+              <a:t>end</a:t>
+            </a:r>
+            <a:endParaRPr lang="ko-KR" altLang="en-US" dirty="0">
+              <a:solidFill>
+                <a:srgbClr val="FF0000"/>
+              </a:solidFill>
+            </a:endParaRPr>
+          </a:p>
+        </p:txBody>
+      </p:sp>
+      <p:sp>
+        <p:nvSpPr>
+          <p:cNvPr id="2" name="TextBox 1"/>
+          <p:cNvSpPr txBox="1"/>
+          <p:nvPr/>
+        </p:nvSpPr>
+        <p:spPr>
+          <a:xfrm>
+            <a:off x="975510" y="1700808"/>
+            <a:ext cx="6840334" cy="646331"/>
+          </a:xfrm>
+          <a:prstGeom prst="rect">
+            <a:avLst/>
+          </a:prstGeom>
+          <a:noFill/>
+        </p:spPr>
+        <p:txBody>
+          <a:bodyPr wrap="none" rtlCol="0">
+            <a:spAutoFit/>
+          </a:bodyPr>
+          <a:lstStyle/>
+          <a:p>
+            <a:r>
+              <a:rPr lang="ko-KR" altLang="en-US" dirty="0" smtClean="0">
+                <a:solidFill>
+                  <a:srgbClr val="FF0000"/>
+                </a:solidFill>
+              </a:rPr>
+              <a:t>이렇게 완벽하게 정렬된 경우 배열이 두 개로 쪼개지지 않으므로</a:t>
+            </a:r>
+            <a:endParaRPr lang="en-US" altLang="ko-KR" dirty="0" smtClean="0">
+              <a:solidFill>
+                <a:srgbClr val="FF0000"/>
+              </a:solidFill>
+            </a:endParaRPr>
+          </a:p>
+          <a:p>
+            <a:r>
+              <a:rPr lang="ko-KR" altLang="en-US" dirty="0" smtClean="0">
+                <a:solidFill>
+                  <a:srgbClr val="FF0000"/>
+                </a:solidFill>
+              </a:rPr>
+              <a:t>성능이 좋지 않습니다</a:t>
+            </a:r>
+            <a:endParaRPr lang="ko-KR" altLang="en-US" dirty="0">
+              <a:solidFill>
+                <a:srgbClr val="FF0000"/>
+              </a:solidFill>
+            </a:endParaRPr>
+          </a:p>
+        </p:txBody>
+      </p:sp>
+    </p:spTree>
+    <p:extLst>
+      <p:ext uri="{BB962C8B-B14F-4D97-AF65-F5344CB8AC3E}">
+        <p14:creationId xmlns:p14="http://schemas.microsoft.com/office/powerpoint/2010/main" val="3913599950"/>
+      </p:ext>
+    </p:extLst>
+  </p:cSld>
+  <p:clrMapOvr>
+    <a:masterClrMapping/>
+  </p:clrMapOvr>
+</p:sld>
+</file>
+
+<file path=ppt/slides/slide53.xml><?xml version="1.0" encoding="utf-8"?>
+<p:sld xmlns:a="http://schemas.openxmlformats.org/drawingml/2006/main" xmlns:r="http://schemas.openxmlformats.org/officeDocument/2006/relationships" xmlns:p="http://schemas.openxmlformats.org/presentationml/2006/main">
+  <p:cSld>
+    <p:spTree>
+      <p:nvGrpSpPr>
+        <p:cNvPr id="1" name=""/>
+        <p:cNvGrpSpPr/>
+        <p:nvPr/>
+      </p:nvGrpSpPr>
+      <p:grpSpPr>
+        <a:xfrm>
+          <a:off x="0" y="0"/>
+          <a:ext cx="0" cy="0"/>
+          <a:chOff x="0" y="0"/>
+          <a:chExt cx="0" cy="0"/>
+        </a:xfrm>
+      </p:grpSpPr>
+      <p:sp>
+        <p:nvSpPr>
+          <p:cNvPr id="7" name="TextBox 6"/>
+          <p:cNvSpPr txBox="1"/>
+          <p:nvPr/>
+        </p:nvSpPr>
+        <p:spPr>
+          <a:xfrm>
+            <a:off x="395536" y="404664"/>
+            <a:ext cx="1689886" cy="646331"/>
+          </a:xfrm>
+          <a:prstGeom prst="rect">
+            <a:avLst/>
+          </a:prstGeom>
+          <a:noFill/>
+        </p:spPr>
+        <p:txBody>
+          <a:bodyPr wrap="none" rtlCol="0">
+            <a:spAutoFit/>
+          </a:bodyPr>
+          <a:lstStyle/>
+          <a:p>
+            <a:r>
+              <a:rPr lang="ko-KR" altLang="en-US" dirty="0" smtClean="0"/>
+              <a:t>정렬 알고리즘</a:t>
+            </a:r>
+            <a:endParaRPr lang="en-US" altLang="ko-KR" dirty="0" smtClean="0"/>
+          </a:p>
+          <a:p>
+            <a:r>
+              <a:rPr lang="en-US" altLang="ko-KR" dirty="0" smtClean="0"/>
+              <a:t>  : </a:t>
+            </a:r>
+            <a:r>
+              <a:rPr lang="en-US" altLang="ko-KR" dirty="0" smtClean="0"/>
+              <a:t>Quicksort</a:t>
+            </a:r>
+            <a:endParaRPr lang="ko-KR" altLang="en-US" dirty="0"/>
+          </a:p>
+        </p:txBody>
+      </p:sp>
+      <p:sp>
+        <p:nvSpPr>
+          <p:cNvPr id="9" name="직사각형 8"/>
+          <p:cNvSpPr/>
+          <p:nvPr/>
+        </p:nvSpPr>
+        <p:spPr>
+          <a:xfrm>
+            <a:off x="1538309" y="4180839"/>
+            <a:ext cx="504056" cy="432048"/>
+          </a:xfrm>
+          <a:prstGeom prst="rect">
+            <a:avLst/>
+          </a:prstGeom>
+          <a:solidFill>
+            <a:schemeClr val="accent2">
+              <a:lumMod val="60000"/>
+              <a:lumOff val="40000"/>
+            </a:schemeClr>
+          </a:solidFill>
+          <a:ln>
+            <a:solidFill>
+              <a:schemeClr val="accent5">
+                <a:lumMod val="75000"/>
+              </a:schemeClr>
+            </a:solidFill>
+          </a:ln>
+        </p:spPr>
+        <p:style>
+          <a:lnRef idx="2">
+            <a:schemeClr val="accent1">
+              <a:shade val="50000"/>
+            </a:schemeClr>
+          </a:lnRef>
+          <a:fillRef idx="1">
+            <a:schemeClr val="accent1"/>
+          </a:fillRef>
+          <a:effectRef idx="0">
+            <a:schemeClr val="accent1"/>
+          </a:effectRef>
+          <a:fontRef idx="minor">
+            <a:schemeClr val="lt1"/>
+          </a:fontRef>
+        </p:style>
+        <p:txBody>
+          <a:bodyPr rtlCol="0" anchor="ctr"/>
+          <a:lstStyle/>
+          <a:p>
+            <a:pPr algn="ctr"/>
+            <a:r>
+              <a:rPr lang="en-US" altLang="ko-KR" dirty="0"/>
+              <a:t>1</a:t>
+            </a:r>
+            <a:endParaRPr lang="ko-KR" altLang="en-US" dirty="0"/>
+          </a:p>
+        </p:txBody>
+      </p:sp>
+      <p:sp>
+        <p:nvSpPr>
+          <p:cNvPr id="10" name="직사각형 9"/>
+          <p:cNvSpPr/>
+          <p:nvPr/>
+        </p:nvSpPr>
+        <p:spPr>
+          <a:xfrm>
+            <a:off x="2111242" y="4180839"/>
+            <a:ext cx="504056" cy="432048"/>
+          </a:xfrm>
+          <a:prstGeom prst="rect">
+            <a:avLst/>
+          </a:prstGeom>
+          <a:solidFill>
+            <a:schemeClr val="accent2">
+              <a:lumMod val="60000"/>
+              <a:lumOff val="40000"/>
+            </a:schemeClr>
+          </a:solidFill>
+          <a:ln>
+            <a:solidFill>
+              <a:schemeClr val="accent5">
+                <a:lumMod val="75000"/>
+              </a:schemeClr>
+            </a:solidFill>
+          </a:ln>
+        </p:spPr>
+        <p:style>
+          <a:lnRef idx="2">
+            <a:schemeClr val="accent1">
+              <a:shade val="50000"/>
+            </a:schemeClr>
+          </a:lnRef>
+          <a:fillRef idx="1">
+            <a:schemeClr val="accent1"/>
+          </a:fillRef>
+          <a:effectRef idx="0">
+            <a:schemeClr val="accent1"/>
+          </a:effectRef>
+          <a:fontRef idx="minor">
+            <a:schemeClr val="lt1"/>
+          </a:fontRef>
+        </p:style>
+        <p:txBody>
+          <a:bodyPr rtlCol="0" anchor="ctr"/>
+          <a:lstStyle/>
+          <a:p>
+            <a:pPr algn="ctr"/>
+            <a:r>
+              <a:rPr lang="en-US" altLang="ko-KR" dirty="0"/>
+              <a:t>2</a:t>
+            </a:r>
+            <a:endParaRPr lang="ko-KR" altLang="en-US" dirty="0"/>
+          </a:p>
+        </p:txBody>
+      </p:sp>
+      <p:sp>
+        <p:nvSpPr>
+          <p:cNvPr id="11" name="직사각형 10"/>
+          <p:cNvSpPr/>
+          <p:nvPr/>
+        </p:nvSpPr>
+        <p:spPr>
+          <a:xfrm>
+            <a:off x="2676164" y="4180839"/>
+            <a:ext cx="504056" cy="432048"/>
+          </a:xfrm>
+          <a:prstGeom prst="rect">
+            <a:avLst/>
+          </a:prstGeom>
+          <a:solidFill>
+            <a:schemeClr val="accent2">
+              <a:lumMod val="60000"/>
+              <a:lumOff val="40000"/>
+            </a:schemeClr>
+          </a:solidFill>
+          <a:ln>
+            <a:solidFill>
+              <a:schemeClr val="accent5">
+                <a:lumMod val="75000"/>
+              </a:schemeClr>
+            </a:solidFill>
+          </a:ln>
+        </p:spPr>
+        <p:style>
+          <a:lnRef idx="2">
+            <a:schemeClr val="accent1">
+              <a:shade val="50000"/>
+            </a:schemeClr>
+          </a:lnRef>
+          <a:fillRef idx="1">
+            <a:schemeClr val="accent1"/>
+          </a:fillRef>
+          <a:effectRef idx="0">
+            <a:schemeClr val="accent1"/>
+          </a:effectRef>
+          <a:fontRef idx="minor">
+            <a:schemeClr val="lt1"/>
+          </a:fontRef>
+        </p:style>
+        <p:txBody>
+          <a:bodyPr rtlCol="0" anchor="ctr"/>
+          <a:lstStyle/>
+          <a:p>
+            <a:pPr algn="ctr"/>
+            <a:r>
+              <a:rPr lang="en-US" altLang="ko-KR" dirty="0"/>
+              <a:t>3</a:t>
+            </a:r>
+            <a:endParaRPr lang="ko-KR" altLang="en-US" dirty="0"/>
+          </a:p>
+        </p:txBody>
+      </p:sp>
+      <p:sp>
+        <p:nvSpPr>
+          <p:cNvPr id="12" name="직사각형 11"/>
+          <p:cNvSpPr/>
+          <p:nvPr/>
+        </p:nvSpPr>
+        <p:spPr>
+          <a:xfrm>
+            <a:off x="3254530" y="4180839"/>
+            <a:ext cx="504056" cy="432048"/>
+          </a:xfrm>
+          <a:prstGeom prst="rect">
+            <a:avLst/>
+          </a:prstGeom>
+          <a:solidFill>
+            <a:schemeClr val="accent2">
+              <a:lumMod val="60000"/>
+              <a:lumOff val="40000"/>
+            </a:schemeClr>
+          </a:solidFill>
+          <a:ln>
+            <a:solidFill>
+              <a:schemeClr val="accent5">
+                <a:lumMod val="75000"/>
+              </a:schemeClr>
+            </a:solidFill>
+          </a:ln>
+        </p:spPr>
+        <p:style>
+          <a:lnRef idx="2">
+            <a:schemeClr val="accent1">
+              <a:shade val="50000"/>
+            </a:schemeClr>
+          </a:lnRef>
+          <a:fillRef idx="1">
+            <a:schemeClr val="accent1"/>
+          </a:fillRef>
+          <a:effectRef idx="0">
+            <a:schemeClr val="accent1"/>
+          </a:effectRef>
+          <a:fontRef idx="minor">
+            <a:schemeClr val="lt1"/>
+          </a:fontRef>
+        </p:style>
+        <p:txBody>
+          <a:bodyPr rtlCol="0" anchor="ctr"/>
+          <a:lstStyle/>
+          <a:p>
+            <a:pPr algn="ctr"/>
+            <a:r>
+              <a:rPr lang="en-US" altLang="ko-KR" dirty="0"/>
+              <a:t>4</a:t>
+            </a:r>
+            <a:endParaRPr lang="ko-KR" altLang="en-US" dirty="0"/>
+          </a:p>
+        </p:txBody>
+      </p:sp>
+      <p:sp>
+        <p:nvSpPr>
+          <p:cNvPr id="13" name="직사각형 12"/>
+          <p:cNvSpPr/>
+          <p:nvPr/>
+        </p:nvSpPr>
+        <p:spPr>
+          <a:xfrm>
+            <a:off x="3819236" y="4180839"/>
+            <a:ext cx="504056" cy="432048"/>
+          </a:xfrm>
+          <a:prstGeom prst="rect">
+            <a:avLst/>
+          </a:prstGeom>
+          <a:solidFill>
+            <a:schemeClr val="accent2">
+              <a:lumMod val="60000"/>
+              <a:lumOff val="40000"/>
+            </a:schemeClr>
+          </a:solidFill>
+          <a:ln>
+            <a:solidFill>
+              <a:schemeClr val="accent5">
+                <a:lumMod val="75000"/>
+              </a:schemeClr>
+            </a:solidFill>
+          </a:ln>
+        </p:spPr>
+        <p:style>
+          <a:lnRef idx="2">
+            <a:schemeClr val="accent1">
+              <a:shade val="50000"/>
+            </a:schemeClr>
+          </a:lnRef>
+          <a:fillRef idx="1">
+            <a:schemeClr val="accent1"/>
+          </a:fillRef>
+          <a:effectRef idx="0">
+            <a:schemeClr val="accent1"/>
+          </a:effectRef>
+          <a:fontRef idx="minor">
+            <a:schemeClr val="lt1"/>
+          </a:fontRef>
+        </p:style>
+        <p:txBody>
+          <a:bodyPr rtlCol="0" anchor="ctr"/>
+          <a:lstStyle/>
+          <a:p>
+            <a:pPr algn="ctr"/>
+            <a:r>
+              <a:rPr lang="en-US" altLang="ko-KR" dirty="0"/>
+              <a:t>5</a:t>
+            </a:r>
+            <a:endParaRPr lang="ko-KR" altLang="en-US" dirty="0"/>
+          </a:p>
+        </p:txBody>
+      </p:sp>
+      <p:sp>
+        <p:nvSpPr>
+          <p:cNvPr id="14" name="직사각형 13"/>
+          <p:cNvSpPr/>
+          <p:nvPr/>
+        </p:nvSpPr>
+        <p:spPr>
+          <a:xfrm>
+            <a:off x="4406658" y="4180839"/>
+            <a:ext cx="504056" cy="432048"/>
+          </a:xfrm>
+          <a:prstGeom prst="rect">
+            <a:avLst/>
+          </a:prstGeom>
+          <a:solidFill>
+            <a:schemeClr val="accent2">
+              <a:lumMod val="60000"/>
+              <a:lumOff val="40000"/>
+            </a:schemeClr>
+          </a:solidFill>
+          <a:ln>
+            <a:solidFill>
+              <a:schemeClr val="accent5">
+                <a:lumMod val="75000"/>
+              </a:schemeClr>
+            </a:solidFill>
+          </a:ln>
+        </p:spPr>
+        <p:style>
+          <a:lnRef idx="2">
+            <a:schemeClr val="accent1">
+              <a:shade val="50000"/>
+            </a:schemeClr>
+          </a:lnRef>
+          <a:fillRef idx="1">
+            <a:schemeClr val="accent1"/>
+          </a:fillRef>
+          <a:effectRef idx="0">
+            <a:schemeClr val="accent1"/>
+          </a:effectRef>
+          <a:fontRef idx="minor">
+            <a:schemeClr val="lt1"/>
+          </a:fontRef>
+        </p:style>
+        <p:txBody>
+          <a:bodyPr rtlCol="0" anchor="ctr"/>
+          <a:lstStyle/>
+          <a:p>
+            <a:pPr algn="ctr"/>
+            <a:r>
+              <a:rPr lang="en-US" altLang="ko-KR" dirty="0"/>
+              <a:t>6</a:t>
+            </a:r>
+            <a:endParaRPr lang="ko-KR" altLang="en-US" dirty="0"/>
+          </a:p>
+        </p:txBody>
+      </p:sp>
+      <p:sp>
+        <p:nvSpPr>
+          <p:cNvPr id="15" name="직사각형 14"/>
+          <p:cNvSpPr/>
+          <p:nvPr/>
+        </p:nvSpPr>
+        <p:spPr>
+          <a:xfrm>
+            <a:off x="4979591" y="4180839"/>
+            <a:ext cx="504056" cy="432048"/>
+          </a:xfrm>
+          <a:prstGeom prst="rect">
+            <a:avLst/>
+          </a:prstGeom>
+          <a:solidFill>
+            <a:schemeClr val="accent2">
+              <a:lumMod val="60000"/>
+              <a:lumOff val="40000"/>
+            </a:schemeClr>
+          </a:solidFill>
+          <a:ln>
+            <a:solidFill>
+              <a:schemeClr val="accent5">
+                <a:lumMod val="75000"/>
+              </a:schemeClr>
+            </a:solidFill>
+          </a:ln>
+        </p:spPr>
+        <p:style>
+          <a:lnRef idx="2">
+            <a:schemeClr val="accent1">
+              <a:shade val="50000"/>
+            </a:schemeClr>
+          </a:lnRef>
+          <a:fillRef idx="1">
+            <a:schemeClr val="accent1"/>
+          </a:fillRef>
+          <a:effectRef idx="0">
+            <a:schemeClr val="accent1"/>
+          </a:effectRef>
+          <a:fontRef idx="minor">
+            <a:schemeClr val="lt1"/>
+          </a:fontRef>
+        </p:style>
+        <p:txBody>
+          <a:bodyPr rtlCol="0" anchor="ctr"/>
+          <a:lstStyle/>
+          <a:p>
+            <a:pPr algn="ctr"/>
+            <a:r>
+              <a:rPr lang="en-US" altLang="ko-KR" dirty="0"/>
+              <a:t>7</a:t>
+            </a:r>
+            <a:endParaRPr lang="ko-KR" altLang="en-US" dirty="0"/>
+          </a:p>
+        </p:txBody>
+      </p:sp>
+      <p:sp>
+        <p:nvSpPr>
+          <p:cNvPr id="16" name="직사각형 15"/>
+          <p:cNvSpPr/>
+          <p:nvPr/>
+        </p:nvSpPr>
+        <p:spPr>
+          <a:xfrm>
+            <a:off x="5544513" y="4180839"/>
+            <a:ext cx="504056" cy="432048"/>
+          </a:xfrm>
+          <a:prstGeom prst="rect">
+            <a:avLst/>
+          </a:prstGeom>
+          <a:solidFill>
+            <a:schemeClr val="accent2">
+              <a:lumMod val="60000"/>
+              <a:lumOff val="40000"/>
+            </a:schemeClr>
+          </a:solidFill>
+          <a:ln>
+            <a:solidFill>
+              <a:schemeClr val="accent5">
+                <a:lumMod val="75000"/>
+              </a:schemeClr>
+            </a:solidFill>
+          </a:ln>
+        </p:spPr>
+        <p:style>
+          <a:lnRef idx="2">
+            <a:schemeClr val="accent1">
+              <a:shade val="50000"/>
+            </a:schemeClr>
+          </a:lnRef>
+          <a:fillRef idx="1">
+            <a:schemeClr val="accent1"/>
+          </a:fillRef>
+          <a:effectRef idx="0">
+            <a:schemeClr val="accent1"/>
+          </a:effectRef>
+          <a:fontRef idx="minor">
+            <a:schemeClr val="lt1"/>
+          </a:fontRef>
+        </p:style>
+        <p:txBody>
+          <a:bodyPr rtlCol="0" anchor="ctr"/>
+          <a:lstStyle/>
+          <a:p>
+            <a:pPr algn="ctr"/>
+            <a:r>
+              <a:rPr lang="en-US" altLang="ko-KR" dirty="0"/>
+              <a:t>8</a:t>
+            </a:r>
+            <a:endParaRPr lang="ko-KR" altLang="en-US" dirty="0"/>
+          </a:p>
+        </p:txBody>
+      </p:sp>
+      <p:sp>
+        <p:nvSpPr>
+          <p:cNvPr id="17" name="직사각형 16"/>
+          <p:cNvSpPr/>
+          <p:nvPr/>
+        </p:nvSpPr>
+        <p:spPr>
+          <a:xfrm>
+            <a:off x="6122879" y="4180839"/>
+            <a:ext cx="504056" cy="432048"/>
+          </a:xfrm>
+          <a:prstGeom prst="rect">
+            <a:avLst/>
+          </a:prstGeom>
+          <a:solidFill>
+            <a:schemeClr val="accent2">
+              <a:lumMod val="60000"/>
+              <a:lumOff val="40000"/>
+            </a:schemeClr>
+          </a:solidFill>
+          <a:ln>
+            <a:solidFill>
+              <a:schemeClr val="accent5">
+                <a:lumMod val="75000"/>
+              </a:schemeClr>
+            </a:solidFill>
+          </a:ln>
+        </p:spPr>
+        <p:style>
+          <a:lnRef idx="2">
+            <a:schemeClr val="accent1">
+              <a:shade val="50000"/>
+            </a:schemeClr>
+          </a:lnRef>
+          <a:fillRef idx="1">
+            <a:schemeClr val="accent1"/>
+          </a:fillRef>
+          <a:effectRef idx="0">
+            <a:schemeClr val="accent1"/>
+          </a:effectRef>
+          <a:fontRef idx="minor">
+            <a:schemeClr val="lt1"/>
+          </a:fontRef>
+        </p:style>
+        <p:txBody>
+          <a:bodyPr rtlCol="0" anchor="ctr"/>
+          <a:lstStyle/>
+          <a:p>
+            <a:pPr algn="ctr"/>
+            <a:r>
+              <a:rPr lang="en-US" altLang="ko-KR" dirty="0"/>
+              <a:t>9</a:t>
+            </a:r>
+            <a:endParaRPr lang="ko-KR" altLang="en-US" dirty="0"/>
+          </a:p>
+        </p:txBody>
+      </p:sp>
+      <p:sp>
+        <p:nvSpPr>
+          <p:cNvPr id="18" name="직사각형 17"/>
+          <p:cNvSpPr/>
+          <p:nvPr/>
+        </p:nvSpPr>
+        <p:spPr>
+          <a:xfrm>
+            <a:off x="6687585" y="4180839"/>
+            <a:ext cx="504056" cy="432048"/>
+          </a:xfrm>
+          <a:prstGeom prst="rect">
+            <a:avLst/>
+          </a:prstGeom>
+          <a:solidFill>
+            <a:schemeClr val="accent2">
+              <a:lumMod val="60000"/>
+              <a:lumOff val="40000"/>
+            </a:schemeClr>
+          </a:solidFill>
+          <a:ln>
+            <a:solidFill>
+              <a:schemeClr val="accent5">
+                <a:lumMod val="75000"/>
+              </a:schemeClr>
+            </a:solidFill>
+          </a:ln>
+        </p:spPr>
+        <p:style>
+          <a:lnRef idx="2">
+            <a:schemeClr val="accent1">
+              <a:shade val="50000"/>
+            </a:schemeClr>
+          </a:lnRef>
+          <a:fillRef idx="1">
+            <a:schemeClr val="accent1"/>
+          </a:fillRef>
+          <a:effectRef idx="0">
+            <a:schemeClr val="accent1"/>
+          </a:effectRef>
+          <a:fontRef idx="minor">
+            <a:schemeClr val="lt1"/>
+          </a:fontRef>
+        </p:style>
+        <p:txBody>
+          <a:bodyPr rtlCol="0" anchor="ctr"/>
+          <a:lstStyle/>
+          <a:p>
+            <a:pPr algn="ctr"/>
+            <a:r>
+              <a:rPr lang="en-US" altLang="ko-KR" dirty="0" smtClean="0"/>
+              <a:t>10</a:t>
+            </a:r>
+            <a:endParaRPr lang="ko-KR" altLang="en-US" dirty="0"/>
+          </a:p>
+        </p:txBody>
+      </p:sp>
+      <p:grpSp>
+        <p:nvGrpSpPr>
+          <p:cNvPr id="21" name="그룹 20"/>
+          <p:cNvGrpSpPr/>
+          <p:nvPr/>
+        </p:nvGrpSpPr>
+        <p:grpSpPr>
+          <a:xfrm>
+            <a:off x="1439920" y="3400722"/>
+            <a:ext cx="834011" cy="780117"/>
+            <a:chOff x="3032395" y="1838133"/>
+            <a:chExt cx="834011" cy="780117"/>
+          </a:xfrm>
+        </p:grpSpPr>
+        <p:sp>
+          <p:nvSpPr>
+            <p:cNvPr id="22" name="아래쪽 화살표 21"/>
+            <p:cNvSpPr/>
+            <p:nvPr/>
+          </p:nvSpPr>
+          <p:spPr>
+            <a:xfrm>
+              <a:off x="3240408" y="2186202"/>
+              <a:ext cx="301370" cy="432048"/>
+            </a:xfrm>
+            <a:prstGeom prst="downArrow">
+              <a:avLst/>
+            </a:prstGeom>
+            <a:solidFill>
+              <a:srgbClr val="FF0000"/>
+            </a:solidFill>
+            <a:ln>
+              <a:noFill/>
+            </a:ln>
+          </p:spPr>
+          <p:style>
+            <a:lnRef idx="2">
+              <a:schemeClr val="accent1">
+                <a:shade val="50000"/>
+              </a:schemeClr>
+            </a:lnRef>
+            <a:fillRef idx="1">
+              <a:schemeClr val="accent1"/>
+            </a:fillRef>
+            <a:effectRef idx="0">
+              <a:schemeClr val="accent1"/>
+            </a:effectRef>
+            <a:fontRef idx="minor">
+              <a:schemeClr val="lt1"/>
+            </a:fontRef>
+          </p:style>
+          <p:txBody>
+            <a:bodyPr rtlCol="0" anchor="ctr"/>
+            <a:lstStyle/>
+            <a:p>
+              <a:pPr algn="ctr"/>
+              <a:endParaRPr lang="ko-KR" altLang="en-US"/>
+            </a:p>
+          </p:txBody>
+        </p:sp>
+        <p:sp>
+          <p:nvSpPr>
+            <p:cNvPr id="23" name="TextBox 22"/>
+            <p:cNvSpPr txBox="1"/>
+            <p:nvPr/>
+          </p:nvSpPr>
+          <p:spPr>
+            <a:xfrm>
+              <a:off x="3032395" y="1838133"/>
+              <a:ext cx="834011" cy="369332"/>
+            </a:xfrm>
+            <a:prstGeom prst="rect">
+              <a:avLst/>
+            </a:prstGeom>
+            <a:noFill/>
+          </p:spPr>
+          <p:txBody>
+            <a:bodyPr wrap="none" rtlCol="0">
+              <a:spAutoFit/>
+            </a:bodyPr>
+            <a:lstStyle/>
+            <a:p>
+              <a:r>
+                <a:rPr lang="en-US" altLang="ko-KR" dirty="0" smtClean="0">
+                  <a:solidFill>
+                    <a:srgbClr val="FF0000"/>
+                  </a:solidFill>
+                </a:rPr>
+                <a:t>pivot1</a:t>
+              </a:r>
+              <a:endParaRPr lang="ko-KR" altLang="en-US" dirty="0">
+                <a:solidFill>
+                  <a:srgbClr val="FF0000"/>
+                </a:solidFill>
+              </a:endParaRPr>
+            </a:p>
+          </p:txBody>
+        </p:sp>
+      </p:grpSp>
+      <p:sp>
+        <p:nvSpPr>
+          <p:cNvPr id="31" name="TextBox 30"/>
+          <p:cNvSpPr txBox="1"/>
+          <p:nvPr/>
+        </p:nvSpPr>
+        <p:spPr>
+          <a:xfrm>
+            <a:off x="1471829" y="4723758"/>
+            <a:ext cx="653577" cy="369332"/>
+          </a:xfrm>
+          <a:prstGeom prst="rect">
+            <a:avLst/>
+          </a:prstGeom>
+          <a:noFill/>
+        </p:spPr>
+        <p:txBody>
+          <a:bodyPr wrap="none" rtlCol="0">
+            <a:spAutoFit/>
+          </a:bodyPr>
+          <a:lstStyle/>
+          <a:p>
+            <a:r>
+              <a:rPr lang="en-US" altLang="ko-KR" dirty="0" smtClean="0">
+                <a:solidFill>
+                  <a:srgbClr val="FF0000"/>
+                </a:solidFill>
+              </a:rPr>
+              <a:t>start</a:t>
+            </a:r>
+            <a:endParaRPr lang="ko-KR" altLang="en-US" dirty="0">
+              <a:solidFill>
+                <a:srgbClr val="FF0000"/>
+              </a:solidFill>
+            </a:endParaRPr>
+          </a:p>
+        </p:txBody>
+      </p:sp>
+      <p:sp>
+        <p:nvSpPr>
+          <p:cNvPr id="32" name="TextBox 31"/>
+          <p:cNvSpPr txBox="1"/>
+          <p:nvPr/>
+        </p:nvSpPr>
+        <p:spPr>
+          <a:xfrm>
+            <a:off x="6626935" y="4723758"/>
+            <a:ext cx="580608" cy="369332"/>
+          </a:xfrm>
+          <a:prstGeom prst="rect">
+            <a:avLst/>
+          </a:prstGeom>
+          <a:noFill/>
+        </p:spPr>
+        <p:txBody>
+          <a:bodyPr wrap="none" rtlCol="0">
+            <a:spAutoFit/>
+          </a:bodyPr>
+          <a:lstStyle/>
+          <a:p>
+            <a:r>
+              <a:rPr lang="en-US" altLang="ko-KR" dirty="0" smtClean="0">
+                <a:solidFill>
+                  <a:srgbClr val="FF0000"/>
+                </a:solidFill>
+              </a:rPr>
+              <a:t>end</a:t>
+            </a:r>
+            <a:endParaRPr lang="ko-KR" altLang="en-US" dirty="0">
+              <a:solidFill>
+                <a:srgbClr val="FF0000"/>
+              </a:solidFill>
+            </a:endParaRPr>
+          </a:p>
+        </p:txBody>
+      </p:sp>
+      <p:sp>
+        <p:nvSpPr>
+          <p:cNvPr id="3" name="TextBox 2"/>
+          <p:cNvSpPr txBox="1"/>
+          <p:nvPr/>
+        </p:nvSpPr>
+        <p:spPr>
+          <a:xfrm>
+            <a:off x="1248771" y="1340768"/>
+            <a:ext cx="5408853" cy="923330"/>
+          </a:xfrm>
+          <a:prstGeom prst="rect">
+            <a:avLst/>
+          </a:prstGeom>
+          <a:noFill/>
+        </p:spPr>
+        <p:txBody>
+          <a:bodyPr wrap="none" rtlCol="0">
+            <a:spAutoFit/>
+          </a:bodyPr>
+          <a:lstStyle/>
+          <a:p>
+            <a:r>
+              <a:rPr lang="ko-KR" altLang="en-US" dirty="0" smtClean="0"/>
+              <a:t>이럴 경우에는 </a:t>
+            </a:r>
+            <a:r>
+              <a:rPr lang="en-US" altLang="ko-KR" dirty="0" smtClean="0"/>
+              <a:t>pivot</a:t>
+            </a:r>
+            <a:r>
+              <a:rPr lang="ko-KR" altLang="en-US" dirty="0" smtClean="0"/>
+              <a:t>을 결정할 때</a:t>
+            </a:r>
+            <a:endParaRPr lang="en-US" altLang="ko-KR" dirty="0" smtClean="0"/>
+          </a:p>
+          <a:p>
+            <a:r>
+              <a:rPr lang="ko-KR" altLang="en-US" dirty="0" smtClean="0">
+                <a:solidFill>
+                  <a:srgbClr val="FF0000"/>
+                </a:solidFill>
+              </a:rPr>
+              <a:t>맨 왼쪽</a:t>
+            </a:r>
+            <a:r>
+              <a:rPr lang="en-US" altLang="ko-KR" dirty="0" smtClean="0">
+                <a:solidFill>
+                  <a:srgbClr val="FF0000"/>
+                </a:solidFill>
+              </a:rPr>
+              <a:t>, </a:t>
+            </a:r>
+            <a:r>
+              <a:rPr lang="ko-KR" altLang="en-US" dirty="0" smtClean="0">
+                <a:solidFill>
+                  <a:srgbClr val="FF0000"/>
+                </a:solidFill>
+              </a:rPr>
+              <a:t>가운데</a:t>
+            </a:r>
+            <a:r>
+              <a:rPr lang="en-US" altLang="ko-KR" dirty="0" smtClean="0">
+                <a:solidFill>
+                  <a:srgbClr val="FF0000"/>
+                </a:solidFill>
+              </a:rPr>
+              <a:t>, </a:t>
+            </a:r>
+            <a:r>
+              <a:rPr lang="ko-KR" altLang="en-US" dirty="0" smtClean="0">
+                <a:solidFill>
+                  <a:srgbClr val="FF0000"/>
+                </a:solidFill>
+              </a:rPr>
+              <a:t>맨 오른쪽 값을 비교</a:t>
+            </a:r>
+            <a:r>
+              <a:rPr lang="ko-KR" altLang="en-US" dirty="0" smtClean="0"/>
+              <a:t>해 </a:t>
+            </a:r>
+            <a:r>
+              <a:rPr lang="ko-KR" altLang="en-US" dirty="0" smtClean="0">
+                <a:solidFill>
+                  <a:srgbClr val="FF0000"/>
+                </a:solidFill>
+              </a:rPr>
+              <a:t>중간 값</a:t>
+            </a:r>
+            <a:r>
+              <a:rPr lang="ko-KR" altLang="en-US" dirty="0" smtClean="0"/>
+              <a:t>을 </a:t>
+            </a:r>
+            <a:endParaRPr lang="en-US" altLang="ko-KR" dirty="0" smtClean="0"/>
+          </a:p>
+          <a:p>
+            <a:r>
+              <a:rPr lang="en-US" altLang="ko-KR" dirty="0" smtClean="0"/>
+              <a:t>Pivot</a:t>
+            </a:r>
+            <a:r>
+              <a:rPr lang="ko-KR" altLang="en-US" dirty="0" smtClean="0"/>
+              <a:t>으로 만듭니다</a:t>
+            </a:r>
+            <a:endParaRPr lang="ko-KR" altLang="en-US" dirty="0"/>
+          </a:p>
+        </p:txBody>
+      </p:sp>
+      <p:grpSp>
+        <p:nvGrpSpPr>
+          <p:cNvPr id="30" name="그룹 29"/>
+          <p:cNvGrpSpPr/>
+          <p:nvPr/>
+        </p:nvGrpSpPr>
+        <p:grpSpPr>
+          <a:xfrm>
+            <a:off x="3757445" y="3358732"/>
+            <a:ext cx="834011" cy="780117"/>
+            <a:chOff x="3032395" y="1838133"/>
+            <a:chExt cx="834011" cy="780117"/>
+          </a:xfrm>
+        </p:grpSpPr>
+        <p:sp>
+          <p:nvSpPr>
+            <p:cNvPr id="33" name="아래쪽 화살표 32"/>
+            <p:cNvSpPr/>
+            <p:nvPr/>
+          </p:nvSpPr>
+          <p:spPr>
+            <a:xfrm>
+              <a:off x="3240408" y="2186202"/>
+              <a:ext cx="301370" cy="432048"/>
+            </a:xfrm>
+            <a:prstGeom prst="downArrow">
+              <a:avLst/>
+            </a:prstGeom>
+            <a:solidFill>
+              <a:srgbClr val="FF0000"/>
+            </a:solidFill>
+            <a:ln>
+              <a:noFill/>
+            </a:ln>
+          </p:spPr>
+          <p:style>
+            <a:lnRef idx="2">
+              <a:schemeClr val="accent1">
+                <a:shade val="50000"/>
+              </a:schemeClr>
+            </a:lnRef>
+            <a:fillRef idx="1">
+              <a:schemeClr val="accent1"/>
+            </a:fillRef>
+            <a:effectRef idx="0">
+              <a:schemeClr val="accent1"/>
+            </a:effectRef>
+            <a:fontRef idx="minor">
+              <a:schemeClr val="lt1"/>
+            </a:fontRef>
+          </p:style>
+          <p:txBody>
+            <a:bodyPr rtlCol="0" anchor="ctr"/>
+            <a:lstStyle/>
+            <a:p>
+              <a:pPr algn="ctr"/>
+              <a:endParaRPr lang="ko-KR" altLang="en-US"/>
+            </a:p>
+          </p:txBody>
+        </p:sp>
+        <p:sp>
+          <p:nvSpPr>
+            <p:cNvPr id="34" name="TextBox 33"/>
+            <p:cNvSpPr txBox="1"/>
+            <p:nvPr/>
+          </p:nvSpPr>
+          <p:spPr>
+            <a:xfrm>
+              <a:off x="3032395" y="1838133"/>
+              <a:ext cx="834011" cy="369332"/>
+            </a:xfrm>
+            <a:prstGeom prst="rect">
+              <a:avLst/>
+            </a:prstGeom>
+            <a:noFill/>
+          </p:spPr>
+          <p:txBody>
+            <a:bodyPr wrap="none" rtlCol="0">
+              <a:spAutoFit/>
+            </a:bodyPr>
+            <a:lstStyle/>
+            <a:p>
+              <a:r>
+                <a:rPr lang="en-US" altLang="ko-KR" dirty="0" smtClean="0">
+                  <a:solidFill>
+                    <a:srgbClr val="FF0000"/>
+                  </a:solidFill>
+                </a:rPr>
+                <a:t>pivot2</a:t>
+              </a:r>
+              <a:endParaRPr lang="ko-KR" altLang="en-US" dirty="0">
+                <a:solidFill>
+                  <a:srgbClr val="FF0000"/>
+                </a:solidFill>
+              </a:endParaRPr>
+            </a:p>
+          </p:txBody>
+        </p:sp>
+      </p:grpSp>
+      <p:grpSp>
+        <p:nvGrpSpPr>
+          <p:cNvPr id="35" name="그룹 34"/>
+          <p:cNvGrpSpPr/>
+          <p:nvPr/>
+        </p:nvGrpSpPr>
+        <p:grpSpPr>
+          <a:xfrm>
+            <a:off x="6500170" y="3358732"/>
+            <a:ext cx="834011" cy="780117"/>
+            <a:chOff x="3032395" y="1838133"/>
+            <a:chExt cx="834011" cy="780117"/>
+          </a:xfrm>
+        </p:grpSpPr>
+        <p:sp>
+          <p:nvSpPr>
+            <p:cNvPr id="36" name="아래쪽 화살표 35"/>
+            <p:cNvSpPr/>
+            <p:nvPr/>
+          </p:nvSpPr>
+          <p:spPr>
+            <a:xfrm>
+              <a:off x="3240408" y="2186202"/>
+              <a:ext cx="301370" cy="432048"/>
+            </a:xfrm>
+            <a:prstGeom prst="downArrow">
+              <a:avLst/>
+            </a:prstGeom>
+            <a:solidFill>
+              <a:srgbClr val="FF0000"/>
+            </a:solidFill>
+            <a:ln>
+              <a:noFill/>
+            </a:ln>
+          </p:spPr>
+          <p:style>
+            <a:lnRef idx="2">
+              <a:schemeClr val="accent1">
+                <a:shade val="50000"/>
+              </a:schemeClr>
+            </a:lnRef>
+            <a:fillRef idx="1">
+              <a:schemeClr val="accent1"/>
+            </a:fillRef>
+            <a:effectRef idx="0">
+              <a:schemeClr val="accent1"/>
+            </a:effectRef>
+            <a:fontRef idx="minor">
+              <a:schemeClr val="lt1"/>
+            </a:fontRef>
+          </p:style>
+          <p:txBody>
+            <a:bodyPr rtlCol="0" anchor="ctr"/>
+            <a:lstStyle/>
+            <a:p>
+              <a:pPr algn="ctr"/>
+              <a:endParaRPr lang="ko-KR" altLang="en-US"/>
+            </a:p>
+          </p:txBody>
+        </p:sp>
+        <p:sp>
+          <p:nvSpPr>
+            <p:cNvPr id="37" name="TextBox 36"/>
+            <p:cNvSpPr txBox="1"/>
+            <p:nvPr/>
+          </p:nvSpPr>
+          <p:spPr>
+            <a:xfrm>
+              <a:off x="3032395" y="1838133"/>
+              <a:ext cx="834011" cy="369332"/>
+            </a:xfrm>
+            <a:prstGeom prst="rect">
+              <a:avLst/>
+            </a:prstGeom>
+            <a:noFill/>
+          </p:spPr>
+          <p:txBody>
+            <a:bodyPr wrap="none" rtlCol="0">
+              <a:spAutoFit/>
+            </a:bodyPr>
+            <a:lstStyle/>
+            <a:p>
+              <a:r>
+                <a:rPr lang="en-US" altLang="ko-KR" dirty="0" smtClean="0">
+                  <a:solidFill>
+                    <a:srgbClr val="FF0000"/>
+                  </a:solidFill>
+                </a:rPr>
+                <a:t>pivot3</a:t>
+              </a:r>
+              <a:endParaRPr lang="ko-KR" altLang="en-US" dirty="0">
+                <a:solidFill>
+                  <a:srgbClr val="FF0000"/>
+                </a:solidFill>
+              </a:endParaRPr>
+            </a:p>
+          </p:txBody>
+        </p:sp>
+      </p:grpSp>
+    </p:spTree>
+    <p:extLst>
+      <p:ext uri="{BB962C8B-B14F-4D97-AF65-F5344CB8AC3E}">
+        <p14:creationId xmlns:p14="http://schemas.microsoft.com/office/powerpoint/2010/main" val="4250318507"/>
+      </p:ext>
+    </p:extLst>
+  </p:cSld>
+  <p:clrMapOvr>
+    <a:masterClrMapping/>
+  </p:clrMapOvr>
+</p:sld>
+</file>
+
+<file path=ppt/slides/slide54.xml><?xml version="1.0" encoding="utf-8"?>
+<p:sld xmlns:a="http://schemas.openxmlformats.org/drawingml/2006/main" xmlns:r="http://schemas.openxmlformats.org/officeDocument/2006/relationships" xmlns:p="http://schemas.openxmlformats.org/presentationml/2006/main">
+  <p:cSld>
+    <p:spTree>
+      <p:nvGrpSpPr>
+        <p:cNvPr id="1" name=""/>
+        <p:cNvGrpSpPr/>
+        <p:nvPr/>
+      </p:nvGrpSpPr>
+      <p:grpSpPr>
+        <a:xfrm>
+          <a:off x="0" y="0"/>
+          <a:ext cx="0" cy="0"/>
+          <a:chOff x="0" y="0"/>
+          <a:chExt cx="0" cy="0"/>
+        </a:xfrm>
+      </p:grpSpPr>
+      <p:sp>
+        <p:nvSpPr>
+          <p:cNvPr id="7" name="TextBox 6"/>
+          <p:cNvSpPr txBox="1"/>
+          <p:nvPr/>
+        </p:nvSpPr>
+        <p:spPr>
+          <a:xfrm>
+            <a:off x="395536" y="404664"/>
+            <a:ext cx="1689886" cy="646331"/>
+          </a:xfrm>
+          <a:prstGeom prst="rect">
+            <a:avLst/>
+          </a:prstGeom>
+          <a:noFill/>
+        </p:spPr>
+        <p:txBody>
+          <a:bodyPr wrap="none" rtlCol="0">
+            <a:spAutoFit/>
+          </a:bodyPr>
+          <a:lstStyle/>
+          <a:p>
+            <a:r>
+              <a:rPr lang="ko-KR" altLang="en-US" dirty="0" smtClean="0"/>
+              <a:t>정렬 알고리즘</a:t>
+            </a:r>
+            <a:endParaRPr lang="en-US" altLang="ko-KR" dirty="0" smtClean="0"/>
+          </a:p>
+          <a:p>
+            <a:r>
+              <a:rPr lang="en-US" altLang="ko-KR" dirty="0" smtClean="0"/>
+              <a:t>  : </a:t>
+            </a:r>
+            <a:r>
+              <a:rPr lang="en-US" altLang="ko-KR" dirty="0" smtClean="0"/>
+              <a:t>Quicksort</a:t>
+            </a:r>
+            <a:endParaRPr lang="ko-KR" altLang="en-US" dirty="0"/>
+          </a:p>
+        </p:txBody>
+      </p:sp>
+      <p:sp>
+        <p:nvSpPr>
+          <p:cNvPr id="9" name="직사각형 8"/>
+          <p:cNvSpPr/>
+          <p:nvPr/>
+        </p:nvSpPr>
+        <p:spPr>
+          <a:xfrm>
+            <a:off x="1310470" y="2276872"/>
+            <a:ext cx="504056" cy="432048"/>
+          </a:xfrm>
+          <a:prstGeom prst="rect">
+            <a:avLst/>
+          </a:prstGeom>
+          <a:solidFill>
+            <a:schemeClr val="accent2">
+              <a:lumMod val="60000"/>
+              <a:lumOff val="40000"/>
+            </a:schemeClr>
+          </a:solidFill>
+          <a:ln>
+            <a:solidFill>
+              <a:schemeClr val="accent5">
+                <a:lumMod val="75000"/>
+              </a:schemeClr>
+            </a:solidFill>
+          </a:ln>
+        </p:spPr>
+        <p:style>
+          <a:lnRef idx="2">
+            <a:schemeClr val="accent1">
+              <a:shade val="50000"/>
+            </a:schemeClr>
+          </a:lnRef>
+          <a:fillRef idx="1">
+            <a:schemeClr val="accent1"/>
+          </a:fillRef>
+          <a:effectRef idx="0">
+            <a:schemeClr val="accent1"/>
+          </a:effectRef>
+          <a:fontRef idx="minor">
+            <a:schemeClr val="lt1"/>
+          </a:fontRef>
+        </p:style>
+        <p:txBody>
+          <a:bodyPr rtlCol="0" anchor="ctr"/>
+          <a:lstStyle/>
+          <a:p>
+            <a:pPr algn="ctr"/>
+            <a:r>
+              <a:rPr lang="en-US" altLang="ko-KR" dirty="0"/>
+              <a:t>1</a:t>
+            </a:r>
+            <a:endParaRPr lang="ko-KR" altLang="en-US" dirty="0"/>
+          </a:p>
+        </p:txBody>
+      </p:sp>
+      <p:sp>
+        <p:nvSpPr>
+          <p:cNvPr id="10" name="직사각형 9"/>
+          <p:cNvSpPr/>
+          <p:nvPr/>
+        </p:nvSpPr>
+        <p:spPr>
+          <a:xfrm>
+            <a:off x="1883403" y="2276872"/>
+            <a:ext cx="504056" cy="432048"/>
+          </a:xfrm>
+          <a:prstGeom prst="rect">
+            <a:avLst/>
+          </a:prstGeom>
+          <a:solidFill>
+            <a:schemeClr val="accent2">
+              <a:lumMod val="60000"/>
+              <a:lumOff val="40000"/>
+            </a:schemeClr>
+          </a:solidFill>
+          <a:ln>
+            <a:solidFill>
+              <a:schemeClr val="accent5">
+                <a:lumMod val="75000"/>
+              </a:schemeClr>
+            </a:solidFill>
+          </a:ln>
+        </p:spPr>
+        <p:style>
+          <a:lnRef idx="2">
+            <a:schemeClr val="accent1">
+              <a:shade val="50000"/>
+            </a:schemeClr>
+          </a:lnRef>
+          <a:fillRef idx="1">
+            <a:schemeClr val="accent1"/>
+          </a:fillRef>
+          <a:effectRef idx="0">
+            <a:schemeClr val="accent1"/>
+          </a:effectRef>
+          <a:fontRef idx="minor">
+            <a:schemeClr val="lt1"/>
+          </a:fontRef>
+        </p:style>
+        <p:txBody>
+          <a:bodyPr rtlCol="0" anchor="ctr"/>
+          <a:lstStyle/>
+          <a:p>
+            <a:pPr algn="ctr"/>
+            <a:r>
+              <a:rPr lang="en-US" altLang="ko-KR" dirty="0"/>
+              <a:t>2</a:t>
+            </a:r>
+            <a:endParaRPr lang="ko-KR" altLang="en-US" dirty="0"/>
+          </a:p>
+        </p:txBody>
+      </p:sp>
+      <p:sp>
+        <p:nvSpPr>
+          <p:cNvPr id="11" name="직사각형 10"/>
+          <p:cNvSpPr/>
+          <p:nvPr/>
+        </p:nvSpPr>
+        <p:spPr>
+          <a:xfrm>
+            <a:off x="2448325" y="2276872"/>
+            <a:ext cx="504056" cy="432048"/>
+          </a:xfrm>
+          <a:prstGeom prst="rect">
+            <a:avLst/>
+          </a:prstGeom>
+          <a:solidFill>
+            <a:schemeClr val="accent2">
+              <a:lumMod val="60000"/>
+              <a:lumOff val="40000"/>
+            </a:schemeClr>
+          </a:solidFill>
+          <a:ln>
+            <a:solidFill>
+              <a:schemeClr val="accent5">
+                <a:lumMod val="75000"/>
+              </a:schemeClr>
+            </a:solidFill>
+          </a:ln>
+        </p:spPr>
+        <p:style>
+          <a:lnRef idx="2">
+            <a:schemeClr val="accent1">
+              <a:shade val="50000"/>
+            </a:schemeClr>
+          </a:lnRef>
+          <a:fillRef idx="1">
+            <a:schemeClr val="accent1"/>
+          </a:fillRef>
+          <a:effectRef idx="0">
+            <a:schemeClr val="accent1"/>
+          </a:effectRef>
+          <a:fontRef idx="minor">
+            <a:schemeClr val="lt1"/>
+          </a:fontRef>
+        </p:style>
+        <p:txBody>
+          <a:bodyPr rtlCol="0" anchor="ctr"/>
+          <a:lstStyle/>
+          <a:p>
+            <a:pPr algn="ctr"/>
+            <a:r>
+              <a:rPr lang="en-US" altLang="ko-KR" dirty="0"/>
+              <a:t>3</a:t>
+            </a:r>
+            <a:endParaRPr lang="ko-KR" altLang="en-US" dirty="0"/>
+          </a:p>
+        </p:txBody>
+      </p:sp>
+      <p:sp>
+        <p:nvSpPr>
+          <p:cNvPr id="12" name="직사각형 11"/>
+          <p:cNvSpPr/>
+          <p:nvPr/>
+        </p:nvSpPr>
+        <p:spPr>
+          <a:xfrm>
+            <a:off x="3026691" y="2276872"/>
+            <a:ext cx="504056" cy="432048"/>
+          </a:xfrm>
+          <a:prstGeom prst="rect">
+            <a:avLst/>
+          </a:prstGeom>
+          <a:solidFill>
+            <a:schemeClr val="accent2">
+              <a:lumMod val="60000"/>
+              <a:lumOff val="40000"/>
+            </a:schemeClr>
+          </a:solidFill>
+          <a:ln>
+            <a:solidFill>
+              <a:schemeClr val="accent5">
+                <a:lumMod val="75000"/>
+              </a:schemeClr>
+            </a:solidFill>
+          </a:ln>
+        </p:spPr>
+        <p:style>
+          <a:lnRef idx="2">
+            <a:schemeClr val="accent1">
+              <a:shade val="50000"/>
+            </a:schemeClr>
+          </a:lnRef>
+          <a:fillRef idx="1">
+            <a:schemeClr val="accent1"/>
+          </a:fillRef>
+          <a:effectRef idx="0">
+            <a:schemeClr val="accent1"/>
+          </a:effectRef>
+          <a:fontRef idx="minor">
+            <a:schemeClr val="lt1"/>
+          </a:fontRef>
+        </p:style>
+        <p:txBody>
+          <a:bodyPr rtlCol="0" anchor="ctr"/>
+          <a:lstStyle/>
+          <a:p>
+            <a:pPr algn="ctr"/>
+            <a:r>
+              <a:rPr lang="en-US" altLang="ko-KR" dirty="0"/>
+              <a:t>4</a:t>
+            </a:r>
+            <a:endParaRPr lang="ko-KR" altLang="en-US" dirty="0"/>
+          </a:p>
+        </p:txBody>
+      </p:sp>
+      <p:sp>
+        <p:nvSpPr>
+          <p:cNvPr id="13" name="직사각형 12"/>
+          <p:cNvSpPr/>
+          <p:nvPr/>
+        </p:nvSpPr>
+        <p:spPr>
+          <a:xfrm>
+            <a:off x="3591397" y="2276872"/>
+            <a:ext cx="504056" cy="432048"/>
+          </a:xfrm>
+          <a:prstGeom prst="rect">
+            <a:avLst/>
+          </a:prstGeom>
+          <a:solidFill>
+            <a:schemeClr val="accent2">
+              <a:lumMod val="60000"/>
+              <a:lumOff val="40000"/>
+            </a:schemeClr>
+          </a:solidFill>
+          <a:ln>
+            <a:solidFill>
+              <a:schemeClr val="accent5">
+                <a:lumMod val="75000"/>
+              </a:schemeClr>
+            </a:solidFill>
+          </a:ln>
+        </p:spPr>
+        <p:style>
+          <a:lnRef idx="2">
+            <a:schemeClr val="accent1">
+              <a:shade val="50000"/>
+            </a:schemeClr>
+          </a:lnRef>
+          <a:fillRef idx="1">
+            <a:schemeClr val="accent1"/>
+          </a:fillRef>
+          <a:effectRef idx="0">
+            <a:schemeClr val="accent1"/>
+          </a:effectRef>
+          <a:fontRef idx="minor">
+            <a:schemeClr val="lt1"/>
+          </a:fontRef>
+        </p:style>
+        <p:txBody>
+          <a:bodyPr rtlCol="0" anchor="ctr"/>
+          <a:lstStyle/>
+          <a:p>
+            <a:pPr algn="ctr"/>
+            <a:r>
+              <a:rPr lang="en-US" altLang="ko-KR" dirty="0"/>
+              <a:t>5</a:t>
+            </a:r>
+            <a:endParaRPr lang="ko-KR" altLang="en-US" dirty="0"/>
+          </a:p>
+        </p:txBody>
+      </p:sp>
+      <p:sp>
+        <p:nvSpPr>
+          <p:cNvPr id="14" name="직사각형 13"/>
+          <p:cNvSpPr/>
+          <p:nvPr/>
+        </p:nvSpPr>
+        <p:spPr>
+          <a:xfrm>
+            <a:off x="4178819" y="2276872"/>
+            <a:ext cx="504056" cy="432048"/>
+          </a:xfrm>
+          <a:prstGeom prst="rect">
+            <a:avLst/>
+          </a:prstGeom>
+          <a:solidFill>
+            <a:schemeClr val="accent2">
+              <a:lumMod val="60000"/>
+              <a:lumOff val="40000"/>
+            </a:schemeClr>
+          </a:solidFill>
+          <a:ln>
+            <a:solidFill>
+              <a:schemeClr val="accent5">
+                <a:lumMod val="75000"/>
+              </a:schemeClr>
+            </a:solidFill>
+          </a:ln>
+        </p:spPr>
+        <p:style>
+          <a:lnRef idx="2">
+            <a:schemeClr val="accent1">
+              <a:shade val="50000"/>
+            </a:schemeClr>
+          </a:lnRef>
+          <a:fillRef idx="1">
+            <a:schemeClr val="accent1"/>
+          </a:fillRef>
+          <a:effectRef idx="0">
+            <a:schemeClr val="accent1"/>
+          </a:effectRef>
+          <a:fontRef idx="minor">
+            <a:schemeClr val="lt1"/>
+          </a:fontRef>
+        </p:style>
+        <p:txBody>
+          <a:bodyPr rtlCol="0" anchor="ctr"/>
+          <a:lstStyle/>
+          <a:p>
+            <a:pPr algn="ctr"/>
+            <a:r>
+              <a:rPr lang="en-US" altLang="ko-KR" dirty="0"/>
+              <a:t>6</a:t>
+            </a:r>
+            <a:endParaRPr lang="ko-KR" altLang="en-US" dirty="0"/>
+          </a:p>
+        </p:txBody>
+      </p:sp>
+      <p:sp>
+        <p:nvSpPr>
+          <p:cNvPr id="15" name="직사각형 14"/>
+          <p:cNvSpPr/>
+          <p:nvPr/>
+        </p:nvSpPr>
+        <p:spPr>
+          <a:xfrm>
+            <a:off x="4751752" y="2276872"/>
+            <a:ext cx="504056" cy="432048"/>
+          </a:xfrm>
+          <a:prstGeom prst="rect">
+            <a:avLst/>
+          </a:prstGeom>
+          <a:solidFill>
+            <a:schemeClr val="accent2">
+              <a:lumMod val="60000"/>
+              <a:lumOff val="40000"/>
+            </a:schemeClr>
+          </a:solidFill>
+          <a:ln>
+            <a:solidFill>
+              <a:schemeClr val="accent5">
+                <a:lumMod val="75000"/>
+              </a:schemeClr>
+            </a:solidFill>
+          </a:ln>
+        </p:spPr>
+        <p:style>
+          <a:lnRef idx="2">
+            <a:schemeClr val="accent1">
+              <a:shade val="50000"/>
+            </a:schemeClr>
+          </a:lnRef>
+          <a:fillRef idx="1">
+            <a:schemeClr val="accent1"/>
+          </a:fillRef>
+          <a:effectRef idx="0">
+            <a:schemeClr val="accent1"/>
+          </a:effectRef>
+          <a:fontRef idx="minor">
+            <a:schemeClr val="lt1"/>
+          </a:fontRef>
+        </p:style>
+        <p:txBody>
+          <a:bodyPr rtlCol="0" anchor="ctr"/>
+          <a:lstStyle/>
+          <a:p>
+            <a:pPr algn="ctr"/>
+            <a:r>
+              <a:rPr lang="en-US" altLang="ko-KR" dirty="0"/>
+              <a:t>7</a:t>
+            </a:r>
+            <a:endParaRPr lang="ko-KR" altLang="en-US" dirty="0"/>
+          </a:p>
+        </p:txBody>
+      </p:sp>
+      <p:sp>
+        <p:nvSpPr>
+          <p:cNvPr id="16" name="직사각형 15"/>
+          <p:cNvSpPr/>
+          <p:nvPr/>
+        </p:nvSpPr>
+        <p:spPr>
+          <a:xfrm>
+            <a:off x="5316674" y="2276872"/>
+            <a:ext cx="504056" cy="432048"/>
+          </a:xfrm>
+          <a:prstGeom prst="rect">
+            <a:avLst/>
+          </a:prstGeom>
+          <a:solidFill>
+            <a:schemeClr val="accent2">
+              <a:lumMod val="60000"/>
+              <a:lumOff val="40000"/>
+            </a:schemeClr>
+          </a:solidFill>
+          <a:ln>
+            <a:solidFill>
+              <a:schemeClr val="accent5">
+                <a:lumMod val="75000"/>
+              </a:schemeClr>
+            </a:solidFill>
+          </a:ln>
+        </p:spPr>
+        <p:style>
+          <a:lnRef idx="2">
+            <a:schemeClr val="accent1">
+              <a:shade val="50000"/>
+            </a:schemeClr>
+          </a:lnRef>
+          <a:fillRef idx="1">
+            <a:schemeClr val="accent1"/>
+          </a:fillRef>
+          <a:effectRef idx="0">
+            <a:schemeClr val="accent1"/>
+          </a:effectRef>
+          <a:fontRef idx="minor">
+            <a:schemeClr val="lt1"/>
+          </a:fontRef>
+        </p:style>
+        <p:txBody>
+          <a:bodyPr rtlCol="0" anchor="ctr"/>
+          <a:lstStyle/>
+          <a:p>
+            <a:pPr algn="ctr"/>
+            <a:r>
+              <a:rPr lang="en-US" altLang="ko-KR" dirty="0"/>
+              <a:t>8</a:t>
+            </a:r>
+            <a:endParaRPr lang="ko-KR" altLang="en-US" dirty="0"/>
+          </a:p>
+        </p:txBody>
+      </p:sp>
+      <p:sp>
+        <p:nvSpPr>
+          <p:cNvPr id="17" name="직사각형 16"/>
+          <p:cNvSpPr/>
+          <p:nvPr/>
+        </p:nvSpPr>
+        <p:spPr>
+          <a:xfrm>
+            <a:off x="5895040" y="2276872"/>
+            <a:ext cx="504056" cy="432048"/>
+          </a:xfrm>
+          <a:prstGeom prst="rect">
+            <a:avLst/>
+          </a:prstGeom>
+          <a:solidFill>
+            <a:schemeClr val="accent2">
+              <a:lumMod val="60000"/>
+              <a:lumOff val="40000"/>
+            </a:schemeClr>
+          </a:solidFill>
+          <a:ln>
+            <a:solidFill>
+              <a:schemeClr val="accent5">
+                <a:lumMod val="75000"/>
+              </a:schemeClr>
+            </a:solidFill>
+          </a:ln>
+        </p:spPr>
+        <p:style>
+          <a:lnRef idx="2">
+            <a:schemeClr val="accent1">
+              <a:shade val="50000"/>
+            </a:schemeClr>
+          </a:lnRef>
+          <a:fillRef idx="1">
+            <a:schemeClr val="accent1"/>
+          </a:fillRef>
+          <a:effectRef idx="0">
+            <a:schemeClr val="accent1"/>
+          </a:effectRef>
+          <a:fontRef idx="minor">
+            <a:schemeClr val="lt1"/>
+          </a:fontRef>
+        </p:style>
+        <p:txBody>
+          <a:bodyPr rtlCol="0" anchor="ctr"/>
+          <a:lstStyle/>
+          <a:p>
+            <a:pPr algn="ctr"/>
+            <a:r>
+              <a:rPr lang="en-US" altLang="ko-KR" dirty="0"/>
+              <a:t>9</a:t>
+            </a:r>
+            <a:endParaRPr lang="ko-KR" altLang="en-US" dirty="0"/>
+          </a:p>
+        </p:txBody>
+      </p:sp>
+      <p:sp>
+        <p:nvSpPr>
+          <p:cNvPr id="18" name="직사각형 17"/>
+          <p:cNvSpPr/>
+          <p:nvPr/>
+        </p:nvSpPr>
+        <p:spPr>
+          <a:xfrm>
+            <a:off x="6459746" y="2276872"/>
+            <a:ext cx="504056" cy="432048"/>
+          </a:xfrm>
+          <a:prstGeom prst="rect">
+            <a:avLst/>
+          </a:prstGeom>
+          <a:solidFill>
+            <a:schemeClr val="accent2">
+              <a:lumMod val="60000"/>
+              <a:lumOff val="40000"/>
+            </a:schemeClr>
+          </a:solidFill>
+          <a:ln>
+            <a:solidFill>
+              <a:schemeClr val="accent5">
+                <a:lumMod val="75000"/>
+              </a:schemeClr>
+            </a:solidFill>
+          </a:ln>
+        </p:spPr>
+        <p:style>
+          <a:lnRef idx="2">
+            <a:schemeClr val="accent1">
+              <a:shade val="50000"/>
+            </a:schemeClr>
+          </a:lnRef>
+          <a:fillRef idx="1">
+            <a:schemeClr val="accent1"/>
+          </a:fillRef>
+          <a:effectRef idx="0">
+            <a:schemeClr val="accent1"/>
+          </a:effectRef>
+          <a:fontRef idx="minor">
+            <a:schemeClr val="lt1"/>
+          </a:fontRef>
+        </p:style>
+        <p:txBody>
+          <a:bodyPr rtlCol="0" anchor="ctr"/>
+          <a:lstStyle/>
+          <a:p>
+            <a:pPr algn="ctr"/>
+            <a:r>
+              <a:rPr lang="en-US" altLang="ko-KR" dirty="0" smtClean="0"/>
+              <a:t>10</a:t>
+            </a:r>
+            <a:endParaRPr lang="ko-KR" altLang="en-US" dirty="0"/>
+          </a:p>
+        </p:txBody>
+      </p:sp>
+      <p:grpSp>
+        <p:nvGrpSpPr>
+          <p:cNvPr id="21" name="그룹 20"/>
+          <p:cNvGrpSpPr/>
+          <p:nvPr/>
+        </p:nvGrpSpPr>
+        <p:grpSpPr>
+          <a:xfrm>
+            <a:off x="1212081" y="1496755"/>
+            <a:ext cx="834011" cy="780117"/>
+            <a:chOff x="3032395" y="1838133"/>
+            <a:chExt cx="834011" cy="780117"/>
+          </a:xfrm>
+        </p:grpSpPr>
+        <p:sp>
+          <p:nvSpPr>
+            <p:cNvPr id="22" name="아래쪽 화살표 21"/>
+            <p:cNvSpPr/>
+            <p:nvPr/>
+          </p:nvSpPr>
+          <p:spPr>
+            <a:xfrm>
+              <a:off x="3240408" y="2186202"/>
+              <a:ext cx="301370" cy="432048"/>
+            </a:xfrm>
+            <a:prstGeom prst="downArrow">
+              <a:avLst/>
+            </a:prstGeom>
+            <a:solidFill>
+              <a:srgbClr val="FF0000"/>
+            </a:solidFill>
+            <a:ln>
+              <a:noFill/>
+            </a:ln>
+          </p:spPr>
+          <p:style>
+            <a:lnRef idx="2">
+              <a:schemeClr val="accent1">
+                <a:shade val="50000"/>
+              </a:schemeClr>
+            </a:lnRef>
+            <a:fillRef idx="1">
+              <a:schemeClr val="accent1"/>
+            </a:fillRef>
+            <a:effectRef idx="0">
+              <a:schemeClr val="accent1"/>
+            </a:effectRef>
+            <a:fontRef idx="minor">
+              <a:schemeClr val="lt1"/>
+            </a:fontRef>
+          </p:style>
+          <p:txBody>
+            <a:bodyPr rtlCol="0" anchor="ctr"/>
+            <a:lstStyle/>
+            <a:p>
+              <a:pPr algn="ctr"/>
+              <a:endParaRPr lang="ko-KR" altLang="en-US"/>
+            </a:p>
+          </p:txBody>
+        </p:sp>
+        <p:sp>
+          <p:nvSpPr>
+            <p:cNvPr id="23" name="TextBox 22"/>
+            <p:cNvSpPr txBox="1"/>
+            <p:nvPr/>
+          </p:nvSpPr>
+          <p:spPr>
+            <a:xfrm>
+              <a:off x="3032395" y="1838133"/>
+              <a:ext cx="834011" cy="369332"/>
+            </a:xfrm>
+            <a:prstGeom prst="rect">
+              <a:avLst/>
+            </a:prstGeom>
+            <a:noFill/>
+          </p:spPr>
+          <p:txBody>
+            <a:bodyPr wrap="none" rtlCol="0">
+              <a:spAutoFit/>
+            </a:bodyPr>
+            <a:lstStyle/>
+            <a:p>
+              <a:r>
+                <a:rPr lang="en-US" altLang="ko-KR" dirty="0" smtClean="0">
+                  <a:solidFill>
+                    <a:srgbClr val="FF0000"/>
+                  </a:solidFill>
+                </a:rPr>
+                <a:t>pivot1</a:t>
+              </a:r>
+              <a:endParaRPr lang="ko-KR" altLang="en-US" dirty="0">
+                <a:solidFill>
+                  <a:srgbClr val="FF0000"/>
+                </a:solidFill>
+              </a:endParaRPr>
+            </a:p>
+          </p:txBody>
+        </p:sp>
+      </p:grpSp>
+      <p:sp>
+        <p:nvSpPr>
+          <p:cNvPr id="31" name="TextBox 30"/>
+          <p:cNvSpPr txBox="1"/>
+          <p:nvPr/>
+        </p:nvSpPr>
+        <p:spPr>
+          <a:xfrm>
+            <a:off x="1243990" y="2819791"/>
+            <a:ext cx="653577" cy="369332"/>
+          </a:xfrm>
+          <a:prstGeom prst="rect">
+            <a:avLst/>
+          </a:prstGeom>
+          <a:noFill/>
+        </p:spPr>
+        <p:txBody>
+          <a:bodyPr wrap="none" rtlCol="0">
+            <a:spAutoFit/>
+          </a:bodyPr>
+          <a:lstStyle/>
+          <a:p>
+            <a:r>
+              <a:rPr lang="en-US" altLang="ko-KR" dirty="0" smtClean="0">
+                <a:solidFill>
+                  <a:srgbClr val="FF0000"/>
+                </a:solidFill>
+              </a:rPr>
+              <a:t>start</a:t>
+            </a:r>
+            <a:endParaRPr lang="ko-KR" altLang="en-US" dirty="0">
+              <a:solidFill>
+                <a:srgbClr val="FF0000"/>
+              </a:solidFill>
+            </a:endParaRPr>
+          </a:p>
+        </p:txBody>
+      </p:sp>
+      <p:sp>
+        <p:nvSpPr>
+          <p:cNvPr id="32" name="TextBox 31"/>
+          <p:cNvSpPr txBox="1"/>
+          <p:nvPr/>
+        </p:nvSpPr>
+        <p:spPr>
+          <a:xfrm>
+            <a:off x="6399096" y="2819791"/>
+            <a:ext cx="580608" cy="369332"/>
+          </a:xfrm>
+          <a:prstGeom prst="rect">
+            <a:avLst/>
+          </a:prstGeom>
+          <a:noFill/>
+        </p:spPr>
+        <p:txBody>
+          <a:bodyPr wrap="none" rtlCol="0">
+            <a:spAutoFit/>
+          </a:bodyPr>
+          <a:lstStyle/>
+          <a:p>
+            <a:r>
+              <a:rPr lang="en-US" altLang="ko-KR" dirty="0" smtClean="0">
+                <a:solidFill>
+                  <a:srgbClr val="FF0000"/>
+                </a:solidFill>
+              </a:rPr>
+              <a:t>end</a:t>
+            </a:r>
+            <a:endParaRPr lang="ko-KR" altLang="en-US" dirty="0">
+              <a:solidFill>
+                <a:srgbClr val="FF0000"/>
+              </a:solidFill>
+            </a:endParaRPr>
+          </a:p>
+        </p:txBody>
+      </p:sp>
+      <p:grpSp>
+        <p:nvGrpSpPr>
+          <p:cNvPr id="30" name="그룹 29"/>
+          <p:cNvGrpSpPr/>
+          <p:nvPr/>
+        </p:nvGrpSpPr>
+        <p:grpSpPr>
+          <a:xfrm>
+            <a:off x="3529606" y="1454765"/>
+            <a:ext cx="834011" cy="780117"/>
+            <a:chOff x="3032395" y="1838133"/>
+            <a:chExt cx="834011" cy="780117"/>
+          </a:xfrm>
+        </p:grpSpPr>
+        <p:sp>
+          <p:nvSpPr>
+            <p:cNvPr id="33" name="아래쪽 화살표 32"/>
+            <p:cNvSpPr/>
+            <p:nvPr/>
+          </p:nvSpPr>
+          <p:spPr>
+            <a:xfrm>
+              <a:off x="3240408" y="2186202"/>
+              <a:ext cx="301370" cy="432048"/>
+            </a:xfrm>
+            <a:prstGeom prst="downArrow">
+              <a:avLst/>
+            </a:prstGeom>
+            <a:solidFill>
+              <a:srgbClr val="FF0000"/>
+            </a:solidFill>
+            <a:ln>
+              <a:noFill/>
+            </a:ln>
+          </p:spPr>
+          <p:style>
+            <a:lnRef idx="2">
+              <a:schemeClr val="accent1">
+                <a:shade val="50000"/>
+              </a:schemeClr>
+            </a:lnRef>
+            <a:fillRef idx="1">
+              <a:schemeClr val="accent1"/>
+            </a:fillRef>
+            <a:effectRef idx="0">
+              <a:schemeClr val="accent1"/>
+            </a:effectRef>
+            <a:fontRef idx="minor">
+              <a:schemeClr val="lt1"/>
+            </a:fontRef>
+          </p:style>
+          <p:txBody>
+            <a:bodyPr rtlCol="0" anchor="ctr"/>
+            <a:lstStyle/>
+            <a:p>
+              <a:pPr algn="ctr"/>
+              <a:endParaRPr lang="ko-KR" altLang="en-US"/>
+            </a:p>
+          </p:txBody>
+        </p:sp>
+        <p:sp>
+          <p:nvSpPr>
+            <p:cNvPr id="34" name="TextBox 33"/>
+            <p:cNvSpPr txBox="1"/>
+            <p:nvPr/>
+          </p:nvSpPr>
+          <p:spPr>
+            <a:xfrm>
+              <a:off x="3032395" y="1838133"/>
+              <a:ext cx="834011" cy="369332"/>
+            </a:xfrm>
+            <a:prstGeom prst="rect">
+              <a:avLst/>
+            </a:prstGeom>
+            <a:noFill/>
+          </p:spPr>
+          <p:txBody>
+            <a:bodyPr wrap="none" rtlCol="0">
+              <a:spAutoFit/>
+            </a:bodyPr>
+            <a:lstStyle/>
+            <a:p>
+              <a:r>
+                <a:rPr lang="en-US" altLang="ko-KR" dirty="0" smtClean="0">
+                  <a:solidFill>
+                    <a:srgbClr val="FF0000"/>
+                  </a:solidFill>
+                </a:rPr>
+                <a:t>pivot2</a:t>
+              </a:r>
+              <a:endParaRPr lang="ko-KR" altLang="en-US" dirty="0">
+                <a:solidFill>
+                  <a:srgbClr val="FF0000"/>
+                </a:solidFill>
+              </a:endParaRPr>
+            </a:p>
+          </p:txBody>
+        </p:sp>
+      </p:grpSp>
+      <p:grpSp>
+        <p:nvGrpSpPr>
+          <p:cNvPr id="35" name="그룹 34"/>
+          <p:cNvGrpSpPr/>
+          <p:nvPr/>
+        </p:nvGrpSpPr>
+        <p:grpSpPr>
+          <a:xfrm>
+            <a:off x="6272331" y="1454765"/>
+            <a:ext cx="834011" cy="780117"/>
+            <a:chOff x="3032395" y="1838133"/>
+            <a:chExt cx="834011" cy="780117"/>
+          </a:xfrm>
+        </p:grpSpPr>
+        <p:sp>
+          <p:nvSpPr>
+            <p:cNvPr id="36" name="아래쪽 화살표 35"/>
+            <p:cNvSpPr/>
+            <p:nvPr/>
+          </p:nvSpPr>
+          <p:spPr>
+            <a:xfrm>
+              <a:off x="3240408" y="2186202"/>
+              <a:ext cx="301370" cy="432048"/>
+            </a:xfrm>
+            <a:prstGeom prst="downArrow">
+              <a:avLst/>
+            </a:prstGeom>
+            <a:solidFill>
+              <a:srgbClr val="FF0000"/>
+            </a:solidFill>
+            <a:ln>
+              <a:noFill/>
+            </a:ln>
+          </p:spPr>
+          <p:style>
+            <a:lnRef idx="2">
+              <a:schemeClr val="accent1">
+                <a:shade val="50000"/>
+              </a:schemeClr>
+            </a:lnRef>
+            <a:fillRef idx="1">
+              <a:schemeClr val="accent1"/>
+            </a:fillRef>
+            <a:effectRef idx="0">
+              <a:schemeClr val="accent1"/>
+            </a:effectRef>
+            <a:fontRef idx="minor">
+              <a:schemeClr val="lt1"/>
+            </a:fontRef>
+          </p:style>
+          <p:txBody>
+            <a:bodyPr rtlCol="0" anchor="ctr"/>
+            <a:lstStyle/>
+            <a:p>
+              <a:pPr algn="ctr"/>
+              <a:endParaRPr lang="ko-KR" altLang="en-US"/>
+            </a:p>
+          </p:txBody>
+        </p:sp>
+        <p:sp>
+          <p:nvSpPr>
+            <p:cNvPr id="37" name="TextBox 36"/>
+            <p:cNvSpPr txBox="1"/>
+            <p:nvPr/>
+          </p:nvSpPr>
+          <p:spPr>
+            <a:xfrm>
+              <a:off x="3032395" y="1838133"/>
+              <a:ext cx="834011" cy="369332"/>
+            </a:xfrm>
+            <a:prstGeom prst="rect">
+              <a:avLst/>
+            </a:prstGeom>
+            <a:noFill/>
+          </p:spPr>
+          <p:txBody>
+            <a:bodyPr wrap="none" rtlCol="0">
+              <a:spAutoFit/>
+            </a:bodyPr>
+            <a:lstStyle/>
+            <a:p>
+              <a:r>
+                <a:rPr lang="en-US" altLang="ko-KR" dirty="0" smtClean="0">
+                  <a:solidFill>
+                    <a:srgbClr val="FF0000"/>
+                  </a:solidFill>
+                </a:rPr>
+                <a:t>pivot3</a:t>
+              </a:r>
+              <a:endParaRPr lang="ko-KR" altLang="en-US" dirty="0">
+                <a:solidFill>
+                  <a:srgbClr val="FF0000"/>
+                </a:solidFill>
+              </a:endParaRPr>
+            </a:p>
+          </p:txBody>
+        </p:sp>
+      </p:grpSp>
+      <p:pic>
+        <p:nvPicPr>
+          <p:cNvPr id="1026" name="Picture 2"/>
+          <p:cNvPicPr>
+            <a:picLocks noChangeAspect="1" noChangeArrowheads="1"/>
+          </p:cNvPicPr>
+          <p:nvPr/>
+        </p:nvPicPr>
+        <p:blipFill rotWithShape="1">
+          <a:blip r:embed="rId2">
+            <a:extLst>
+              <a:ext uri="{28A0092B-C50C-407E-A947-70E740481C1C}">
+                <a14:useLocalDpi xmlns:a14="http://schemas.microsoft.com/office/drawing/2010/main" val="0"/>
+              </a:ext>
+            </a:extLst>
+          </a:blip>
+          <a:srcRect l="28360" t="22917" r="47514" b="73402"/>
+          <a:stretch/>
+        </p:blipFill>
+        <p:spPr bwMode="auto">
+          <a:xfrm>
+            <a:off x="2399866" y="494676"/>
+            <a:ext cx="5076003" cy="435677"/>
+          </a:xfrm>
+          <a:prstGeom prst="rect">
+            <a:avLst/>
+          </a:prstGeom>
+          <a:noFill/>
+          <a:ln>
+            <a:noFill/>
+          </a:ln>
+          <a:extLst>
+            <a:ext uri="{909E8E84-426E-40DD-AFC4-6F175D3DCCD1}">
+              <a14:hiddenFill xmlns:a14="http://schemas.microsoft.com/office/drawing/2010/main">
+                <a:solidFill>
+                  <a:schemeClr val="accent1"/>
+                </a:solidFill>
+              </a14:hiddenFill>
+            </a:ext>
+            <a:ext uri="{91240B29-F687-4F45-9708-019B960494DF}">
+              <a14:hiddenLine xmlns:a14="http://schemas.microsoft.com/office/drawing/2010/main" w="9525">
+                <a:solidFill>
+                  <a:schemeClr val="tx1"/>
+                </a:solidFill>
+                <a:miter lim="800000"/>
+                <a:headEnd/>
+                <a:tailEnd/>
+              </a14:hiddenLine>
+            </a:ext>
+          </a:extLst>
+        </p:spPr>
+      </p:pic>
+      <p:sp>
+        <p:nvSpPr>
+          <p:cNvPr id="2" name="왼쪽 중괄호 1"/>
+          <p:cNvSpPr/>
+          <p:nvPr/>
+        </p:nvSpPr>
+        <p:spPr>
+          <a:xfrm>
+            <a:off x="1629086" y="3429000"/>
+            <a:ext cx="417006" cy="432048"/>
+          </a:xfrm>
+          <a:prstGeom prst="leftBrace">
+            <a:avLst/>
+          </a:prstGeom>
+          <a:ln w="38100">
+            <a:solidFill>
+              <a:schemeClr val="tx1"/>
+            </a:solidFill>
+          </a:ln>
+        </p:spPr>
+        <p:style>
+          <a:lnRef idx="1">
+            <a:schemeClr val="accent1"/>
+          </a:lnRef>
+          <a:fillRef idx="0">
+            <a:schemeClr val="accent1"/>
+          </a:fillRef>
+          <a:effectRef idx="0">
+            <a:schemeClr val="accent1"/>
+          </a:effectRef>
+          <a:fontRef idx="minor">
+            <a:schemeClr val="tx1"/>
+          </a:fontRef>
+        </p:style>
+        <p:txBody>
+          <a:bodyPr rtlCol="0" anchor="ctr"/>
+          <a:lstStyle/>
+          <a:p>
+            <a:pPr algn="ctr"/>
+            <a:endParaRPr lang="ko-KR" altLang="en-US"/>
+          </a:p>
+        </p:txBody>
+      </p:sp>
+      <p:sp>
+        <p:nvSpPr>
+          <p:cNvPr id="4" name="오른쪽 중괄호 3"/>
+          <p:cNvSpPr/>
+          <p:nvPr/>
+        </p:nvSpPr>
+        <p:spPr>
+          <a:xfrm>
+            <a:off x="6459746" y="3429000"/>
+            <a:ext cx="252028" cy="432048"/>
+          </a:xfrm>
+          <a:prstGeom prst="rightBrace">
+            <a:avLst/>
+          </a:prstGeom>
+          <a:ln w="38100">
+            <a:solidFill>
+              <a:schemeClr val="tx1"/>
+            </a:solidFill>
+          </a:ln>
+        </p:spPr>
+        <p:style>
+          <a:lnRef idx="1">
+            <a:schemeClr val="accent1"/>
+          </a:lnRef>
+          <a:fillRef idx="0">
+            <a:schemeClr val="accent1"/>
+          </a:fillRef>
+          <a:effectRef idx="0">
+            <a:schemeClr val="accent1"/>
+          </a:effectRef>
+          <a:fontRef idx="minor">
+            <a:schemeClr val="tx1"/>
+          </a:fontRef>
+        </p:style>
+        <p:txBody>
+          <a:bodyPr rtlCol="0" anchor="ctr"/>
+          <a:lstStyle/>
+          <a:p>
+            <a:pPr algn="ctr"/>
+            <a:endParaRPr lang="ko-KR" altLang="en-US"/>
+          </a:p>
+        </p:txBody>
+      </p:sp>
+      <p:sp>
+        <p:nvSpPr>
+          <p:cNvPr id="5" name="TextBox 4"/>
+          <p:cNvSpPr txBox="1"/>
+          <p:nvPr/>
+        </p:nvSpPr>
+        <p:spPr>
+          <a:xfrm>
+            <a:off x="2225545" y="3399381"/>
+            <a:ext cx="1053173" cy="461665"/>
+          </a:xfrm>
+          <a:prstGeom prst="rect">
+            <a:avLst/>
+          </a:prstGeom>
+          <a:noFill/>
+        </p:spPr>
+        <p:txBody>
+          <a:bodyPr wrap="none" rtlCol="0">
+            <a:spAutoFit/>
+          </a:bodyPr>
+          <a:lstStyle/>
+          <a:p>
+            <a:r>
+              <a:rPr lang="en-US" altLang="ko-KR" sz="2400" dirty="0" smtClean="0">
+                <a:solidFill>
+                  <a:srgbClr val="FF0000"/>
+                </a:solidFill>
+              </a:rPr>
+              <a:t>pivot1</a:t>
+            </a:r>
+            <a:endParaRPr lang="ko-KR" altLang="en-US" sz="2400" dirty="0">
+              <a:solidFill>
+                <a:srgbClr val="FF0000"/>
+              </a:solidFill>
+            </a:endParaRPr>
+          </a:p>
+        </p:txBody>
+      </p:sp>
+      <p:sp>
+        <p:nvSpPr>
+          <p:cNvPr id="39" name="TextBox 38"/>
+          <p:cNvSpPr txBox="1"/>
+          <p:nvPr/>
+        </p:nvSpPr>
+        <p:spPr>
+          <a:xfrm>
+            <a:off x="3652232" y="3399383"/>
+            <a:ext cx="1053173" cy="461665"/>
+          </a:xfrm>
+          <a:prstGeom prst="rect">
+            <a:avLst/>
+          </a:prstGeom>
+          <a:noFill/>
+        </p:spPr>
+        <p:txBody>
+          <a:bodyPr wrap="none" rtlCol="0">
+            <a:spAutoFit/>
+          </a:bodyPr>
+          <a:lstStyle/>
+          <a:p>
+            <a:r>
+              <a:rPr lang="en-US" altLang="ko-KR" sz="2400" dirty="0" smtClean="0">
+                <a:solidFill>
+                  <a:srgbClr val="FF0000"/>
+                </a:solidFill>
+              </a:rPr>
+              <a:t>pivot2</a:t>
+            </a:r>
+            <a:endParaRPr lang="ko-KR" altLang="en-US" sz="2400" dirty="0">
+              <a:solidFill>
+                <a:srgbClr val="FF0000"/>
+              </a:solidFill>
+            </a:endParaRPr>
+          </a:p>
+        </p:txBody>
+      </p:sp>
+      <p:sp>
+        <p:nvSpPr>
+          <p:cNvPr id="40" name="TextBox 39"/>
+          <p:cNvSpPr txBox="1"/>
+          <p:nvPr/>
+        </p:nvSpPr>
+        <p:spPr>
+          <a:xfrm>
+            <a:off x="5120721" y="3399382"/>
+            <a:ext cx="1053173" cy="461665"/>
+          </a:xfrm>
+          <a:prstGeom prst="rect">
+            <a:avLst/>
+          </a:prstGeom>
+          <a:noFill/>
+        </p:spPr>
+        <p:txBody>
+          <a:bodyPr wrap="none" rtlCol="0">
+            <a:spAutoFit/>
+          </a:bodyPr>
+          <a:lstStyle/>
+          <a:p>
+            <a:r>
+              <a:rPr lang="en-US" altLang="ko-KR" sz="2400" dirty="0" smtClean="0">
+                <a:solidFill>
+                  <a:srgbClr val="FF0000"/>
+                </a:solidFill>
+              </a:rPr>
+              <a:t>pivot3</a:t>
+            </a:r>
+            <a:endParaRPr lang="ko-KR" altLang="en-US" sz="2400" dirty="0">
+              <a:solidFill>
+                <a:srgbClr val="FF0000"/>
+              </a:solidFill>
+            </a:endParaRPr>
+          </a:p>
+        </p:txBody>
+      </p:sp>
+      <p:sp>
+        <p:nvSpPr>
+          <p:cNvPr id="6" name="TextBox 5"/>
+          <p:cNvSpPr txBox="1"/>
+          <p:nvPr/>
+        </p:nvSpPr>
+        <p:spPr>
+          <a:xfrm>
+            <a:off x="1355154" y="4221088"/>
+            <a:ext cx="6120715" cy="369332"/>
+          </a:xfrm>
+          <a:prstGeom prst="rect">
+            <a:avLst/>
+          </a:prstGeom>
+          <a:noFill/>
+        </p:spPr>
+        <p:txBody>
+          <a:bodyPr wrap="none" rtlCol="0">
+            <a:spAutoFit/>
+          </a:bodyPr>
+          <a:lstStyle/>
+          <a:p>
+            <a:r>
+              <a:rPr lang="en-US" altLang="ko-KR" dirty="0" smtClean="0"/>
+              <a:t>Pivot </a:t>
+            </a:r>
+            <a:r>
+              <a:rPr lang="ko-KR" altLang="en-US" dirty="0" smtClean="0"/>
+              <a:t>인덱스에서의 값을 정렬하기 위해 버블 정렬을 사용</a:t>
+            </a:r>
+            <a:endParaRPr lang="ko-KR" altLang="en-US" dirty="0"/>
+          </a:p>
+        </p:txBody>
+      </p:sp>
+    </p:spTree>
+    <p:extLst>
+      <p:ext uri="{BB962C8B-B14F-4D97-AF65-F5344CB8AC3E}">
+        <p14:creationId xmlns:p14="http://schemas.microsoft.com/office/powerpoint/2010/main" val="3592533821"/>
+      </p:ext>
+    </p:extLst>
+  </p:cSld>
+  <p:clrMapOvr>
+    <a:masterClrMapping/>
+  </p:clrMapOvr>
+</p:sld>
+</file>
+
+<file path=ppt/slides/slide55.xml><?xml version="1.0" encoding="utf-8"?>
+<p:sld xmlns:a="http://schemas.openxmlformats.org/drawingml/2006/main" xmlns:r="http://schemas.openxmlformats.org/officeDocument/2006/relationships" xmlns:p="http://schemas.openxmlformats.org/presentationml/2006/main">
+  <p:cSld>
+    <p:spTree>
+      <p:nvGrpSpPr>
+        <p:cNvPr id="1" name=""/>
+        <p:cNvGrpSpPr/>
+        <p:nvPr/>
+      </p:nvGrpSpPr>
+      <p:grpSpPr>
+        <a:xfrm>
+          <a:off x="0" y="0"/>
+          <a:ext cx="0" cy="0"/>
+          <a:chOff x="0" y="0"/>
+          <a:chExt cx="0" cy="0"/>
+        </a:xfrm>
+      </p:grpSpPr>
+      <p:sp>
+        <p:nvSpPr>
+          <p:cNvPr id="7" name="TextBox 6"/>
+          <p:cNvSpPr txBox="1"/>
+          <p:nvPr/>
+        </p:nvSpPr>
+        <p:spPr>
+          <a:xfrm>
+            <a:off x="395536" y="404664"/>
+            <a:ext cx="1689886" cy="646331"/>
+          </a:xfrm>
+          <a:prstGeom prst="rect">
+            <a:avLst/>
+          </a:prstGeom>
+          <a:noFill/>
+        </p:spPr>
+        <p:txBody>
+          <a:bodyPr wrap="none" rtlCol="0">
+            <a:spAutoFit/>
+          </a:bodyPr>
+          <a:lstStyle/>
+          <a:p>
+            <a:r>
+              <a:rPr lang="ko-KR" altLang="en-US" dirty="0" smtClean="0"/>
+              <a:t>정렬 알고리즘</a:t>
+            </a:r>
+            <a:endParaRPr lang="en-US" altLang="ko-KR" dirty="0" smtClean="0"/>
+          </a:p>
+          <a:p>
+            <a:r>
+              <a:rPr lang="en-US" altLang="ko-KR" dirty="0" smtClean="0"/>
+              <a:t>  : </a:t>
+            </a:r>
+            <a:r>
+              <a:rPr lang="en-US" altLang="ko-KR" dirty="0" smtClean="0"/>
+              <a:t>Quicksort</a:t>
+            </a:r>
+            <a:endParaRPr lang="ko-KR" altLang="en-US" dirty="0"/>
+          </a:p>
+        </p:txBody>
+      </p:sp>
+      <p:sp>
+        <p:nvSpPr>
+          <p:cNvPr id="9" name="직사각형 8"/>
+          <p:cNvSpPr/>
+          <p:nvPr/>
+        </p:nvSpPr>
+        <p:spPr>
+          <a:xfrm>
+            <a:off x="1310470" y="1866087"/>
+            <a:ext cx="504056" cy="432048"/>
+          </a:xfrm>
+          <a:prstGeom prst="rect">
+            <a:avLst/>
+          </a:prstGeom>
+          <a:solidFill>
+            <a:schemeClr val="accent2">
+              <a:lumMod val="60000"/>
+              <a:lumOff val="40000"/>
+            </a:schemeClr>
+          </a:solidFill>
+          <a:ln>
+            <a:solidFill>
+              <a:schemeClr val="accent5">
+                <a:lumMod val="75000"/>
+              </a:schemeClr>
+            </a:solidFill>
+          </a:ln>
+        </p:spPr>
+        <p:style>
+          <a:lnRef idx="2">
+            <a:schemeClr val="accent1">
+              <a:shade val="50000"/>
+            </a:schemeClr>
+          </a:lnRef>
+          <a:fillRef idx="1">
+            <a:schemeClr val="accent1"/>
+          </a:fillRef>
+          <a:effectRef idx="0">
+            <a:schemeClr val="accent1"/>
+          </a:effectRef>
+          <a:fontRef idx="minor">
+            <a:schemeClr val="lt1"/>
+          </a:fontRef>
+        </p:style>
+        <p:txBody>
+          <a:bodyPr rtlCol="0" anchor="ctr"/>
+          <a:lstStyle/>
+          <a:p>
+            <a:pPr algn="ctr"/>
+            <a:r>
+              <a:rPr lang="en-US" altLang="ko-KR" dirty="0"/>
+              <a:t>1</a:t>
+            </a:r>
+            <a:endParaRPr lang="ko-KR" altLang="en-US" dirty="0"/>
+          </a:p>
+        </p:txBody>
+      </p:sp>
+      <p:sp>
+        <p:nvSpPr>
+          <p:cNvPr id="10" name="직사각형 9"/>
+          <p:cNvSpPr/>
+          <p:nvPr/>
+        </p:nvSpPr>
+        <p:spPr>
+          <a:xfrm>
+            <a:off x="1883403" y="1866087"/>
+            <a:ext cx="504056" cy="432048"/>
+          </a:xfrm>
+          <a:prstGeom prst="rect">
+            <a:avLst/>
+          </a:prstGeom>
+          <a:solidFill>
+            <a:schemeClr val="accent2">
+              <a:lumMod val="60000"/>
+              <a:lumOff val="40000"/>
+            </a:schemeClr>
+          </a:solidFill>
+          <a:ln>
+            <a:solidFill>
+              <a:schemeClr val="accent5">
+                <a:lumMod val="75000"/>
+              </a:schemeClr>
+            </a:solidFill>
+          </a:ln>
+        </p:spPr>
+        <p:style>
+          <a:lnRef idx="2">
+            <a:schemeClr val="accent1">
+              <a:shade val="50000"/>
+            </a:schemeClr>
+          </a:lnRef>
+          <a:fillRef idx="1">
+            <a:schemeClr val="accent1"/>
+          </a:fillRef>
+          <a:effectRef idx="0">
+            <a:schemeClr val="accent1"/>
+          </a:effectRef>
+          <a:fontRef idx="minor">
+            <a:schemeClr val="lt1"/>
+          </a:fontRef>
+        </p:style>
+        <p:txBody>
+          <a:bodyPr rtlCol="0" anchor="ctr"/>
+          <a:lstStyle/>
+          <a:p>
+            <a:pPr algn="ctr"/>
+            <a:r>
+              <a:rPr lang="en-US" altLang="ko-KR" dirty="0"/>
+              <a:t>2</a:t>
+            </a:r>
+            <a:endParaRPr lang="ko-KR" altLang="en-US" dirty="0"/>
+          </a:p>
+        </p:txBody>
+      </p:sp>
+      <p:sp>
+        <p:nvSpPr>
+          <p:cNvPr id="11" name="직사각형 10"/>
+          <p:cNvSpPr/>
+          <p:nvPr/>
+        </p:nvSpPr>
+        <p:spPr>
+          <a:xfrm>
+            <a:off x="2448325" y="1866087"/>
+            <a:ext cx="504056" cy="432048"/>
+          </a:xfrm>
+          <a:prstGeom prst="rect">
+            <a:avLst/>
+          </a:prstGeom>
+          <a:solidFill>
+            <a:schemeClr val="accent2">
+              <a:lumMod val="60000"/>
+              <a:lumOff val="40000"/>
+            </a:schemeClr>
+          </a:solidFill>
+          <a:ln>
+            <a:solidFill>
+              <a:schemeClr val="accent5">
+                <a:lumMod val="75000"/>
+              </a:schemeClr>
+            </a:solidFill>
+          </a:ln>
+        </p:spPr>
+        <p:style>
+          <a:lnRef idx="2">
+            <a:schemeClr val="accent1">
+              <a:shade val="50000"/>
+            </a:schemeClr>
+          </a:lnRef>
+          <a:fillRef idx="1">
+            <a:schemeClr val="accent1"/>
+          </a:fillRef>
+          <a:effectRef idx="0">
+            <a:schemeClr val="accent1"/>
+          </a:effectRef>
+          <a:fontRef idx="minor">
+            <a:schemeClr val="lt1"/>
+          </a:fontRef>
+        </p:style>
+        <p:txBody>
+          <a:bodyPr rtlCol="0" anchor="ctr"/>
+          <a:lstStyle/>
+          <a:p>
+            <a:pPr algn="ctr"/>
+            <a:r>
+              <a:rPr lang="en-US" altLang="ko-KR" dirty="0"/>
+              <a:t>3</a:t>
+            </a:r>
+            <a:endParaRPr lang="ko-KR" altLang="en-US" dirty="0"/>
+          </a:p>
+        </p:txBody>
+      </p:sp>
+      <p:sp>
+        <p:nvSpPr>
+          <p:cNvPr id="12" name="직사각형 11"/>
+          <p:cNvSpPr/>
+          <p:nvPr/>
+        </p:nvSpPr>
+        <p:spPr>
+          <a:xfrm>
+            <a:off x="3026691" y="1866087"/>
+            <a:ext cx="504056" cy="432048"/>
+          </a:xfrm>
+          <a:prstGeom prst="rect">
+            <a:avLst/>
+          </a:prstGeom>
+          <a:solidFill>
+            <a:schemeClr val="accent2">
+              <a:lumMod val="60000"/>
+              <a:lumOff val="40000"/>
+            </a:schemeClr>
+          </a:solidFill>
+          <a:ln>
+            <a:solidFill>
+              <a:schemeClr val="accent5">
+                <a:lumMod val="75000"/>
+              </a:schemeClr>
+            </a:solidFill>
+          </a:ln>
+        </p:spPr>
+        <p:style>
+          <a:lnRef idx="2">
+            <a:schemeClr val="accent1">
+              <a:shade val="50000"/>
+            </a:schemeClr>
+          </a:lnRef>
+          <a:fillRef idx="1">
+            <a:schemeClr val="accent1"/>
+          </a:fillRef>
+          <a:effectRef idx="0">
+            <a:schemeClr val="accent1"/>
+          </a:effectRef>
+          <a:fontRef idx="minor">
+            <a:schemeClr val="lt1"/>
+          </a:fontRef>
+        </p:style>
+        <p:txBody>
+          <a:bodyPr rtlCol="0" anchor="ctr"/>
+          <a:lstStyle/>
+          <a:p>
+            <a:pPr algn="ctr"/>
+            <a:r>
+              <a:rPr lang="en-US" altLang="ko-KR" dirty="0"/>
+              <a:t>4</a:t>
+            </a:r>
+            <a:endParaRPr lang="ko-KR" altLang="en-US" dirty="0"/>
+          </a:p>
+        </p:txBody>
+      </p:sp>
+      <p:sp>
+        <p:nvSpPr>
+          <p:cNvPr id="13" name="직사각형 12"/>
+          <p:cNvSpPr/>
+          <p:nvPr/>
+        </p:nvSpPr>
+        <p:spPr>
+          <a:xfrm>
+            <a:off x="3591397" y="1866087"/>
+            <a:ext cx="504056" cy="432048"/>
+          </a:xfrm>
+          <a:prstGeom prst="rect">
+            <a:avLst/>
+          </a:prstGeom>
+          <a:solidFill>
+            <a:schemeClr val="accent2">
+              <a:lumMod val="60000"/>
+              <a:lumOff val="40000"/>
+            </a:schemeClr>
+          </a:solidFill>
+          <a:ln>
+            <a:solidFill>
+              <a:schemeClr val="accent5">
+                <a:lumMod val="75000"/>
+              </a:schemeClr>
+            </a:solidFill>
+          </a:ln>
+        </p:spPr>
+        <p:style>
+          <a:lnRef idx="2">
+            <a:schemeClr val="accent1">
+              <a:shade val="50000"/>
+            </a:schemeClr>
+          </a:lnRef>
+          <a:fillRef idx="1">
+            <a:schemeClr val="accent1"/>
+          </a:fillRef>
+          <a:effectRef idx="0">
+            <a:schemeClr val="accent1"/>
+          </a:effectRef>
+          <a:fontRef idx="minor">
+            <a:schemeClr val="lt1"/>
+          </a:fontRef>
+        </p:style>
+        <p:txBody>
+          <a:bodyPr rtlCol="0" anchor="ctr"/>
+          <a:lstStyle/>
+          <a:p>
+            <a:pPr algn="ctr"/>
+            <a:r>
+              <a:rPr lang="en-US" altLang="ko-KR" dirty="0"/>
+              <a:t>5</a:t>
+            </a:r>
+            <a:endParaRPr lang="ko-KR" altLang="en-US" dirty="0"/>
+          </a:p>
+        </p:txBody>
+      </p:sp>
+      <p:sp>
+        <p:nvSpPr>
+          <p:cNvPr id="14" name="직사각형 13"/>
+          <p:cNvSpPr/>
+          <p:nvPr/>
+        </p:nvSpPr>
+        <p:spPr>
+          <a:xfrm>
+            <a:off x="4178819" y="1866087"/>
+            <a:ext cx="504056" cy="432048"/>
+          </a:xfrm>
+          <a:prstGeom prst="rect">
+            <a:avLst/>
+          </a:prstGeom>
+          <a:solidFill>
+            <a:schemeClr val="accent2">
+              <a:lumMod val="60000"/>
+              <a:lumOff val="40000"/>
+            </a:schemeClr>
+          </a:solidFill>
+          <a:ln>
+            <a:solidFill>
+              <a:schemeClr val="accent5">
+                <a:lumMod val="75000"/>
+              </a:schemeClr>
+            </a:solidFill>
+          </a:ln>
+        </p:spPr>
+        <p:style>
+          <a:lnRef idx="2">
+            <a:schemeClr val="accent1">
+              <a:shade val="50000"/>
+            </a:schemeClr>
+          </a:lnRef>
+          <a:fillRef idx="1">
+            <a:schemeClr val="accent1"/>
+          </a:fillRef>
+          <a:effectRef idx="0">
+            <a:schemeClr val="accent1"/>
+          </a:effectRef>
+          <a:fontRef idx="minor">
+            <a:schemeClr val="lt1"/>
+          </a:fontRef>
+        </p:style>
+        <p:txBody>
+          <a:bodyPr rtlCol="0" anchor="ctr"/>
+          <a:lstStyle/>
+          <a:p>
+            <a:pPr algn="ctr"/>
+            <a:r>
+              <a:rPr lang="en-US" altLang="ko-KR" dirty="0"/>
+              <a:t>6</a:t>
+            </a:r>
+            <a:endParaRPr lang="ko-KR" altLang="en-US" dirty="0"/>
+          </a:p>
+        </p:txBody>
+      </p:sp>
+      <p:sp>
+        <p:nvSpPr>
+          <p:cNvPr id="15" name="직사각형 14"/>
+          <p:cNvSpPr/>
+          <p:nvPr/>
+        </p:nvSpPr>
+        <p:spPr>
+          <a:xfrm>
+            <a:off x="4751752" y="1866087"/>
+            <a:ext cx="504056" cy="432048"/>
+          </a:xfrm>
+          <a:prstGeom prst="rect">
+            <a:avLst/>
+          </a:prstGeom>
+          <a:solidFill>
+            <a:schemeClr val="accent2">
+              <a:lumMod val="60000"/>
+              <a:lumOff val="40000"/>
+            </a:schemeClr>
+          </a:solidFill>
+          <a:ln>
+            <a:solidFill>
+              <a:schemeClr val="accent5">
+                <a:lumMod val="75000"/>
+              </a:schemeClr>
+            </a:solidFill>
+          </a:ln>
+        </p:spPr>
+        <p:style>
+          <a:lnRef idx="2">
+            <a:schemeClr val="accent1">
+              <a:shade val="50000"/>
+            </a:schemeClr>
+          </a:lnRef>
+          <a:fillRef idx="1">
+            <a:schemeClr val="accent1"/>
+          </a:fillRef>
+          <a:effectRef idx="0">
+            <a:schemeClr val="accent1"/>
+          </a:effectRef>
+          <a:fontRef idx="minor">
+            <a:schemeClr val="lt1"/>
+          </a:fontRef>
+        </p:style>
+        <p:txBody>
+          <a:bodyPr rtlCol="0" anchor="ctr"/>
+          <a:lstStyle/>
+          <a:p>
+            <a:pPr algn="ctr"/>
+            <a:r>
+              <a:rPr lang="en-US" altLang="ko-KR" dirty="0"/>
+              <a:t>7</a:t>
+            </a:r>
+            <a:endParaRPr lang="ko-KR" altLang="en-US" dirty="0"/>
+          </a:p>
+        </p:txBody>
+      </p:sp>
+      <p:sp>
+        <p:nvSpPr>
+          <p:cNvPr id="16" name="직사각형 15"/>
+          <p:cNvSpPr/>
+          <p:nvPr/>
+        </p:nvSpPr>
+        <p:spPr>
+          <a:xfrm>
+            <a:off x="5316674" y="1866087"/>
+            <a:ext cx="504056" cy="432048"/>
+          </a:xfrm>
+          <a:prstGeom prst="rect">
+            <a:avLst/>
+          </a:prstGeom>
+          <a:solidFill>
+            <a:schemeClr val="accent2">
+              <a:lumMod val="60000"/>
+              <a:lumOff val="40000"/>
+            </a:schemeClr>
+          </a:solidFill>
+          <a:ln>
+            <a:solidFill>
+              <a:schemeClr val="accent5">
+                <a:lumMod val="75000"/>
+              </a:schemeClr>
+            </a:solidFill>
+          </a:ln>
+        </p:spPr>
+        <p:style>
+          <a:lnRef idx="2">
+            <a:schemeClr val="accent1">
+              <a:shade val="50000"/>
+            </a:schemeClr>
+          </a:lnRef>
+          <a:fillRef idx="1">
+            <a:schemeClr val="accent1"/>
+          </a:fillRef>
+          <a:effectRef idx="0">
+            <a:schemeClr val="accent1"/>
+          </a:effectRef>
+          <a:fontRef idx="minor">
+            <a:schemeClr val="lt1"/>
+          </a:fontRef>
+        </p:style>
+        <p:txBody>
+          <a:bodyPr rtlCol="0" anchor="ctr"/>
+          <a:lstStyle/>
+          <a:p>
+            <a:pPr algn="ctr"/>
+            <a:r>
+              <a:rPr lang="en-US" altLang="ko-KR" dirty="0"/>
+              <a:t>8</a:t>
+            </a:r>
+            <a:endParaRPr lang="ko-KR" altLang="en-US" dirty="0"/>
+          </a:p>
+        </p:txBody>
+      </p:sp>
+      <p:sp>
+        <p:nvSpPr>
+          <p:cNvPr id="17" name="직사각형 16"/>
+          <p:cNvSpPr/>
+          <p:nvPr/>
+        </p:nvSpPr>
+        <p:spPr>
+          <a:xfrm>
+            <a:off x="5895040" y="1866087"/>
+            <a:ext cx="504056" cy="432048"/>
+          </a:xfrm>
+          <a:prstGeom prst="rect">
+            <a:avLst/>
+          </a:prstGeom>
+          <a:solidFill>
+            <a:schemeClr val="accent2">
+              <a:lumMod val="60000"/>
+              <a:lumOff val="40000"/>
+            </a:schemeClr>
+          </a:solidFill>
+          <a:ln>
+            <a:solidFill>
+              <a:schemeClr val="accent5">
+                <a:lumMod val="75000"/>
+              </a:schemeClr>
+            </a:solidFill>
+          </a:ln>
+        </p:spPr>
+        <p:style>
+          <a:lnRef idx="2">
+            <a:schemeClr val="accent1">
+              <a:shade val="50000"/>
+            </a:schemeClr>
+          </a:lnRef>
+          <a:fillRef idx="1">
+            <a:schemeClr val="accent1"/>
+          </a:fillRef>
+          <a:effectRef idx="0">
+            <a:schemeClr val="accent1"/>
+          </a:effectRef>
+          <a:fontRef idx="minor">
+            <a:schemeClr val="lt1"/>
+          </a:fontRef>
+        </p:style>
+        <p:txBody>
+          <a:bodyPr rtlCol="0" anchor="ctr"/>
+          <a:lstStyle/>
+          <a:p>
+            <a:pPr algn="ctr"/>
+            <a:r>
+              <a:rPr lang="en-US" altLang="ko-KR" dirty="0"/>
+              <a:t>9</a:t>
+            </a:r>
+            <a:endParaRPr lang="ko-KR" altLang="en-US" dirty="0"/>
+          </a:p>
+        </p:txBody>
+      </p:sp>
+      <p:sp>
+        <p:nvSpPr>
+          <p:cNvPr id="18" name="직사각형 17"/>
+          <p:cNvSpPr/>
+          <p:nvPr/>
+        </p:nvSpPr>
+        <p:spPr>
+          <a:xfrm>
+            <a:off x="6459746" y="1866087"/>
+            <a:ext cx="504056" cy="432048"/>
+          </a:xfrm>
+          <a:prstGeom prst="rect">
+            <a:avLst/>
+          </a:prstGeom>
+          <a:solidFill>
+            <a:schemeClr val="accent2">
+              <a:lumMod val="60000"/>
+              <a:lumOff val="40000"/>
+            </a:schemeClr>
+          </a:solidFill>
+          <a:ln>
+            <a:solidFill>
+              <a:schemeClr val="accent5">
+                <a:lumMod val="75000"/>
+              </a:schemeClr>
+            </a:solidFill>
+          </a:ln>
+        </p:spPr>
+        <p:style>
+          <a:lnRef idx="2">
+            <a:schemeClr val="accent1">
+              <a:shade val="50000"/>
+            </a:schemeClr>
+          </a:lnRef>
+          <a:fillRef idx="1">
+            <a:schemeClr val="accent1"/>
+          </a:fillRef>
+          <a:effectRef idx="0">
+            <a:schemeClr val="accent1"/>
+          </a:effectRef>
+          <a:fontRef idx="minor">
+            <a:schemeClr val="lt1"/>
+          </a:fontRef>
+        </p:style>
+        <p:txBody>
+          <a:bodyPr rtlCol="0" anchor="ctr"/>
+          <a:lstStyle/>
+          <a:p>
+            <a:pPr algn="ctr"/>
+            <a:r>
+              <a:rPr lang="en-US" altLang="ko-KR" dirty="0" smtClean="0"/>
+              <a:t>10</a:t>
+            </a:r>
+            <a:endParaRPr lang="ko-KR" altLang="en-US" dirty="0"/>
+          </a:p>
+        </p:txBody>
+      </p:sp>
+      <p:grpSp>
+        <p:nvGrpSpPr>
+          <p:cNvPr id="21" name="그룹 20"/>
+          <p:cNvGrpSpPr/>
+          <p:nvPr/>
+        </p:nvGrpSpPr>
+        <p:grpSpPr>
+          <a:xfrm>
+            <a:off x="1212081" y="1085970"/>
+            <a:ext cx="834011" cy="780117"/>
+            <a:chOff x="3032395" y="1838133"/>
+            <a:chExt cx="834011" cy="780117"/>
+          </a:xfrm>
+        </p:grpSpPr>
+        <p:sp>
+          <p:nvSpPr>
+            <p:cNvPr id="22" name="아래쪽 화살표 21"/>
+            <p:cNvSpPr/>
+            <p:nvPr/>
+          </p:nvSpPr>
+          <p:spPr>
+            <a:xfrm>
+              <a:off x="3240408" y="2186202"/>
+              <a:ext cx="301370" cy="432048"/>
+            </a:xfrm>
+            <a:prstGeom prst="downArrow">
+              <a:avLst/>
+            </a:prstGeom>
+            <a:solidFill>
+              <a:srgbClr val="FF0000"/>
+            </a:solidFill>
+            <a:ln>
+              <a:noFill/>
+            </a:ln>
+          </p:spPr>
+          <p:style>
+            <a:lnRef idx="2">
+              <a:schemeClr val="accent1">
+                <a:shade val="50000"/>
+              </a:schemeClr>
+            </a:lnRef>
+            <a:fillRef idx="1">
+              <a:schemeClr val="accent1"/>
+            </a:fillRef>
+            <a:effectRef idx="0">
+              <a:schemeClr val="accent1"/>
+            </a:effectRef>
+            <a:fontRef idx="minor">
+              <a:schemeClr val="lt1"/>
+            </a:fontRef>
+          </p:style>
+          <p:txBody>
+            <a:bodyPr rtlCol="0" anchor="ctr"/>
+            <a:lstStyle/>
+            <a:p>
+              <a:pPr algn="ctr"/>
+              <a:endParaRPr lang="ko-KR" altLang="en-US"/>
+            </a:p>
+          </p:txBody>
+        </p:sp>
+        <p:sp>
+          <p:nvSpPr>
+            <p:cNvPr id="23" name="TextBox 22"/>
+            <p:cNvSpPr txBox="1"/>
+            <p:nvPr/>
+          </p:nvSpPr>
+          <p:spPr>
+            <a:xfrm>
+              <a:off x="3032395" y="1838133"/>
+              <a:ext cx="834011" cy="369332"/>
+            </a:xfrm>
+            <a:prstGeom prst="rect">
+              <a:avLst/>
+            </a:prstGeom>
+            <a:noFill/>
+          </p:spPr>
+          <p:txBody>
+            <a:bodyPr wrap="none" rtlCol="0">
+              <a:spAutoFit/>
+            </a:bodyPr>
+            <a:lstStyle/>
+            <a:p>
+              <a:r>
+                <a:rPr lang="en-US" altLang="ko-KR" dirty="0" smtClean="0">
+                  <a:solidFill>
+                    <a:srgbClr val="FF0000"/>
+                  </a:solidFill>
+                </a:rPr>
+                <a:t>pivot1</a:t>
+              </a:r>
+              <a:endParaRPr lang="ko-KR" altLang="en-US" dirty="0">
+                <a:solidFill>
+                  <a:srgbClr val="FF0000"/>
+                </a:solidFill>
+              </a:endParaRPr>
+            </a:p>
+          </p:txBody>
+        </p:sp>
+      </p:grpSp>
+      <p:sp>
+        <p:nvSpPr>
+          <p:cNvPr id="31" name="TextBox 30"/>
+          <p:cNvSpPr txBox="1"/>
+          <p:nvPr/>
+        </p:nvSpPr>
+        <p:spPr>
+          <a:xfrm>
+            <a:off x="1243990" y="2409006"/>
+            <a:ext cx="653577" cy="369332"/>
+          </a:xfrm>
+          <a:prstGeom prst="rect">
+            <a:avLst/>
+          </a:prstGeom>
+          <a:noFill/>
+        </p:spPr>
+        <p:txBody>
+          <a:bodyPr wrap="none" rtlCol="0">
+            <a:spAutoFit/>
+          </a:bodyPr>
+          <a:lstStyle/>
+          <a:p>
+            <a:r>
+              <a:rPr lang="en-US" altLang="ko-KR" dirty="0" smtClean="0">
+                <a:solidFill>
+                  <a:srgbClr val="FF0000"/>
+                </a:solidFill>
+              </a:rPr>
+              <a:t>start</a:t>
+            </a:r>
+            <a:endParaRPr lang="ko-KR" altLang="en-US" dirty="0">
+              <a:solidFill>
+                <a:srgbClr val="FF0000"/>
+              </a:solidFill>
+            </a:endParaRPr>
+          </a:p>
+        </p:txBody>
+      </p:sp>
+      <p:sp>
+        <p:nvSpPr>
+          <p:cNvPr id="32" name="TextBox 31"/>
+          <p:cNvSpPr txBox="1"/>
+          <p:nvPr/>
+        </p:nvSpPr>
+        <p:spPr>
+          <a:xfrm>
+            <a:off x="6399096" y="2409006"/>
+            <a:ext cx="580608" cy="369332"/>
+          </a:xfrm>
+          <a:prstGeom prst="rect">
+            <a:avLst/>
+          </a:prstGeom>
+          <a:noFill/>
+        </p:spPr>
+        <p:txBody>
+          <a:bodyPr wrap="none" rtlCol="0">
+            <a:spAutoFit/>
+          </a:bodyPr>
+          <a:lstStyle/>
+          <a:p>
+            <a:r>
+              <a:rPr lang="en-US" altLang="ko-KR" dirty="0" smtClean="0">
+                <a:solidFill>
+                  <a:srgbClr val="FF0000"/>
+                </a:solidFill>
+              </a:rPr>
+              <a:t>end</a:t>
+            </a:r>
+            <a:endParaRPr lang="ko-KR" altLang="en-US" dirty="0">
+              <a:solidFill>
+                <a:srgbClr val="FF0000"/>
+              </a:solidFill>
+            </a:endParaRPr>
+          </a:p>
+        </p:txBody>
+      </p:sp>
+      <p:grpSp>
+        <p:nvGrpSpPr>
+          <p:cNvPr id="30" name="그룹 29"/>
+          <p:cNvGrpSpPr/>
+          <p:nvPr/>
+        </p:nvGrpSpPr>
+        <p:grpSpPr>
+          <a:xfrm>
+            <a:off x="3529606" y="1043980"/>
+            <a:ext cx="834011" cy="780117"/>
+            <a:chOff x="3032395" y="1838133"/>
+            <a:chExt cx="834011" cy="780117"/>
+          </a:xfrm>
+        </p:grpSpPr>
+        <p:sp>
+          <p:nvSpPr>
+            <p:cNvPr id="33" name="아래쪽 화살표 32"/>
+            <p:cNvSpPr/>
+            <p:nvPr/>
+          </p:nvSpPr>
+          <p:spPr>
+            <a:xfrm>
+              <a:off x="3240408" y="2186202"/>
+              <a:ext cx="301370" cy="432048"/>
+            </a:xfrm>
+            <a:prstGeom prst="downArrow">
+              <a:avLst/>
+            </a:prstGeom>
+            <a:solidFill>
+              <a:srgbClr val="FF0000"/>
+            </a:solidFill>
+            <a:ln>
+              <a:noFill/>
+            </a:ln>
+          </p:spPr>
+          <p:style>
+            <a:lnRef idx="2">
+              <a:schemeClr val="accent1">
+                <a:shade val="50000"/>
+              </a:schemeClr>
+            </a:lnRef>
+            <a:fillRef idx="1">
+              <a:schemeClr val="accent1"/>
+            </a:fillRef>
+            <a:effectRef idx="0">
+              <a:schemeClr val="accent1"/>
+            </a:effectRef>
+            <a:fontRef idx="minor">
+              <a:schemeClr val="lt1"/>
+            </a:fontRef>
+          </p:style>
+          <p:txBody>
+            <a:bodyPr rtlCol="0" anchor="ctr"/>
+            <a:lstStyle/>
+            <a:p>
+              <a:pPr algn="ctr"/>
+              <a:endParaRPr lang="ko-KR" altLang="en-US"/>
+            </a:p>
+          </p:txBody>
+        </p:sp>
+        <p:sp>
+          <p:nvSpPr>
+            <p:cNvPr id="34" name="TextBox 33"/>
+            <p:cNvSpPr txBox="1"/>
+            <p:nvPr/>
+          </p:nvSpPr>
+          <p:spPr>
+            <a:xfrm>
+              <a:off x="3032395" y="1838133"/>
+              <a:ext cx="834011" cy="369332"/>
+            </a:xfrm>
+            <a:prstGeom prst="rect">
+              <a:avLst/>
+            </a:prstGeom>
+            <a:noFill/>
+          </p:spPr>
+          <p:txBody>
+            <a:bodyPr wrap="none" rtlCol="0">
+              <a:spAutoFit/>
+            </a:bodyPr>
+            <a:lstStyle/>
+            <a:p>
+              <a:r>
+                <a:rPr lang="en-US" altLang="ko-KR" dirty="0" smtClean="0">
+                  <a:solidFill>
+                    <a:srgbClr val="FF0000"/>
+                  </a:solidFill>
+                </a:rPr>
+                <a:t>pivot2</a:t>
+              </a:r>
+              <a:endParaRPr lang="ko-KR" altLang="en-US" dirty="0">
+                <a:solidFill>
+                  <a:srgbClr val="FF0000"/>
+                </a:solidFill>
+              </a:endParaRPr>
+            </a:p>
+          </p:txBody>
+        </p:sp>
+      </p:grpSp>
+      <p:grpSp>
+        <p:nvGrpSpPr>
+          <p:cNvPr id="35" name="그룹 34"/>
+          <p:cNvGrpSpPr/>
+          <p:nvPr/>
+        </p:nvGrpSpPr>
+        <p:grpSpPr>
+          <a:xfrm>
+            <a:off x="6272331" y="1043980"/>
+            <a:ext cx="834011" cy="780117"/>
+            <a:chOff x="3032395" y="1838133"/>
+            <a:chExt cx="834011" cy="780117"/>
+          </a:xfrm>
+        </p:grpSpPr>
+        <p:sp>
+          <p:nvSpPr>
+            <p:cNvPr id="36" name="아래쪽 화살표 35"/>
+            <p:cNvSpPr/>
+            <p:nvPr/>
+          </p:nvSpPr>
+          <p:spPr>
+            <a:xfrm>
+              <a:off x="3240408" y="2186202"/>
+              <a:ext cx="301370" cy="432048"/>
+            </a:xfrm>
+            <a:prstGeom prst="downArrow">
+              <a:avLst/>
+            </a:prstGeom>
+            <a:solidFill>
+              <a:srgbClr val="FF0000"/>
+            </a:solidFill>
+            <a:ln>
+              <a:noFill/>
+            </a:ln>
+          </p:spPr>
+          <p:style>
+            <a:lnRef idx="2">
+              <a:schemeClr val="accent1">
+                <a:shade val="50000"/>
+              </a:schemeClr>
+            </a:lnRef>
+            <a:fillRef idx="1">
+              <a:schemeClr val="accent1"/>
+            </a:fillRef>
+            <a:effectRef idx="0">
+              <a:schemeClr val="accent1"/>
+            </a:effectRef>
+            <a:fontRef idx="minor">
+              <a:schemeClr val="lt1"/>
+            </a:fontRef>
+          </p:style>
+          <p:txBody>
+            <a:bodyPr rtlCol="0" anchor="ctr"/>
+            <a:lstStyle/>
+            <a:p>
+              <a:pPr algn="ctr"/>
+              <a:endParaRPr lang="ko-KR" altLang="en-US"/>
+            </a:p>
+          </p:txBody>
+        </p:sp>
+        <p:sp>
+          <p:nvSpPr>
+            <p:cNvPr id="37" name="TextBox 36"/>
+            <p:cNvSpPr txBox="1"/>
+            <p:nvPr/>
+          </p:nvSpPr>
+          <p:spPr>
+            <a:xfrm>
+              <a:off x="3032395" y="1838133"/>
+              <a:ext cx="834011" cy="369332"/>
+            </a:xfrm>
+            <a:prstGeom prst="rect">
+              <a:avLst/>
+            </a:prstGeom>
+            <a:noFill/>
+          </p:spPr>
+          <p:txBody>
+            <a:bodyPr wrap="none" rtlCol="0">
+              <a:spAutoFit/>
+            </a:bodyPr>
+            <a:lstStyle/>
+            <a:p>
+              <a:r>
+                <a:rPr lang="en-US" altLang="ko-KR" dirty="0" smtClean="0">
+                  <a:solidFill>
+                    <a:srgbClr val="FF0000"/>
+                  </a:solidFill>
+                </a:rPr>
+                <a:t>pivot3</a:t>
+              </a:r>
+              <a:endParaRPr lang="ko-KR" altLang="en-US" dirty="0">
+                <a:solidFill>
+                  <a:srgbClr val="FF0000"/>
+                </a:solidFill>
+              </a:endParaRPr>
+            </a:p>
+          </p:txBody>
+        </p:sp>
+      </p:grpSp>
+      <p:pic>
+        <p:nvPicPr>
+          <p:cNvPr id="1026" name="Picture 2"/>
+          <p:cNvPicPr>
+            <a:picLocks noChangeAspect="1" noChangeArrowheads="1"/>
+          </p:cNvPicPr>
+          <p:nvPr/>
+        </p:nvPicPr>
+        <p:blipFill rotWithShape="1">
+          <a:blip r:embed="rId2">
+            <a:extLst>
+              <a:ext uri="{28A0092B-C50C-407E-A947-70E740481C1C}">
+                <a14:useLocalDpi xmlns:a14="http://schemas.microsoft.com/office/drawing/2010/main" val="0"/>
+              </a:ext>
+            </a:extLst>
+          </a:blip>
+          <a:srcRect l="28360" t="22917" r="47514" b="73402"/>
+          <a:stretch/>
+        </p:blipFill>
+        <p:spPr bwMode="auto">
+          <a:xfrm>
+            <a:off x="2399866" y="494676"/>
+            <a:ext cx="5076003" cy="435677"/>
+          </a:xfrm>
+          <a:prstGeom prst="rect">
+            <a:avLst/>
+          </a:prstGeom>
+          <a:noFill/>
+          <a:ln>
+            <a:noFill/>
+          </a:ln>
+          <a:extLst>
+            <a:ext uri="{909E8E84-426E-40DD-AFC4-6F175D3DCCD1}">
+              <a14:hiddenFill xmlns:a14="http://schemas.microsoft.com/office/drawing/2010/main">
+                <a:solidFill>
+                  <a:schemeClr val="accent1"/>
+                </a:solidFill>
+              </a14:hiddenFill>
+            </a:ext>
+            <a:ext uri="{91240B29-F687-4F45-9708-019B960494DF}">
+              <a14:hiddenLine xmlns:a14="http://schemas.microsoft.com/office/drawing/2010/main" w="9525">
+                <a:solidFill>
+                  <a:schemeClr val="tx1"/>
+                </a:solidFill>
+                <a:miter lim="800000"/>
+                <a:headEnd/>
+                <a:tailEnd/>
+              </a14:hiddenLine>
+            </a:ext>
+          </a:extLst>
+        </p:spPr>
+      </p:pic>
+      <p:pic>
+        <p:nvPicPr>
+          <p:cNvPr id="2050" name="Picture 2"/>
+          <p:cNvPicPr>
+            <a:picLocks noChangeAspect="1" noChangeArrowheads="1"/>
+          </p:cNvPicPr>
+          <p:nvPr/>
+        </p:nvPicPr>
+        <p:blipFill rotWithShape="1">
+          <a:blip r:embed="rId2">
+            <a:extLst>
+              <a:ext uri="{28A0092B-C50C-407E-A947-70E740481C1C}">
+                <a14:useLocalDpi xmlns:a14="http://schemas.microsoft.com/office/drawing/2010/main" val="0"/>
+              </a:ext>
+            </a:extLst>
+          </a:blip>
+          <a:srcRect l="9140" t="22361" r="47016" b="25278"/>
+          <a:stretch/>
+        </p:blipFill>
+        <p:spPr bwMode="auto">
+          <a:xfrm>
+            <a:off x="1634382" y="2778338"/>
+            <a:ext cx="5345322" cy="3590926"/>
+          </a:xfrm>
+          <a:prstGeom prst="rect">
+            <a:avLst/>
+          </a:prstGeom>
+          <a:noFill/>
+          <a:ln>
+            <a:noFill/>
+          </a:ln>
+          <a:extLst>
+            <a:ext uri="{909E8E84-426E-40DD-AFC4-6F175D3DCCD1}">
+              <a14:hiddenFill xmlns:a14="http://schemas.microsoft.com/office/drawing/2010/main">
+                <a:solidFill>
+                  <a:schemeClr val="accent1"/>
+                </a:solidFill>
+              </a14:hiddenFill>
+            </a:ext>
+            <a:ext uri="{91240B29-F687-4F45-9708-019B960494DF}">
+              <a14:hiddenLine xmlns:a14="http://schemas.microsoft.com/office/drawing/2010/main" w="9525">
+                <a:solidFill>
+                  <a:schemeClr val="tx1"/>
+                </a:solidFill>
+                <a:miter lim="800000"/>
+                <a:headEnd/>
+                <a:tailEnd/>
+              </a14:hiddenLine>
+            </a:ext>
+          </a:extLst>
+        </p:spPr>
+      </p:pic>
+      <p:sp>
+        <p:nvSpPr>
+          <p:cNvPr id="3" name="직사각형 2"/>
+          <p:cNvSpPr/>
+          <p:nvPr/>
+        </p:nvSpPr>
+        <p:spPr>
+          <a:xfrm>
+            <a:off x="1897567" y="4149080"/>
+            <a:ext cx="3826561" cy="1584176"/>
+          </a:xfrm>
+          <a:prstGeom prst="rect">
+            <a:avLst/>
+          </a:prstGeom>
+          <a:noFill/>
+          <a:ln>
+            <a:solidFill>
+              <a:srgbClr val="FF0000"/>
+            </a:solidFill>
+          </a:ln>
+        </p:spPr>
+        <p:style>
+          <a:lnRef idx="2">
+            <a:schemeClr val="accent1">
+              <a:shade val="50000"/>
+            </a:schemeClr>
+          </a:lnRef>
+          <a:fillRef idx="1">
+            <a:schemeClr val="accent1"/>
+          </a:fillRef>
+          <a:effectRef idx="0">
+            <a:schemeClr val="accent1"/>
+          </a:effectRef>
+          <a:fontRef idx="minor">
+            <a:schemeClr val="lt1"/>
+          </a:fontRef>
+        </p:style>
+        <p:txBody>
+          <a:bodyPr rtlCol="0" anchor="ctr"/>
+          <a:lstStyle/>
+          <a:p>
+            <a:pPr algn="ctr"/>
+            <a:endParaRPr lang="ko-KR" altLang="en-US"/>
+          </a:p>
+        </p:txBody>
+      </p:sp>
+      <p:sp>
+        <p:nvSpPr>
+          <p:cNvPr id="8" name="TextBox 7"/>
+          <p:cNvSpPr txBox="1"/>
+          <p:nvPr/>
+        </p:nvSpPr>
+        <p:spPr>
+          <a:xfrm>
+            <a:off x="5830669" y="4787279"/>
+            <a:ext cx="902811" cy="307777"/>
+          </a:xfrm>
+          <a:prstGeom prst="rect">
+            <a:avLst/>
+          </a:prstGeom>
+          <a:noFill/>
+        </p:spPr>
+        <p:txBody>
+          <a:bodyPr wrap="none" rtlCol="0">
+            <a:spAutoFit/>
+          </a:bodyPr>
+          <a:lstStyle/>
+          <a:p>
+            <a:r>
+              <a:rPr lang="ko-KR" altLang="en-US" sz="1400" dirty="0" smtClean="0">
+                <a:solidFill>
+                  <a:srgbClr val="FF0000"/>
+                </a:solidFill>
+              </a:rPr>
+              <a:t>버블정렬</a:t>
+            </a:r>
+            <a:endParaRPr lang="ko-KR" altLang="en-US" sz="1400" dirty="0">
+              <a:solidFill>
+                <a:srgbClr val="FF0000"/>
+              </a:solidFill>
+            </a:endParaRPr>
+          </a:p>
+        </p:txBody>
+      </p:sp>
+      <p:sp>
+        <p:nvSpPr>
+          <p:cNvPr id="19" name="직사각형 18"/>
+          <p:cNvSpPr/>
+          <p:nvPr/>
+        </p:nvSpPr>
+        <p:spPr>
+          <a:xfrm>
+            <a:off x="1897567" y="5877272"/>
+            <a:ext cx="1913280" cy="288032"/>
+          </a:xfrm>
+          <a:prstGeom prst="rect">
+            <a:avLst/>
+          </a:prstGeom>
+          <a:noFill/>
+          <a:ln>
+            <a:solidFill>
+              <a:srgbClr val="FF0000"/>
+            </a:solidFill>
+          </a:ln>
+        </p:spPr>
+        <p:style>
+          <a:lnRef idx="2">
+            <a:schemeClr val="accent1">
+              <a:shade val="50000"/>
+            </a:schemeClr>
+          </a:lnRef>
+          <a:fillRef idx="1">
+            <a:schemeClr val="accent1"/>
+          </a:fillRef>
+          <a:effectRef idx="0">
+            <a:schemeClr val="accent1"/>
+          </a:effectRef>
+          <a:fontRef idx="minor">
+            <a:schemeClr val="lt1"/>
+          </a:fontRef>
+        </p:style>
+        <p:txBody>
+          <a:bodyPr rtlCol="0" anchor="ctr"/>
+          <a:lstStyle/>
+          <a:p>
+            <a:pPr algn="ctr"/>
+            <a:endParaRPr lang="ko-KR" altLang="en-US"/>
+          </a:p>
+        </p:txBody>
+      </p:sp>
+      <p:sp>
+        <p:nvSpPr>
+          <p:cNvPr id="20" name="TextBox 19"/>
+          <p:cNvSpPr txBox="1"/>
+          <p:nvPr/>
+        </p:nvSpPr>
+        <p:spPr>
+          <a:xfrm>
+            <a:off x="3982361" y="5836622"/>
+            <a:ext cx="4432624" cy="369332"/>
+          </a:xfrm>
+          <a:prstGeom prst="rect">
+            <a:avLst/>
+          </a:prstGeom>
+          <a:noFill/>
+        </p:spPr>
+        <p:txBody>
+          <a:bodyPr wrap="none" rtlCol="0">
+            <a:spAutoFit/>
+          </a:bodyPr>
+          <a:lstStyle/>
+          <a:p>
+            <a:r>
+              <a:rPr lang="ko-KR" altLang="en-US" dirty="0" smtClean="0"/>
+              <a:t>가운데 값인 </a:t>
+            </a:r>
+            <a:r>
+              <a:rPr lang="en-US" altLang="ko-KR" dirty="0" smtClean="0"/>
+              <a:t>5</a:t>
+            </a:r>
+            <a:r>
+              <a:rPr lang="ko-KR" altLang="en-US" dirty="0" smtClean="0"/>
+              <a:t>의 인덱스 </a:t>
+            </a:r>
+            <a:r>
+              <a:rPr lang="en-US" altLang="ko-KR" dirty="0" smtClean="0"/>
+              <a:t>mid</a:t>
+            </a:r>
+            <a:r>
+              <a:rPr lang="ko-KR" altLang="en-US" dirty="0" smtClean="0"/>
+              <a:t>를 반환할 것</a:t>
+            </a:r>
+            <a:endParaRPr lang="ko-KR" altLang="en-US" dirty="0"/>
+          </a:p>
+        </p:txBody>
+      </p:sp>
+    </p:spTree>
+    <p:extLst>
+      <p:ext uri="{BB962C8B-B14F-4D97-AF65-F5344CB8AC3E}">
+        <p14:creationId xmlns:p14="http://schemas.microsoft.com/office/powerpoint/2010/main" val="890079502"/>
+      </p:ext>
+    </p:extLst>
+  </p:cSld>
+  <p:clrMapOvr>
+    <a:masterClrMapping/>
+  </p:clrMapOvr>
+</p:sld>
+</file>
+
+<file path=ppt/slides/slide56.xml><?xml version="1.0" encoding="utf-8"?>
+<p:sld xmlns:a="http://schemas.openxmlformats.org/drawingml/2006/main" xmlns:r="http://schemas.openxmlformats.org/officeDocument/2006/relationships" xmlns:p="http://schemas.openxmlformats.org/presentationml/2006/main">
+  <p:cSld>
+    <p:spTree>
+      <p:nvGrpSpPr>
+        <p:cNvPr id="1" name=""/>
+        <p:cNvGrpSpPr/>
+        <p:nvPr/>
+      </p:nvGrpSpPr>
+      <p:grpSpPr>
+        <a:xfrm>
+          <a:off x="0" y="0"/>
+          <a:ext cx="0" cy="0"/>
+          <a:chOff x="0" y="0"/>
+          <a:chExt cx="0" cy="0"/>
+        </a:xfrm>
+      </p:grpSpPr>
+      <p:sp>
+        <p:nvSpPr>
+          <p:cNvPr id="7" name="TextBox 6"/>
+          <p:cNvSpPr txBox="1"/>
+          <p:nvPr/>
+        </p:nvSpPr>
+        <p:spPr>
+          <a:xfrm>
+            <a:off x="395536" y="404664"/>
+            <a:ext cx="1689886" cy="646331"/>
+          </a:xfrm>
+          <a:prstGeom prst="rect">
+            <a:avLst/>
+          </a:prstGeom>
+          <a:noFill/>
+        </p:spPr>
+        <p:txBody>
+          <a:bodyPr wrap="none" rtlCol="0">
+            <a:spAutoFit/>
+          </a:bodyPr>
+          <a:lstStyle/>
+          <a:p>
+            <a:r>
+              <a:rPr lang="ko-KR" altLang="en-US" dirty="0" smtClean="0"/>
+              <a:t>정렬 알고리즘</a:t>
+            </a:r>
+            <a:endParaRPr lang="en-US" altLang="ko-KR" dirty="0" smtClean="0"/>
+          </a:p>
+          <a:p>
+            <a:r>
+              <a:rPr lang="en-US" altLang="ko-KR" dirty="0" smtClean="0"/>
+              <a:t>  : </a:t>
+            </a:r>
+            <a:r>
+              <a:rPr lang="en-US" altLang="ko-KR" dirty="0" smtClean="0"/>
+              <a:t>Quicksort</a:t>
+            </a:r>
+            <a:endParaRPr lang="ko-KR" altLang="en-US" dirty="0"/>
+          </a:p>
+        </p:txBody>
+      </p:sp>
+      <p:sp>
+        <p:nvSpPr>
+          <p:cNvPr id="9" name="직사각형 8"/>
+          <p:cNvSpPr/>
+          <p:nvPr/>
+        </p:nvSpPr>
+        <p:spPr>
+          <a:xfrm>
+            <a:off x="1310470" y="2276872"/>
+            <a:ext cx="504056" cy="432048"/>
+          </a:xfrm>
+          <a:prstGeom prst="rect">
+            <a:avLst/>
+          </a:prstGeom>
+          <a:solidFill>
+            <a:schemeClr val="accent2">
+              <a:lumMod val="60000"/>
+              <a:lumOff val="40000"/>
+            </a:schemeClr>
+          </a:solidFill>
+          <a:ln>
+            <a:solidFill>
+              <a:schemeClr val="accent5">
+                <a:lumMod val="75000"/>
+              </a:schemeClr>
+            </a:solidFill>
+          </a:ln>
+        </p:spPr>
+        <p:style>
+          <a:lnRef idx="2">
+            <a:schemeClr val="accent1">
+              <a:shade val="50000"/>
+            </a:schemeClr>
+          </a:lnRef>
+          <a:fillRef idx="1">
+            <a:schemeClr val="accent1"/>
+          </a:fillRef>
+          <a:effectRef idx="0">
+            <a:schemeClr val="accent1"/>
+          </a:effectRef>
+          <a:fontRef idx="minor">
+            <a:schemeClr val="lt1"/>
+          </a:fontRef>
+        </p:style>
+        <p:txBody>
+          <a:bodyPr rtlCol="0" anchor="ctr"/>
+          <a:lstStyle/>
+          <a:p>
+            <a:pPr algn="ctr"/>
+            <a:r>
+              <a:rPr lang="en-US" altLang="ko-KR" dirty="0"/>
+              <a:t>1</a:t>
+            </a:r>
+            <a:endParaRPr lang="ko-KR" altLang="en-US" dirty="0"/>
+          </a:p>
+        </p:txBody>
+      </p:sp>
+      <p:sp>
+        <p:nvSpPr>
+          <p:cNvPr id="10" name="직사각형 9"/>
+          <p:cNvSpPr/>
+          <p:nvPr/>
+        </p:nvSpPr>
+        <p:spPr>
+          <a:xfrm>
+            <a:off x="1883403" y="2276872"/>
+            <a:ext cx="504056" cy="432048"/>
+          </a:xfrm>
+          <a:prstGeom prst="rect">
+            <a:avLst/>
+          </a:prstGeom>
+          <a:solidFill>
+            <a:schemeClr val="accent2">
+              <a:lumMod val="60000"/>
+              <a:lumOff val="40000"/>
+            </a:schemeClr>
+          </a:solidFill>
+          <a:ln>
+            <a:solidFill>
+              <a:schemeClr val="accent5">
+                <a:lumMod val="75000"/>
+              </a:schemeClr>
+            </a:solidFill>
+          </a:ln>
+        </p:spPr>
+        <p:style>
+          <a:lnRef idx="2">
+            <a:schemeClr val="accent1">
+              <a:shade val="50000"/>
+            </a:schemeClr>
+          </a:lnRef>
+          <a:fillRef idx="1">
+            <a:schemeClr val="accent1"/>
+          </a:fillRef>
+          <a:effectRef idx="0">
+            <a:schemeClr val="accent1"/>
+          </a:effectRef>
+          <a:fontRef idx="minor">
+            <a:schemeClr val="lt1"/>
+          </a:fontRef>
+        </p:style>
+        <p:txBody>
+          <a:bodyPr rtlCol="0" anchor="ctr"/>
+          <a:lstStyle/>
+          <a:p>
+            <a:pPr algn="ctr"/>
+            <a:r>
+              <a:rPr lang="en-US" altLang="ko-KR" dirty="0"/>
+              <a:t>2</a:t>
+            </a:r>
+            <a:endParaRPr lang="ko-KR" altLang="en-US" dirty="0"/>
+          </a:p>
+        </p:txBody>
+      </p:sp>
+      <p:sp>
+        <p:nvSpPr>
+          <p:cNvPr id="11" name="직사각형 10"/>
+          <p:cNvSpPr/>
+          <p:nvPr/>
+        </p:nvSpPr>
+        <p:spPr>
+          <a:xfrm>
+            <a:off x="2448325" y="2276872"/>
+            <a:ext cx="504056" cy="432048"/>
+          </a:xfrm>
+          <a:prstGeom prst="rect">
+            <a:avLst/>
+          </a:prstGeom>
+          <a:solidFill>
+            <a:schemeClr val="accent2">
+              <a:lumMod val="60000"/>
+              <a:lumOff val="40000"/>
+            </a:schemeClr>
+          </a:solidFill>
+          <a:ln>
+            <a:solidFill>
+              <a:schemeClr val="accent5">
+                <a:lumMod val="75000"/>
+              </a:schemeClr>
+            </a:solidFill>
+          </a:ln>
+        </p:spPr>
+        <p:style>
+          <a:lnRef idx="2">
+            <a:schemeClr val="accent1">
+              <a:shade val="50000"/>
+            </a:schemeClr>
+          </a:lnRef>
+          <a:fillRef idx="1">
+            <a:schemeClr val="accent1"/>
+          </a:fillRef>
+          <a:effectRef idx="0">
+            <a:schemeClr val="accent1"/>
+          </a:effectRef>
+          <a:fontRef idx="minor">
+            <a:schemeClr val="lt1"/>
+          </a:fontRef>
+        </p:style>
+        <p:txBody>
+          <a:bodyPr rtlCol="0" anchor="ctr"/>
+          <a:lstStyle/>
+          <a:p>
+            <a:pPr algn="ctr"/>
+            <a:r>
+              <a:rPr lang="en-US" altLang="ko-KR" dirty="0"/>
+              <a:t>3</a:t>
+            </a:r>
+            <a:endParaRPr lang="ko-KR" altLang="en-US" dirty="0"/>
+          </a:p>
+        </p:txBody>
+      </p:sp>
+      <p:sp>
+        <p:nvSpPr>
+          <p:cNvPr id="12" name="직사각형 11"/>
+          <p:cNvSpPr/>
+          <p:nvPr/>
+        </p:nvSpPr>
+        <p:spPr>
+          <a:xfrm>
+            <a:off x="3026691" y="2276872"/>
+            <a:ext cx="504056" cy="432048"/>
+          </a:xfrm>
+          <a:prstGeom prst="rect">
+            <a:avLst/>
+          </a:prstGeom>
+          <a:solidFill>
+            <a:schemeClr val="accent2">
+              <a:lumMod val="60000"/>
+              <a:lumOff val="40000"/>
+            </a:schemeClr>
+          </a:solidFill>
+          <a:ln>
+            <a:solidFill>
+              <a:schemeClr val="accent5">
+                <a:lumMod val="75000"/>
+              </a:schemeClr>
+            </a:solidFill>
+          </a:ln>
+        </p:spPr>
+        <p:style>
+          <a:lnRef idx="2">
+            <a:schemeClr val="accent1">
+              <a:shade val="50000"/>
+            </a:schemeClr>
+          </a:lnRef>
+          <a:fillRef idx="1">
+            <a:schemeClr val="accent1"/>
+          </a:fillRef>
+          <a:effectRef idx="0">
+            <a:schemeClr val="accent1"/>
+          </a:effectRef>
+          <a:fontRef idx="minor">
+            <a:schemeClr val="lt1"/>
+          </a:fontRef>
+        </p:style>
+        <p:txBody>
+          <a:bodyPr rtlCol="0" anchor="ctr"/>
+          <a:lstStyle/>
+          <a:p>
+            <a:pPr algn="ctr"/>
+            <a:r>
+              <a:rPr lang="en-US" altLang="ko-KR" dirty="0"/>
+              <a:t>4</a:t>
+            </a:r>
+            <a:endParaRPr lang="ko-KR" altLang="en-US" dirty="0"/>
+          </a:p>
+        </p:txBody>
+      </p:sp>
+      <p:sp>
+        <p:nvSpPr>
+          <p:cNvPr id="13" name="직사각형 12"/>
+          <p:cNvSpPr/>
+          <p:nvPr/>
+        </p:nvSpPr>
+        <p:spPr>
+          <a:xfrm>
+            <a:off x="3591397" y="2276872"/>
+            <a:ext cx="504056" cy="432048"/>
+          </a:xfrm>
+          <a:prstGeom prst="rect">
+            <a:avLst/>
+          </a:prstGeom>
+          <a:solidFill>
+            <a:schemeClr val="accent2">
+              <a:lumMod val="60000"/>
+              <a:lumOff val="40000"/>
+            </a:schemeClr>
+          </a:solidFill>
+          <a:ln>
+            <a:solidFill>
+              <a:schemeClr val="accent5">
+                <a:lumMod val="75000"/>
+              </a:schemeClr>
+            </a:solidFill>
+          </a:ln>
+        </p:spPr>
+        <p:style>
+          <a:lnRef idx="2">
+            <a:schemeClr val="accent1">
+              <a:shade val="50000"/>
+            </a:schemeClr>
+          </a:lnRef>
+          <a:fillRef idx="1">
+            <a:schemeClr val="accent1"/>
+          </a:fillRef>
+          <a:effectRef idx="0">
+            <a:schemeClr val="accent1"/>
+          </a:effectRef>
+          <a:fontRef idx="minor">
+            <a:schemeClr val="lt1"/>
+          </a:fontRef>
+        </p:style>
+        <p:txBody>
+          <a:bodyPr rtlCol="0" anchor="ctr"/>
+          <a:lstStyle/>
+          <a:p>
+            <a:pPr algn="ctr"/>
+            <a:r>
+              <a:rPr lang="en-US" altLang="ko-KR" dirty="0"/>
+              <a:t>5</a:t>
+            </a:r>
+            <a:endParaRPr lang="ko-KR" altLang="en-US" dirty="0"/>
+          </a:p>
+        </p:txBody>
+      </p:sp>
+      <p:sp>
+        <p:nvSpPr>
+          <p:cNvPr id="14" name="직사각형 13"/>
+          <p:cNvSpPr/>
+          <p:nvPr/>
+        </p:nvSpPr>
+        <p:spPr>
+          <a:xfrm>
+            <a:off x="4178819" y="2276872"/>
+            <a:ext cx="504056" cy="432048"/>
+          </a:xfrm>
+          <a:prstGeom prst="rect">
+            <a:avLst/>
+          </a:prstGeom>
+          <a:solidFill>
+            <a:schemeClr val="accent2">
+              <a:lumMod val="60000"/>
+              <a:lumOff val="40000"/>
+            </a:schemeClr>
+          </a:solidFill>
+          <a:ln>
+            <a:solidFill>
+              <a:schemeClr val="accent5">
+                <a:lumMod val="75000"/>
+              </a:schemeClr>
+            </a:solidFill>
+          </a:ln>
+        </p:spPr>
+        <p:style>
+          <a:lnRef idx="2">
+            <a:schemeClr val="accent1">
+              <a:shade val="50000"/>
+            </a:schemeClr>
+          </a:lnRef>
+          <a:fillRef idx="1">
+            <a:schemeClr val="accent1"/>
+          </a:fillRef>
+          <a:effectRef idx="0">
+            <a:schemeClr val="accent1"/>
+          </a:effectRef>
+          <a:fontRef idx="minor">
+            <a:schemeClr val="lt1"/>
+          </a:fontRef>
+        </p:style>
+        <p:txBody>
+          <a:bodyPr rtlCol="0" anchor="ctr"/>
+          <a:lstStyle/>
+          <a:p>
+            <a:pPr algn="ctr"/>
+            <a:r>
+              <a:rPr lang="en-US" altLang="ko-KR" dirty="0"/>
+              <a:t>6</a:t>
+            </a:r>
+            <a:endParaRPr lang="ko-KR" altLang="en-US" dirty="0"/>
+          </a:p>
+        </p:txBody>
+      </p:sp>
+      <p:sp>
+        <p:nvSpPr>
+          <p:cNvPr id="15" name="직사각형 14"/>
+          <p:cNvSpPr/>
+          <p:nvPr/>
+        </p:nvSpPr>
+        <p:spPr>
+          <a:xfrm>
+            <a:off x="4751752" y="2276872"/>
+            <a:ext cx="504056" cy="432048"/>
+          </a:xfrm>
+          <a:prstGeom prst="rect">
+            <a:avLst/>
+          </a:prstGeom>
+          <a:solidFill>
+            <a:schemeClr val="accent2">
+              <a:lumMod val="60000"/>
+              <a:lumOff val="40000"/>
+            </a:schemeClr>
+          </a:solidFill>
+          <a:ln>
+            <a:solidFill>
+              <a:schemeClr val="accent5">
+                <a:lumMod val="75000"/>
+              </a:schemeClr>
+            </a:solidFill>
+          </a:ln>
+        </p:spPr>
+        <p:style>
+          <a:lnRef idx="2">
+            <a:schemeClr val="accent1">
+              <a:shade val="50000"/>
+            </a:schemeClr>
+          </a:lnRef>
+          <a:fillRef idx="1">
+            <a:schemeClr val="accent1"/>
+          </a:fillRef>
+          <a:effectRef idx="0">
+            <a:schemeClr val="accent1"/>
+          </a:effectRef>
+          <a:fontRef idx="minor">
+            <a:schemeClr val="lt1"/>
+          </a:fontRef>
+        </p:style>
+        <p:txBody>
+          <a:bodyPr rtlCol="0" anchor="ctr"/>
+          <a:lstStyle/>
+          <a:p>
+            <a:pPr algn="ctr"/>
+            <a:r>
+              <a:rPr lang="en-US" altLang="ko-KR" dirty="0"/>
+              <a:t>7</a:t>
+            </a:r>
+            <a:endParaRPr lang="ko-KR" altLang="en-US" dirty="0"/>
+          </a:p>
+        </p:txBody>
+      </p:sp>
+      <p:sp>
+        <p:nvSpPr>
+          <p:cNvPr id="16" name="직사각형 15"/>
+          <p:cNvSpPr/>
+          <p:nvPr/>
+        </p:nvSpPr>
+        <p:spPr>
+          <a:xfrm>
+            <a:off x="5316674" y="2276872"/>
+            <a:ext cx="504056" cy="432048"/>
+          </a:xfrm>
+          <a:prstGeom prst="rect">
+            <a:avLst/>
+          </a:prstGeom>
+          <a:solidFill>
+            <a:schemeClr val="accent2">
+              <a:lumMod val="60000"/>
+              <a:lumOff val="40000"/>
+            </a:schemeClr>
+          </a:solidFill>
+          <a:ln>
+            <a:solidFill>
+              <a:schemeClr val="accent5">
+                <a:lumMod val="75000"/>
+              </a:schemeClr>
+            </a:solidFill>
+          </a:ln>
+        </p:spPr>
+        <p:style>
+          <a:lnRef idx="2">
+            <a:schemeClr val="accent1">
+              <a:shade val="50000"/>
+            </a:schemeClr>
+          </a:lnRef>
+          <a:fillRef idx="1">
+            <a:schemeClr val="accent1"/>
+          </a:fillRef>
+          <a:effectRef idx="0">
+            <a:schemeClr val="accent1"/>
+          </a:effectRef>
+          <a:fontRef idx="minor">
+            <a:schemeClr val="lt1"/>
+          </a:fontRef>
+        </p:style>
+        <p:txBody>
+          <a:bodyPr rtlCol="0" anchor="ctr"/>
+          <a:lstStyle/>
+          <a:p>
+            <a:pPr algn="ctr"/>
+            <a:r>
+              <a:rPr lang="en-US" altLang="ko-KR" dirty="0"/>
+              <a:t>8</a:t>
+            </a:r>
+            <a:endParaRPr lang="ko-KR" altLang="en-US" dirty="0"/>
+          </a:p>
+        </p:txBody>
+      </p:sp>
+      <p:sp>
+        <p:nvSpPr>
+          <p:cNvPr id="17" name="직사각형 16"/>
+          <p:cNvSpPr/>
+          <p:nvPr/>
+        </p:nvSpPr>
+        <p:spPr>
+          <a:xfrm>
+            <a:off x="5895040" y="2276872"/>
+            <a:ext cx="504056" cy="432048"/>
+          </a:xfrm>
+          <a:prstGeom prst="rect">
+            <a:avLst/>
+          </a:prstGeom>
+          <a:solidFill>
+            <a:schemeClr val="accent2">
+              <a:lumMod val="60000"/>
+              <a:lumOff val="40000"/>
+            </a:schemeClr>
+          </a:solidFill>
+          <a:ln>
+            <a:solidFill>
+              <a:schemeClr val="accent5">
+                <a:lumMod val="75000"/>
+              </a:schemeClr>
+            </a:solidFill>
+          </a:ln>
+        </p:spPr>
+        <p:style>
+          <a:lnRef idx="2">
+            <a:schemeClr val="accent1">
+              <a:shade val="50000"/>
+            </a:schemeClr>
+          </a:lnRef>
+          <a:fillRef idx="1">
+            <a:schemeClr val="accent1"/>
+          </a:fillRef>
+          <a:effectRef idx="0">
+            <a:schemeClr val="accent1"/>
+          </a:effectRef>
+          <a:fontRef idx="minor">
+            <a:schemeClr val="lt1"/>
+          </a:fontRef>
+        </p:style>
+        <p:txBody>
+          <a:bodyPr rtlCol="0" anchor="ctr"/>
+          <a:lstStyle/>
+          <a:p>
+            <a:pPr algn="ctr"/>
+            <a:r>
+              <a:rPr lang="en-US" altLang="ko-KR" dirty="0"/>
+              <a:t>9</a:t>
+            </a:r>
+            <a:endParaRPr lang="ko-KR" altLang="en-US" dirty="0"/>
+          </a:p>
+        </p:txBody>
+      </p:sp>
+      <p:sp>
+        <p:nvSpPr>
+          <p:cNvPr id="18" name="직사각형 17"/>
+          <p:cNvSpPr/>
+          <p:nvPr/>
+        </p:nvSpPr>
+        <p:spPr>
+          <a:xfrm>
+            <a:off x="6459746" y="2276872"/>
+            <a:ext cx="504056" cy="432048"/>
+          </a:xfrm>
+          <a:prstGeom prst="rect">
+            <a:avLst/>
+          </a:prstGeom>
+          <a:solidFill>
+            <a:schemeClr val="accent2">
+              <a:lumMod val="60000"/>
+              <a:lumOff val="40000"/>
+            </a:schemeClr>
+          </a:solidFill>
+          <a:ln>
+            <a:solidFill>
+              <a:schemeClr val="accent5">
+                <a:lumMod val="75000"/>
+              </a:schemeClr>
+            </a:solidFill>
+          </a:ln>
+        </p:spPr>
+        <p:style>
+          <a:lnRef idx="2">
+            <a:schemeClr val="accent1">
+              <a:shade val="50000"/>
+            </a:schemeClr>
+          </a:lnRef>
+          <a:fillRef idx="1">
+            <a:schemeClr val="accent1"/>
+          </a:fillRef>
+          <a:effectRef idx="0">
+            <a:schemeClr val="accent1"/>
+          </a:effectRef>
+          <a:fontRef idx="minor">
+            <a:schemeClr val="lt1"/>
+          </a:fontRef>
+        </p:style>
+        <p:txBody>
+          <a:bodyPr rtlCol="0" anchor="ctr"/>
+          <a:lstStyle/>
+          <a:p>
+            <a:pPr algn="ctr"/>
+            <a:r>
+              <a:rPr lang="en-US" altLang="ko-KR" dirty="0" smtClean="0"/>
+              <a:t>10</a:t>
+            </a:r>
+            <a:endParaRPr lang="ko-KR" altLang="en-US" dirty="0"/>
+          </a:p>
+        </p:txBody>
+      </p:sp>
+      <p:grpSp>
+        <p:nvGrpSpPr>
+          <p:cNvPr id="21" name="그룹 20"/>
+          <p:cNvGrpSpPr/>
+          <p:nvPr/>
+        </p:nvGrpSpPr>
+        <p:grpSpPr>
+          <a:xfrm>
+            <a:off x="1212081" y="1496755"/>
+            <a:ext cx="834011" cy="780117"/>
+            <a:chOff x="3032395" y="1838133"/>
+            <a:chExt cx="834011" cy="780117"/>
+          </a:xfrm>
+        </p:grpSpPr>
+        <p:sp>
+          <p:nvSpPr>
+            <p:cNvPr id="22" name="아래쪽 화살표 21"/>
+            <p:cNvSpPr/>
+            <p:nvPr/>
+          </p:nvSpPr>
+          <p:spPr>
+            <a:xfrm>
+              <a:off x="3240408" y="2186202"/>
+              <a:ext cx="301370" cy="432048"/>
+            </a:xfrm>
+            <a:prstGeom prst="downArrow">
+              <a:avLst/>
+            </a:prstGeom>
+            <a:solidFill>
+              <a:srgbClr val="FF0000"/>
+            </a:solidFill>
+            <a:ln>
+              <a:noFill/>
+            </a:ln>
+          </p:spPr>
+          <p:style>
+            <a:lnRef idx="2">
+              <a:schemeClr val="accent1">
+                <a:shade val="50000"/>
+              </a:schemeClr>
+            </a:lnRef>
+            <a:fillRef idx="1">
+              <a:schemeClr val="accent1"/>
+            </a:fillRef>
+            <a:effectRef idx="0">
+              <a:schemeClr val="accent1"/>
+            </a:effectRef>
+            <a:fontRef idx="minor">
+              <a:schemeClr val="lt1"/>
+            </a:fontRef>
+          </p:style>
+          <p:txBody>
+            <a:bodyPr rtlCol="0" anchor="ctr"/>
+            <a:lstStyle/>
+            <a:p>
+              <a:pPr algn="ctr"/>
+              <a:endParaRPr lang="ko-KR" altLang="en-US"/>
+            </a:p>
+          </p:txBody>
+        </p:sp>
+        <p:sp>
+          <p:nvSpPr>
+            <p:cNvPr id="23" name="TextBox 22"/>
+            <p:cNvSpPr txBox="1"/>
+            <p:nvPr/>
+          </p:nvSpPr>
+          <p:spPr>
+            <a:xfrm>
+              <a:off x="3032395" y="1838133"/>
+              <a:ext cx="834011" cy="369332"/>
+            </a:xfrm>
+            <a:prstGeom prst="rect">
+              <a:avLst/>
+            </a:prstGeom>
+            <a:noFill/>
+          </p:spPr>
+          <p:txBody>
+            <a:bodyPr wrap="none" rtlCol="0">
+              <a:spAutoFit/>
+            </a:bodyPr>
+            <a:lstStyle/>
+            <a:p>
+              <a:r>
+                <a:rPr lang="en-US" altLang="ko-KR" dirty="0" smtClean="0">
+                  <a:solidFill>
+                    <a:srgbClr val="FF0000"/>
+                  </a:solidFill>
+                </a:rPr>
+                <a:t>pivot1</a:t>
+              </a:r>
+              <a:endParaRPr lang="ko-KR" altLang="en-US" dirty="0">
+                <a:solidFill>
+                  <a:srgbClr val="FF0000"/>
+                </a:solidFill>
+              </a:endParaRPr>
+            </a:p>
+          </p:txBody>
+        </p:sp>
+      </p:grpSp>
+      <p:sp>
+        <p:nvSpPr>
+          <p:cNvPr id="31" name="TextBox 30"/>
+          <p:cNvSpPr txBox="1"/>
+          <p:nvPr/>
+        </p:nvSpPr>
+        <p:spPr>
+          <a:xfrm>
+            <a:off x="1243990" y="2819791"/>
+            <a:ext cx="653577" cy="369332"/>
+          </a:xfrm>
+          <a:prstGeom prst="rect">
+            <a:avLst/>
+          </a:prstGeom>
+          <a:noFill/>
+        </p:spPr>
+        <p:txBody>
+          <a:bodyPr wrap="none" rtlCol="0">
+            <a:spAutoFit/>
+          </a:bodyPr>
+          <a:lstStyle/>
+          <a:p>
+            <a:r>
+              <a:rPr lang="en-US" altLang="ko-KR" dirty="0" smtClean="0">
+                <a:solidFill>
+                  <a:srgbClr val="FF0000"/>
+                </a:solidFill>
+              </a:rPr>
+              <a:t>start</a:t>
+            </a:r>
+            <a:endParaRPr lang="ko-KR" altLang="en-US" dirty="0">
+              <a:solidFill>
+                <a:srgbClr val="FF0000"/>
+              </a:solidFill>
+            </a:endParaRPr>
+          </a:p>
+        </p:txBody>
+      </p:sp>
+      <p:sp>
+        <p:nvSpPr>
+          <p:cNvPr id="32" name="TextBox 31"/>
+          <p:cNvSpPr txBox="1"/>
+          <p:nvPr/>
+        </p:nvSpPr>
+        <p:spPr>
+          <a:xfrm>
+            <a:off x="6399096" y="2819791"/>
+            <a:ext cx="580608" cy="369332"/>
+          </a:xfrm>
+          <a:prstGeom prst="rect">
+            <a:avLst/>
+          </a:prstGeom>
+          <a:noFill/>
+        </p:spPr>
+        <p:txBody>
+          <a:bodyPr wrap="none" rtlCol="0">
+            <a:spAutoFit/>
+          </a:bodyPr>
+          <a:lstStyle/>
+          <a:p>
+            <a:r>
+              <a:rPr lang="en-US" altLang="ko-KR" dirty="0" smtClean="0">
+                <a:solidFill>
+                  <a:srgbClr val="FF0000"/>
+                </a:solidFill>
+              </a:rPr>
+              <a:t>end</a:t>
+            </a:r>
+            <a:endParaRPr lang="ko-KR" altLang="en-US" dirty="0">
+              <a:solidFill>
+                <a:srgbClr val="FF0000"/>
+              </a:solidFill>
+            </a:endParaRPr>
+          </a:p>
+        </p:txBody>
+      </p:sp>
+      <p:grpSp>
+        <p:nvGrpSpPr>
+          <p:cNvPr id="30" name="그룹 29"/>
+          <p:cNvGrpSpPr/>
+          <p:nvPr/>
+        </p:nvGrpSpPr>
+        <p:grpSpPr>
+          <a:xfrm>
+            <a:off x="3529606" y="1454765"/>
+            <a:ext cx="834011" cy="780117"/>
+            <a:chOff x="3032395" y="1838133"/>
+            <a:chExt cx="834011" cy="780117"/>
+          </a:xfrm>
+        </p:grpSpPr>
+        <p:sp>
+          <p:nvSpPr>
+            <p:cNvPr id="33" name="아래쪽 화살표 32"/>
+            <p:cNvSpPr/>
+            <p:nvPr/>
+          </p:nvSpPr>
+          <p:spPr>
+            <a:xfrm>
+              <a:off x="3240408" y="2186202"/>
+              <a:ext cx="301370" cy="432048"/>
+            </a:xfrm>
+            <a:prstGeom prst="downArrow">
+              <a:avLst/>
+            </a:prstGeom>
+            <a:solidFill>
+              <a:srgbClr val="FF0000"/>
+            </a:solidFill>
+            <a:ln>
+              <a:noFill/>
+            </a:ln>
+          </p:spPr>
+          <p:style>
+            <a:lnRef idx="2">
+              <a:schemeClr val="accent1">
+                <a:shade val="50000"/>
+              </a:schemeClr>
+            </a:lnRef>
+            <a:fillRef idx="1">
+              <a:schemeClr val="accent1"/>
+            </a:fillRef>
+            <a:effectRef idx="0">
+              <a:schemeClr val="accent1"/>
+            </a:effectRef>
+            <a:fontRef idx="minor">
+              <a:schemeClr val="lt1"/>
+            </a:fontRef>
+          </p:style>
+          <p:txBody>
+            <a:bodyPr rtlCol="0" anchor="ctr"/>
+            <a:lstStyle/>
+            <a:p>
+              <a:pPr algn="ctr"/>
+              <a:endParaRPr lang="ko-KR" altLang="en-US"/>
+            </a:p>
+          </p:txBody>
+        </p:sp>
+        <p:sp>
+          <p:nvSpPr>
+            <p:cNvPr id="34" name="TextBox 33"/>
+            <p:cNvSpPr txBox="1"/>
+            <p:nvPr/>
+          </p:nvSpPr>
+          <p:spPr>
+            <a:xfrm>
+              <a:off x="3032395" y="1838133"/>
+              <a:ext cx="834011" cy="369332"/>
+            </a:xfrm>
+            <a:prstGeom prst="rect">
+              <a:avLst/>
+            </a:prstGeom>
+            <a:noFill/>
+          </p:spPr>
+          <p:txBody>
+            <a:bodyPr wrap="none" rtlCol="0">
+              <a:spAutoFit/>
+            </a:bodyPr>
+            <a:lstStyle/>
+            <a:p>
+              <a:r>
+                <a:rPr lang="en-US" altLang="ko-KR" dirty="0" smtClean="0">
+                  <a:solidFill>
+                    <a:srgbClr val="FF0000"/>
+                  </a:solidFill>
+                </a:rPr>
+                <a:t>pivot2</a:t>
+              </a:r>
+              <a:endParaRPr lang="ko-KR" altLang="en-US" dirty="0">
+                <a:solidFill>
+                  <a:srgbClr val="FF0000"/>
+                </a:solidFill>
+              </a:endParaRPr>
+            </a:p>
+          </p:txBody>
+        </p:sp>
+      </p:grpSp>
+      <p:grpSp>
+        <p:nvGrpSpPr>
+          <p:cNvPr id="35" name="그룹 34"/>
+          <p:cNvGrpSpPr/>
+          <p:nvPr/>
+        </p:nvGrpSpPr>
+        <p:grpSpPr>
+          <a:xfrm>
+            <a:off x="6272331" y="1454765"/>
+            <a:ext cx="834011" cy="780117"/>
+            <a:chOff x="3032395" y="1838133"/>
+            <a:chExt cx="834011" cy="780117"/>
+          </a:xfrm>
+        </p:grpSpPr>
+        <p:sp>
+          <p:nvSpPr>
+            <p:cNvPr id="36" name="아래쪽 화살표 35"/>
+            <p:cNvSpPr/>
+            <p:nvPr/>
+          </p:nvSpPr>
+          <p:spPr>
+            <a:xfrm>
+              <a:off x="3240408" y="2186202"/>
+              <a:ext cx="301370" cy="432048"/>
+            </a:xfrm>
+            <a:prstGeom prst="downArrow">
+              <a:avLst/>
+            </a:prstGeom>
+            <a:solidFill>
+              <a:srgbClr val="FF0000"/>
+            </a:solidFill>
+            <a:ln>
+              <a:noFill/>
+            </a:ln>
+          </p:spPr>
+          <p:style>
+            <a:lnRef idx="2">
+              <a:schemeClr val="accent1">
+                <a:shade val="50000"/>
+              </a:schemeClr>
+            </a:lnRef>
+            <a:fillRef idx="1">
+              <a:schemeClr val="accent1"/>
+            </a:fillRef>
+            <a:effectRef idx="0">
+              <a:schemeClr val="accent1"/>
+            </a:effectRef>
+            <a:fontRef idx="minor">
+              <a:schemeClr val="lt1"/>
+            </a:fontRef>
+          </p:style>
+          <p:txBody>
+            <a:bodyPr rtlCol="0" anchor="ctr"/>
+            <a:lstStyle/>
+            <a:p>
+              <a:pPr algn="ctr"/>
+              <a:endParaRPr lang="ko-KR" altLang="en-US"/>
+            </a:p>
+          </p:txBody>
+        </p:sp>
+        <p:sp>
+          <p:nvSpPr>
+            <p:cNvPr id="37" name="TextBox 36"/>
+            <p:cNvSpPr txBox="1"/>
+            <p:nvPr/>
+          </p:nvSpPr>
+          <p:spPr>
+            <a:xfrm>
+              <a:off x="3032395" y="1838133"/>
+              <a:ext cx="834011" cy="369332"/>
+            </a:xfrm>
+            <a:prstGeom prst="rect">
+              <a:avLst/>
+            </a:prstGeom>
+            <a:noFill/>
+          </p:spPr>
+          <p:txBody>
+            <a:bodyPr wrap="none" rtlCol="0">
+              <a:spAutoFit/>
+            </a:bodyPr>
+            <a:lstStyle/>
+            <a:p>
+              <a:r>
+                <a:rPr lang="en-US" altLang="ko-KR" dirty="0" smtClean="0">
+                  <a:solidFill>
+                    <a:srgbClr val="FF0000"/>
+                  </a:solidFill>
+                </a:rPr>
+                <a:t>pivot3</a:t>
+              </a:r>
+              <a:endParaRPr lang="ko-KR" altLang="en-US" dirty="0">
+                <a:solidFill>
+                  <a:srgbClr val="FF0000"/>
+                </a:solidFill>
+              </a:endParaRPr>
+            </a:p>
+          </p:txBody>
+        </p:sp>
+      </p:grpSp>
+      <p:sp>
+        <p:nvSpPr>
+          <p:cNvPr id="3" name="직사각형 2"/>
+          <p:cNvSpPr/>
+          <p:nvPr/>
+        </p:nvSpPr>
+        <p:spPr>
+          <a:xfrm>
+            <a:off x="3278719" y="1276264"/>
+            <a:ext cx="1152128" cy="1792696"/>
+          </a:xfrm>
+          <a:prstGeom prst="rect">
+            <a:avLst/>
+          </a:prstGeom>
+          <a:noFill/>
+          <a:ln>
+            <a:solidFill>
+              <a:srgbClr val="FF0000"/>
+            </a:solidFill>
+          </a:ln>
+        </p:spPr>
+        <p:style>
+          <a:lnRef idx="2">
+            <a:schemeClr val="accent1">
+              <a:shade val="50000"/>
+            </a:schemeClr>
+          </a:lnRef>
+          <a:fillRef idx="1">
+            <a:schemeClr val="accent1"/>
+          </a:fillRef>
+          <a:effectRef idx="0">
+            <a:schemeClr val="accent1"/>
+          </a:effectRef>
+          <a:fontRef idx="minor">
+            <a:schemeClr val="lt1"/>
+          </a:fontRef>
+        </p:style>
+        <p:txBody>
+          <a:bodyPr rtlCol="0" anchor="ctr"/>
+          <a:lstStyle/>
+          <a:p>
+            <a:pPr algn="ctr"/>
+            <a:endParaRPr lang="ko-KR" altLang="en-US"/>
+          </a:p>
+        </p:txBody>
+      </p:sp>
+      <p:sp>
+        <p:nvSpPr>
+          <p:cNvPr id="8" name="TextBox 7"/>
+          <p:cNvSpPr txBox="1"/>
+          <p:nvPr/>
+        </p:nvSpPr>
+        <p:spPr>
+          <a:xfrm>
+            <a:off x="1304701" y="3739143"/>
+            <a:ext cx="6083845" cy="369332"/>
+          </a:xfrm>
+          <a:prstGeom prst="rect">
+            <a:avLst/>
+          </a:prstGeom>
+          <a:noFill/>
+        </p:spPr>
+        <p:txBody>
+          <a:bodyPr wrap="none" rtlCol="0">
+            <a:spAutoFit/>
+          </a:bodyPr>
+          <a:lstStyle/>
+          <a:p>
+            <a:r>
+              <a:rPr lang="ko-KR" altLang="en-US" dirty="0" smtClean="0">
+                <a:solidFill>
+                  <a:srgbClr val="FF0000"/>
+                </a:solidFill>
+              </a:rPr>
+              <a:t>그럼 중간 값 </a:t>
+            </a:r>
+            <a:r>
+              <a:rPr lang="en-US" altLang="ko-KR" dirty="0" smtClean="0">
+                <a:solidFill>
+                  <a:srgbClr val="FF0000"/>
+                </a:solidFill>
+              </a:rPr>
+              <a:t>pivot</a:t>
+            </a:r>
+            <a:r>
+              <a:rPr lang="ko-KR" altLang="en-US" dirty="0" smtClean="0">
+                <a:solidFill>
+                  <a:srgbClr val="FF0000"/>
+                </a:solidFill>
+              </a:rPr>
+              <a:t>을</a:t>
+            </a:r>
+            <a:r>
+              <a:rPr lang="en-US" altLang="ko-KR" dirty="0" smtClean="0">
+                <a:solidFill>
+                  <a:srgbClr val="FF0000"/>
+                </a:solidFill>
+              </a:rPr>
+              <a:t> </a:t>
+            </a:r>
+            <a:r>
+              <a:rPr lang="ko-KR" altLang="en-US" dirty="0" smtClean="0">
+                <a:solidFill>
+                  <a:srgbClr val="FF0000"/>
+                </a:solidFill>
+              </a:rPr>
+              <a:t>구했으니 코드를 다시 짜야 하나요</a:t>
+            </a:r>
+            <a:r>
+              <a:rPr lang="en-US" altLang="ko-KR" dirty="0" smtClean="0">
+                <a:solidFill>
+                  <a:srgbClr val="FF0000"/>
+                </a:solidFill>
+              </a:rPr>
+              <a:t>?</a:t>
+            </a:r>
+            <a:endParaRPr lang="ko-KR" altLang="en-US" dirty="0">
+              <a:solidFill>
+                <a:srgbClr val="FF0000"/>
+              </a:solidFill>
+            </a:endParaRPr>
+          </a:p>
+        </p:txBody>
+      </p:sp>
+    </p:spTree>
+    <p:extLst>
+      <p:ext uri="{BB962C8B-B14F-4D97-AF65-F5344CB8AC3E}">
+        <p14:creationId xmlns:p14="http://schemas.microsoft.com/office/powerpoint/2010/main" val="2647227960"/>
+      </p:ext>
+    </p:extLst>
+  </p:cSld>
+  <p:clrMapOvr>
+    <a:masterClrMapping/>
+  </p:clrMapOvr>
+</p:sld>
+</file>
+
+<file path=ppt/slides/slide57.xml><?xml version="1.0" encoding="utf-8"?>
+<p:sld xmlns:a="http://schemas.openxmlformats.org/drawingml/2006/main" xmlns:r="http://schemas.openxmlformats.org/officeDocument/2006/relationships" xmlns:p="http://schemas.openxmlformats.org/presentationml/2006/main">
+  <p:cSld>
+    <p:spTree>
+      <p:nvGrpSpPr>
+        <p:cNvPr id="1" name=""/>
+        <p:cNvGrpSpPr/>
+        <p:nvPr/>
+      </p:nvGrpSpPr>
+      <p:grpSpPr>
+        <a:xfrm>
+          <a:off x="0" y="0"/>
+          <a:ext cx="0" cy="0"/>
+          <a:chOff x="0" y="0"/>
+          <a:chExt cx="0" cy="0"/>
+        </a:xfrm>
+      </p:grpSpPr>
+      <p:sp>
+        <p:nvSpPr>
+          <p:cNvPr id="7" name="TextBox 6"/>
+          <p:cNvSpPr txBox="1"/>
+          <p:nvPr/>
+        </p:nvSpPr>
+        <p:spPr>
+          <a:xfrm>
+            <a:off x="395536" y="404664"/>
+            <a:ext cx="1689886" cy="646331"/>
+          </a:xfrm>
+          <a:prstGeom prst="rect">
+            <a:avLst/>
+          </a:prstGeom>
+          <a:noFill/>
+        </p:spPr>
+        <p:txBody>
+          <a:bodyPr wrap="none" rtlCol="0">
+            <a:spAutoFit/>
+          </a:bodyPr>
+          <a:lstStyle/>
+          <a:p>
+            <a:r>
+              <a:rPr lang="ko-KR" altLang="en-US" dirty="0" smtClean="0"/>
+              <a:t>정렬 알고리즘</a:t>
+            </a:r>
+            <a:endParaRPr lang="en-US" altLang="ko-KR" dirty="0" smtClean="0"/>
+          </a:p>
+          <a:p>
+            <a:r>
+              <a:rPr lang="en-US" altLang="ko-KR" dirty="0" smtClean="0"/>
+              <a:t>  : </a:t>
+            </a:r>
+            <a:r>
+              <a:rPr lang="en-US" altLang="ko-KR" dirty="0" smtClean="0"/>
+              <a:t>Quicksort</a:t>
+            </a:r>
+            <a:endParaRPr lang="ko-KR" altLang="en-US" dirty="0"/>
+          </a:p>
+        </p:txBody>
+      </p:sp>
+      <p:sp>
+        <p:nvSpPr>
+          <p:cNvPr id="9" name="직사각형 8"/>
+          <p:cNvSpPr/>
+          <p:nvPr/>
+        </p:nvSpPr>
+        <p:spPr>
+          <a:xfrm>
+            <a:off x="1310470" y="2276872"/>
+            <a:ext cx="504056" cy="432048"/>
+          </a:xfrm>
+          <a:prstGeom prst="rect">
+            <a:avLst/>
+          </a:prstGeom>
+          <a:solidFill>
+            <a:schemeClr val="accent2">
+              <a:lumMod val="60000"/>
+              <a:lumOff val="40000"/>
+            </a:schemeClr>
+          </a:solidFill>
+          <a:ln>
+            <a:solidFill>
+              <a:schemeClr val="accent5">
+                <a:lumMod val="75000"/>
+              </a:schemeClr>
+            </a:solidFill>
+          </a:ln>
+        </p:spPr>
+        <p:style>
+          <a:lnRef idx="2">
+            <a:schemeClr val="accent1">
+              <a:shade val="50000"/>
+            </a:schemeClr>
+          </a:lnRef>
+          <a:fillRef idx="1">
+            <a:schemeClr val="accent1"/>
+          </a:fillRef>
+          <a:effectRef idx="0">
+            <a:schemeClr val="accent1"/>
+          </a:effectRef>
+          <a:fontRef idx="minor">
+            <a:schemeClr val="lt1"/>
+          </a:fontRef>
+        </p:style>
+        <p:txBody>
+          <a:bodyPr rtlCol="0" anchor="ctr"/>
+          <a:lstStyle/>
+          <a:p>
+            <a:pPr algn="ctr"/>
+            <a:r>
+              <a:rPr lang="en-US" altLang="ko-KR" dirty="0"/>
+              <a:t>1</a:t>
+            </a:r>
+            <a:endParaRPr lang="ko-KR" altLang="en-US" dirty="0"/>
+          </a:p>
+        </p:txBody>
+      </p:sp>
+      <p:sp>
+        <p:nvSpPr>
+          <p:cNvPr id="10" name="직사각형 9"/>
+          <p:cNvSpPr/>
+          <p:nvPr/>
+        </p:nvSpPr>
+        <p:spPr>
+          <a:xfrm>
+            <a:off x="1883403" y="2276872"/>
+            <a:ext cx="504056" cy="432048"/>
+          </a:xfrm>
+          <a:prstGeom prst="rect">
+            <a:avLst/>
+          </a:prstGeom>
+          <a:solidFill>
+            <a:schemeClr val="accent2">
+              <a:lumMod val="60000"/>
+              <a:lumOff val="40000"/>
+            </a:schemeClr>
+          </a:solidFill>
+          <a:ln>
+            <a:solidFill>
+              <a:schemeClr val="accent5">
+                <a:lumMod val="75000"/>
+              </a:schemeClr>
+            </a:solidFill>
+          </a:ln>
+        </p:spPr>
+        <p:style>
+          <a:lnRef idx="2">
+            <a:schemeClr val="accent1">
+              <a:shade val="50000"/>
+            </a:schemeClr>
+          </a:lnRef>
+          <a:fillRef idx="1">
+            <a:schemeClr val="accent1"/>
+          </a:fillRef>
+          <a:effectRef idx="0">
+            <a:schemeClr val="accent1"/>
+          </a:effectRef>
+          <a:fontRef idx="minor">
+            <a:schemeClr val="lt1"/>
+          </a:fontRef>
+        </p:style>
+        <p:txBody>
+          <a:bodyPr rtlCol="0" anchor="ctr"/>
+          <a:lstStyle/>
+          <a:p>
+            <a:pPr algn="ctr"/>
+            <a:r>
+              <a:rPr lang="en-US" altLang="ko-KR" dirty="0"/>
+              <a:t>2</a:t>
+            </a:r>
+            <a:endParaRPr lang="ko-KR" altLang="en-US" dirty="0"/>
+          </a:p>
+        </p:txBody>
+      </p:sp>
+      <p:sp>
+        <p:nvSpPr>
+          <p:cNvPr id="11" name="직사각형 10"/>
+          <p:cNvSpPr/>
+          <p:nvPr/>
+        </p:nvSpPr>
+        <p:spPr>
+          <a:xfrm>
+            <a:off x="2448325" y="2276872"/>
+            <a:ext cx="504056" cy="432048"/>
+          </a:xfrm>
+          <a:prstGeom prst="rect">
+            <a:avLst/>
+          </a:prstGeom>
+          <a:solidFill>
+            <a:schemeClr val="accent2">
+              <a:lumMod val="60000"/>
+              <a:lumOff val="40000"/>
+            </a:schemeClr>
+          </a:solidFill>
+          <a:ln>
+            <a:solidFill>
+              <a:schemeClr val="accent5">
+                <a:lumMod val="75000"/>
+              </a:schemeClr>
+            </a:solidFill>
+          </a:ln>
+        </p:spPr>
+        <p:style>
+          <a:lnRef idx="2">
+            <a:schemeClr val="accent1">
+              <a:shade val="50000"/>
+            </a:schemeClr>
+          </a:lnRef>
+          <a:fillRef idx="1">
+            <a:schemeClr val="accent1"/>
+          </a:fillRef>
+          <a:effectRef idx="0">
+            <a:schemeClr val="accent1"/>
+          </a:effectRef>
+          <a:fontRef idx="minor">
+            <a:schemeClr val="lt1"/>
+          </a:fontRef>
+        </p:style>
+        <p:txBody>
+          <a:bodyPr rtlCol="0" anchor="ctr"/>
+          <a:lstStyle/>
+          <a:p>
+            <a:pPr algn="ctr"/>
+            <a:r>
+              <a:rPr lang="en-US" altLang="ko-KR" dirty="0"/>
+              <a:t>3</a:t>
+            </a:r>
+            <a:endParaRPr lang="ko-KR" altLang="en-US" dirty="0"/>
+          </a:p>
+        </p:txBody>
+      </p:sp>
+      <p:sp>
+        <p:nvSpPr>
+          <p:cNvPr id="12" name="직사각형 11"/>
+          <p:cNvSpPr/>
+          <p:nvPr/>
+        </p:nvSpPr>
+        <p:spPr>
+          <a:xfrm>
+            <a:off x="3026691" y="2276872"/>
+            <a:ext cx="504056" cy="432048"/>
+          </a:xfrm>
+          <a:prstGeom prst="rect">
+            <a:avLst/>
+          </a:prstGeom>
+          <a:solidFill>
+            <a:schemeClr val="accent2">
+              <a:lumMod val="60000"/>
+              <a:lumOff val="40000"/>
+            </a:schemeClr>
+          </a:solidFill>
+          <a:ln>
+            <a:solidFill>
+              <a:schemeClr val="accent5">
+                <a:lumMod val="75000"/>
+              </a:schemeClr>
+            </a:solidFill>
+          </a:ln>
+        </p:spPr>
+        <p:style>
+          <a:lnRef idx="2">
+            <a:schemeClr val="accent1">
+              <a:shade val="50000"/>
+            </a:schemeClr>
+          </a:lnRef>
+          <a:fillRef idx="1">
+            <a:schemeClr val="accent1"/>
+          </a:fillRef>
+          <a:effectRef idx="0">
+            <a:schemeClr val="accent1"/>
+          </a:effectRef>
+          <a:fontRef idx="minor">
+            <a:schemeClr val="lt1"/>
+          </a:fontRef>
+        </p:style>
+        <p:txBody>
+          <a:bodyPr rtlCol="0" anchor="ctr"/>
+          <a:lstStyle/>
+          <a:p>
+            <a:pPr algn="ctr"/>
+            <a:r>
+              <a:rPr lang="en-US" altLang="ko-KR" dirty="0"/>
+              <a:t>4</a:t>
+            </a:r>
+            <a:endParaRPr lang="ko-KR" altLang="en-US" dirty="0"/>
+          </a:p>
+        </p:txBody>
+      </p:sp>
+      <p:sp>
+        <p:nvSpPr>
+          <p:cNvPr id="13" name="직사각형 12"/>
+          <p:cNvSpPr/>
+          <p:nvPr/>
+        </p:nvSpPr>
+        <p:spPr>
+          <a:xfrm>
+            <a:off x="3591397" y="2276872"/>
+            <a:ext cx="504056" cy="432048"/>
+          </a:xfrm>
+          <a:prstGeom prst="rect">
+            <a:avLst/>
+          </a:prstGeom>
+          <a:solidFill>
+            <a:schemeClr val="accent2">
+              <a:lumMod val="60000"/>
+              <a:lumOff val="40000"/>
+            </a:schemeClr>
+          </a:solidFill>
+          <a:ln>
+            <a:solidFill>
+              <a:schemeClr val="accent5">
+                <a:lumMod val="75000"/>
+              </a:schemeClr>
+            </a:solidFill>
+          </a:ln>
+        </p:spPr>
+        <p:style>
+          <a:lnRef idx="2">
+            <a:schemeClr val="accent1">
+              <a:shade val="50000"/>
+            </a:schemeClr>
+          </a:lnRef>
+          <a:fillRef idx="1">
+            <a:schemeClr val="accent1"/>
+          </a:fillRef>
+          <a:effectRef idx="0">
+            <a:schemeClr val="accent1"/>
+          </a:effectRef>
+          <a:fontRef idx="minor">
+            <a:schemeClr val="lt1"/>
+          </a:fontRef>
+        </p:style>
+        <p:txBody>
+          <a:bodyPr rtlCol="0" anchor="ctr"/>
+          <a:lstStyle/>
+          <a:p>
+            <a:pPr algn="ctr"/>
+            <a:r>
+              <a:rPr lang="en-US" altLang="ko-KR" dirty="0"/>
+              <a:t>5</a:t>
+            </a:r>
+            <a:endParaRPr lang="ko-KR" altLang="en-US" dirty="0"/>
+          </a:p>
+        </p:txBody>
+      </p:sp>
+      <p:sp>
+        <p:nvSpPr>
+          <p:cNvPr id="14" name="직사각형 13"/>
+          <p:cNvSpPr/>
+          <p:nvPr/>
+        </p:nvSpPr>
+        <p:spPr>
+          <a:xfrm>
+            <a:off x="4178819" y="2276872"/>
+            <a:ext cx="504056" cy="432048"/>
+          </a:xfrm>
+          <a:prstGeom prst="rect">
+            <a:avLst/>
+          </a:prstGeom>
+          <a:solidFill>
+            <a:schemeClr val="accent2">
+              <a:lumMod val="60000"/>
+              <a:lumOff val="40000"/>
+            </a:schemeClr>
+          </a:solidFill>
+          <a:ln>
+            <a:solidFill>
+              <a:schemeClr val="accent5">
+                <a:lumMod val="75000"/>
+              </a:schemeClr>
+            </a:solidFill>
+          </a:ln>
+        </p:spPr>
+        <p:style>
+          <a:lnRef idx="2">
+            <a:schemeClr val="accent1">
+              <a:shade val="50000"/>
+            </a:schemeClr>
+          </a:lnRef>
+          <a:fillRef idx="1">
+            <a:schemeClr val="accent1"/>
+          </a:fillRef>
+          <a:effectRef idx="0">
+            <a:schemeClr val="accent1"/>
+          </a:effectRef>
+          <a:fontRef idx="minor">
+            <a:schemeClr val="lt1"/>
+          </a:fontRef>
+        </p:style>
+        <p:txBody>
+          <a:bodyPr rtlCol="0" anchor="ctr"/>
+          <a:lstStyle/>
+          <a:p>
+            <a:pPr algn="ctr"/>
+            <a:r>
+              <a:rPr lang="en-US" altLang="ko-KR" dirty="0"/>
+              <a:t>6</a:t>
+            </a:r>
+            <a:endParaRPr lang="ko-KR" altLang="en-US" dirty="0"/>
+          </a:p>
+        </p:txBody>
+      </p:sp>
+      <p:sp>
+        <p:nvSpPr>
+          <p:cNvPr id="15" name="직사각형 14"/>
+          <p:cNvSpPr/>
+          <p:nvPr/>
+        </p:nvSpPr>
+        <p:spPr>
+          <a:xfrm>
+            <a:off x="4751752" y="2276872"/>
+            <a:ext cx="504056" cy="432048"/>
+          </a:xfrm>
+          <a:prstGeom prst="rect">
+            <a:avLst/>
+          </a:prstGeom>
+          <a:solidFill>
+            <a:schemeClr val="accent2">
+              <a:lumMod val="60000"/>
+              <a:lumOff val="40000"/>
+            </a:schemeClr>
+          </a:solidFill>
+          <a:ln>
+            <a:solidFill>
+              <a:schemeClr val="accent5">
+                <a:lumMod val="75000"/>
+              </a:schemeClr>
+            </a:solidFill>
+          </a:ln>
+        </p:spPr>
+        <p:style>
+          <a:lnRef idx="2">
+            <a:schemeClr val="accent1">
+              <a:shade val="50000"/>
+            </a:schemeClr>
+          </a:lnRef>
+          <a:fillRef idx="1">
+            <a:schemeClr val="accent1"/>
+          </a:fillRef>
+          <a:effectRef idx="0">
+            <a:schemeClr val="accent1"/>
+          </a:effectRef>
+          <a:fontRef idx="minor">
+            <a:schemeClr val="lt1"/>
+          </a:fontRef>
+        </p:style>
+        <p:txBody>
+          <a:bodyPr rtlCol="0" anchor="ctr"/>
+          <a:lstStyle/>
+          <a:p>
+            <a:pPr algn="ctr"/>
+            <a:r>
+              <a:rPr lang="en-US" altLang="ko-KR" dirty="0"/>
+              <a:t>7</a:t>
+            </a:r>
+            <a:endParaRPr lang="ko-KR" altLang="en-US" dirty="0"/>
+          </a:p>
+        </p:txBody>
+      </p:sp>
+      <p:sp>
+        <p:nvSpPr>
+          <p:cNvPr id="16" name="직사각형 15"/>
+          <p:cNvSpPr/>
+          <p:nvPr/>
+        </p:nvSpPr>
+        <p:spPr>
+          <a:xfrm>
+            <a:off x="5316674" y="2276872"/>
+            <a:ext cx="504056" cy="432048"/>
+          </a:xfrm>
+          <a:prstGeom prst="rect">
+            <a:avLst/>
+          </a:prstGeom>
+          <a:solidFill>
+            <a:schemeClr val="accent2">
+              <a:lumMod val="60000"/>
+              <a:lumOff val="40000"/>
+            </a:schemeClr>
+          </a:solidFill>
+          <a:ln>
+            <a:solidFill>
+              <a:schemeClr val="accent5">
+                <a:lumMod val="75000"/>
+              </a:schemeClr>
+            </a:solidFill>
+          </a:ln>
+        </p:spPr>
+        <p:style>
+          <a:lnRef idx="2">
+            <a:schemeClr val="accent1">
+              <a:shade val="50000"/>
+            </a:schemeClr>
+          </a:lnRef>
+          <a:fillRef idx="1">
+            <a:schemeClr val="accent1"/>
+          </a:fillRef>
+          <a:effectRef idx="0">
+            <a:schemeClr val="accent1"/>
+          </a:effectRef>
+          <a:fontRef idx="minor">
+            <a:schemeClr val="lt1"/>
+          </a:fontRef>
+        </p:style>
+        <p:txBody>
+          <a:bodyPr rtlCol="0" anchor="ctr"/>
+          <a:lstStyle/>
+          <a:p>
+            <a:pPr algn="ctr"/>
+            <a:r>
+              <a:rPr lang="en-US" altLang="ko-KR" dirty="0"/>
+              <a:t>8</a:t>
+            </a:r>
+            <a:endParaRPr lang="ko-KR" altLang="en-US" dirty="0"/>
+          </a:p>
+        </p:txBody>
+      </p:sp>
+      <p:sp>
+        <p:nvSpPr>
+          <p:cNvPr id="17" name="직사각형 16"/>
+          <p:cNvSpPr/>
+          <p:nvPr/>
+        </p:nvSpPr>
+        <p:spPr>
+          <a:xfrm>
+            <a:off x="5895040" y="2276872"/>
+            <a:ext cx="504056" cy="432048"/>
+          </a:xfrm>
+          <a:prstGeom prst="rect">
+            <a:avLst/>
+          </a:prstGeom>
+          <a:solidFill>
+            <a:schemeClr val="accent2">
+              <a:lumMod val="60000"/>
+              <a:lumOff val="40000"/>
+            </a:schemeClr>
+          </a:solidFill>
+          <a:ln>
+            <a:solidFill>
+              <a:schemeClr val="accent5">
+                <a:lumMod val="75000"/>
+              </a:schemeClr>
+            </a:solidFill>
+          </a:ln>
+        </p:spPr>
+        <p:style>
+          <a:lnRef idx="2">
+            <a:schemeClr val="accent1">
+              <a:shade val="50000"/>
+            </a:schemeClr>
+          </a:lnRef>
+          <a:fillRef idx="1">
+            <a:schemeClr val="accent1"/>
+          </a:fillRef>
+          <a:effectRef idx="0">
+            <a:schemeClr val="accent1"/>
+          </a:effectRef>
+          <a:fontRef idx="minor">
+            <a:schemeClr val="lt1"/>
+          </a:fontRef>
+        </p:style>
+        <p:txBody>
+          <a:bodyPr rtlCol="0" anchor="ctr"/>
+          <a:lstStyle/>
+          <a:p>
+            <a:pPr algn="ctr"/>
+            <a:r>
+              <a:rPr lang="en-US" altLang="ko-KR" dirty="0"/>
+              <a:t>9</a:t>
+            </a:r>
+            <a:endParaRPr lang="ko-KR" altLang="en-US" dirty="0"/>
+          </a:p>
+        </p:txBody>
+      </p:sp>
+      <p:sp>
+        <p:nvSpPr>
+          <p:cNvPr id="18" name="직사각형 17"/>
+          <p:cNvSpPr/>
+          <p:nvPr/>
+        </p:nvSpPr>
+        <p:spPr>
+          <a:xfrm>
+            <a:off x="6459746" y="2276872"/>
+            <a:ext cx="504056" cy="432048"/>
+          </a:xfrm>
+          <a:prstGeom prst="rect">
+            <a:avLst/>
+          </a:prstGeom>
+          <a:solidFill>
+            <a:schemeClr val="accent2">
+              <a:lumMod val="60000"/>
+              <a:lumOff val="40000"/>
+            </a:schemeClr>
+          </a:solidFill>
+          <a:ln>
+            <a:solidFill>
+              <a:schemeClr val="accent5">
+                <a:lumMod val="75000"/>
+              </a:schemeClr>
+            </a:solidFill>
+          </a:ln>
+        </p:spPr>
+        <p:style>
+          <a:lnRef idx="2">
+            <a:schemeClr val="accent1">
+              <a:shade val="50000"/>
+            </a:schemeClr>
+          </a:lnRef>
+          <a:fillRef idx="1">
+            <a:schemeClr val="accent1"/>
+          </a:fillRef>
+          <a:effectRef idx="0">
+            <a:schemeClr val="accent1"/>
+          </a:effectRef>
+          <a:fontRef idx="minor">
+            <a:schemeClr val="lt1"/>
+          </a:fontRef>
+        </p:style>
+        <p:txBody>
+          <a:bodyPr rtlCol="0" anchor="ctr"/>
+          <a:lstStyle/>
+          <a:p>
+            <a:pPr algn="ctr"/>
+            <a:r>
+              <a:rPr lang="en-US" altLang="ko-KR" dirty="0" smtClean="0"/>
+              <a:t>10</a:t>
+            </a:r>
+            <a:endParaRPr lang="ko-KR" altLang="en-US" dirty="0"/>
+          </a:p>
+        </p:txBody>
+      </p:sp>
+      <p:sp>
+        <p:nvSpPr>
+          <p:cNvPr id="31" name="TextBox 30"/>
+          <p:cNvSpPr txBox="1"/>
+          <p:nvPr/>
+        </p:nvSpPr>
+        <p:spPr>
+          <a:xfrm>
+            <a:off x="1243990" y="2819791"/>
+            <a:ext cx="653577" cy="369332"/>
+          </a:xfrm>
+          <a:prstGeom prst="rect">
+            <a:avLst/>
+          </a:prstGeom>
+          <a:noFill/>
+        </p:spPr>
+        <p:txBody>
+          <a:bodyPr wrap="none" rtlCol="0">
+            <a:spAutoFit/>
+          </a:bodyPr>
+          <a:lstStyle/>
+          <a:p>
+            <a:r>
+              <a:rPr lang="en-US" altLang="ko-KR" dirty="0" smtClean="0">
+                <a:solidFill>
+                  <a:srgbClr val="FF0000"/>
+                </a:solidFill>
+              </a:rPr>
+              <a:t>start</a:t>
+            </a:r>
+            <a:endParaRPr lang="ko-KR" altLang="en-US" dirty="0">
+              <a:solidFill>
+                <a:srgbClr val="FF0000"/>
+              </a:solidFill>
+            </a:endParaRPr>
+          </a:p>
+        </p:txBody>
+      </p:sp>
+      <p:sp>
+        <p:nvSpPr>
+          <p:cNvPr id="32" name="TextBox 31"/>
+          <p:cNvSpPr txBox="1"/>
+          <p:nvPr/>
+        </p:nvSpPr>
+        <p:spPr>
+          <a:xfrm>
+            <a:off x="6399096" y="2819791"/>
+            <a:ext cx="580608" cy="369332"/>
+          </a:xfrm>
+          <a:prstGeom prst="rect">
+            <a:avLst/>
+          </a:prstGeom>
+          <a:noFill/>
+        </p:spPr>
+        <p:txBody>
+          <a:bodyPr wrap="none" rtlCol="0">
+            <a:spAutoFit/>
+          </a:bodyPr>
+          <a:lstStyle/>
+          <a:p>
+            <a:r>
+              <a:rPr lang="en-US" altLang="ko-KR" dirty="0" smtClean="0">
+                <a:solidFill>
+                  <a:srgbClr val="FF0000"/>
+                </a:solidFill>
+              </a:rPr>
+              <a:t>end</a:t>
+            </a:r>
+            <a:endParaRPr lang="ko-KR" altLang="en-US" dirty="0">
+              <a:solidFill>
+                <a:srgbClr val="FF0000"/>
+              </a:solidFill>
+            </a:endParaRPr>
+          </a:p>
+        </p:txBody>
+      </p:sp>
+      <p:grpSp>
+        <p:nvGrpSpPr>
+          <p:cNvPr id="30" name="그룹 29"/>
+          <p:cNvGrpSpPr/>
+          <p:nvPr/>
+        </p:nvGrpSpPr>
+        <p:grpSpPr>
+          <a:xfrm>
+            <a:off x="3529606" y="1454765"/>
+            <a:ext cx="707373" cy="780117"/>
+            <a:chOff x="3032395" y="1838133"/>
+            <a:chExt cx="707373" cy="780117"/>
+          </a:xfrm>
+        </p:grpSpPr>
+        <p:sp>
+          <p:nvSpPr>
+            <p:cNvPr id="33" name="아래쪽 화살표 32"/>
+            <p:cNvSpPr/>
+            <p:nvPr/>
+          </p:nvSpPr>
+          <p:spPr>
+            <a:xfrm>
+              <a:off x="3240408" y="2186202"/>
+              <a:ext cx="301370" cy="432048"/>
+            </a:xfrm>
+            <a:prstGeom prst="downArrow">
+              <a:avLst/>
+            </a:prstGeom>
+            <a:solidFill>
+              <a:srgbClr val="FF0000"/>
+            </a:solidFill>
+            <a:ln>
+              <a:noFill/>
+            </a:ln>
+          </p:spPr>
+          <p:style>
+            <a:lnRef idx="2">
+              <a:schemeClr val="accent1">
+                <a:shade val="50000"/>
+              </a:schemeClr>
+            </a:lnRef>
+            <a:fillRef idx="1">
+              <a:schemeClr val="accent1"/>
+            </a:fillRef>
+            <a:effectRef idx="0">
+              <a:schemeClr val="accent1"/>
+            </a:effectRef>
+            <a:fontRef idx="minor">
+              <a:schemeClr val="lt1"/>
+            </a:fontRef>
+          </p:style>
+          <p:txBody>
+            <a:bodyPr rtlCol="0" anchor="ctr"/>
+            <a:lstStyle/>
+            <a:p>
+              <a:pPr algn="ctr"/>
+              <a:endParaRPr lang="ko-KR" altLang="en-US"/>
+            </a:p>
+          </p:txBody>
+        </p:sp>
+        <p:sp>
+          <p:nvSpPr>
+            <p:cNvPr id="34" name="TextBox 33"/>
+            <p:cNvSpPr txBox="1"/>
+            <p:nvPr/>
+          </p:nvSpPr>
+          <p:spPr>
+            <a:xfrm>
+              <a:off x="3032395" y="1838133"/>
+              <a:ext cx="707373" cy="369332"/>
+            </a:xfrm>
+            <a:prstGeom prst="rect">
+              <a:avLst/>
+            </a:prstGeom>
+            <a:noFill/>
+          </p:spPr>
+          <p:txBody>
+            <a:bodyPr wrap="none" rtlCol="0">
+              <a:spAutoFit/>
+            </a:bodyPr>
+            <a:lstStyle/>
+            <a:p>
+              <a:r>
+                <a:rPr lang="en-US" altLang="ko-KR" dirty="0" smtClean="0">
+                  <a:solidFill>
+                    <a:srgbClr val="FF0000"/>
+                  </a:solidFill>
+                </a:rPr>
+                <a:t>pivot</a:t>
+              </a:r>
+              <a:endParaRPr lang="ko-KR" altLang="en-US" dirty="0">
+                <a:solidFill>
+                  <a:srgbClr val="FF0000"/>
+                </a:solidFill>
+              </a:endParaRPr>
+            </a:p>
+          </p:txBody>
+        </p:sp>
+      </p:grpSp>
+      <p:sp>
+        <p:nvSpPr>
+          <p:cNvPr id="3" name="직사각형 2"/>
+          <p:cNvSpPr/>
+          <p:nvPr/>
+        </p:nvSpPr>
+        <p:spPr>
+          <a:xfrm>
+            <a:off x="3278719" y="1276264"/>
+            <a:ext cx="1152128" cy="1792696"/>
+          </a:xfrm>
+          <a:prstGeom prst="rect">
+            <a:avLst/>
+          </a:prstGeom>
+          <a:noFill/>
+          <a:ln>
+            <a:solidFill>
+              <a:srgbClr val="FF0000"/>
+            </a:solidFill>
+          </a:ln>
+        </p:spPr>
+        <p:style>
+          <a:lnRef idx="2">
+            <a:schemeClr val="accent1">
+              <a:shade val="50000"/>
+            </a:schemeClr>
+          </a:lnRef>
+          <a:fillRef idx="1">
+            <a:schemeClr val="accent1"/>
+          </a:fillRef>
+          <a:effectRef idx="0">
+            <a:schemeClr val="accent1"/>
+          </a:effectRef>
+          <a:fontRef idx="minor">
+            <a:schemeClr val="lt1"/>
+          </a:fontRef>
+        </p:style>
+        <p:txBody>
+          <a:bodyPr rtlCol="0" anchor="ctr"/>
+          <a:lstStyle/>
+          <a:p>
+            <a:pPr algn="ctr"/>
+            <a:endParaRPr lang="ko-KR" altLang="en-US"/>
+          </a:p>
+        </p:txBody>
+      </p:sp>
+      <p:sp>
+        <p:nvSpPr>
+          <p:cNvPr id="8" name="TextBox 7"/>
+          <p:cNvSpPr txBox="1"/>
+          <p:nvPr/>
+        </p:nvSpPr>
+        <p:spPr>
+          <a:xfrm>
+            <a:off x="2840141" y="543163"/>
+            <a:ext cx="3849259" cy="369332"/>
+          </a:xfrm>
+          <a:prstGeom prst="rect">
+            <a:avLst/>
+          </a:prstGeom>
+          <a:noFill/>
+        </p:spPr>
+        <p:txBody>
+          <a:bodyPr wrap="none" rtlCol="0">
+            <a:spAutoFit/>
+          </a:bodyPr>
+          <a:lstStyle/>
+          <a:p>
+            <a:r>
+              <a:rPr lang="en-US" altLang="ko-KR" dirty="0" smtClean="0">
+                <a:solidFill>
+                  <a:srgbClr val="FF0000"/>
+                </a:solidFill>
+              </a:rPr>
+              <a:t>Pivot</a:t>
+            </a:r>
+            <a:r>
+              <a:rPr lang="ko-KR" altLang="en-US" dirty="0" smtClean="0">
+                <a:solidFill>
+                  <a:srgbClr val="FF0000"/>
+                </a:solidFill>
+              </a:rPr>
+              <a:t>을 맨 왼쪽으로 옮기면 됩니다</a:t>
+            </a:r>
+            <a:r>
+              <a:rPr lang="en-US" altLang="ko-KR" dirty="0" smtClean="0">
+                <a:solidFill>
+                  <a:srgbClr val="FF0000"/>
+                </a:solidFill>
+              </a:rPr>
+              <a:t>.</a:t>
+            </a:r>
+            <a:endParaRPr lang="ko-KR" altLang="en-US" dirty="0">
+              <a:solidFill>
+                <a:srgbClr val="FF0000"/>
+              </a:solidFill>
+            </a:endParaRPr>
+          </a:p>
+        </p:txBody>
+      </p:sp>
+      <p:sp>
+        <p:nvSpPr>
+          <p:cNvPr id="26" name="직사각형 25"/>
+          <p:cNvSpPr/>
+          <p:nvPr/>
+        </p:nvSpPr>
+        <p:spPr>
+          <a:xfrm>
+            <a:off x="1310470" y="4797152"/>
+            <a:ext cx="504056" cy="432048"/>
+          </a:xfrm>
+          <a:prstGeom prst="rect">
+            <a:avLst/>
+          </a:prstGeom>
+          <a:solidFill>
+            <a:schemeClr val="accent2">
+              <a:lumMod val="60000"/>
+              <a:lumOff val="40000"/>
+            </a:schemeClr>
+          </a:solidFill>
+          <a:ln>
+            <a:solidFill>
+              <a:schemeClr val="accent5">
+                <a:lumMod val="75000"/>
+              </a:schemeClr>
+            </a:solidFill>
+          </a:ln>
+        </p:spPr>
+        <p:style>
+          <a:lnRef idx="2">
+            <a:schemeClr val="accent1">
+              <a:shade val="50000"/>
+            </a:schemeClr>
+          </a:lnRef>
+          <a:fillRef idx="1">
+            <a:schemeClr val="accent1"/>
+          </a:fillRef>
+          <a:effectRef idx="0">
+            <a:schemeClr val="accent1"/>
+          </a:effectRef>
+          <a:fontRef idx="minor">
+            <a:schemeClr val="lt1"/>
+          </a:fontRef>
+        </p:style>
+        <p:txBody>
+          <a:bodyPr rtlCol="0" anchor="ctr"/>
+          <a:lstStyle/>
+          <a:p>
+            <a:pPr algn="ctr"/>
+            <a:r>
+              <a:rPr lang="en-US" altLang="ko-KR" dirty="0"/>
+              <a:t>5</a:t>
+            </a:r>
+            <a:endParaRPr lang="ko-KR" altLang="en-US" dirty="0"/>
+          </a:p>
+        </p:txBody>
+      </p:sp>
+      <p:sp>
+        <p:nvSpPr>
+          <p:cNvPr id="27" name="직사각형 26"/>
+          <p:cNvSpPr/>
+          <p:nvPr/>
+        </p:nvSpPr>
+        <p:spPr>
+          <a:xfrm>
+            <a:off x="1883403" y="4797152"/>
+            <a:ext cx="504056" cy="432048"/>
+          </a:xfrm>
+          <a:prstGeom prst="rect">
+            <a:avLst/>
+          </a:prstGeom>
+          <a:solidFill>
+            <a:schemeClr val="accent2">
+              <a:lumMod val="60000"/>
+              <a:lumOff val="40000"/>
+            </a:schemeClr>
+          </a:solidFill>
+          <a:ln>
+            <a:solidFill>
+              <a:schemeClr val="accent5">
+                <a:lumMod val="75000"/>
+              </a:schemeClr>
+            </a:solidFill>
+          </a:ln>
+        </p:spPr>
+        <p:style>
+          <a:lnRef idx="2">
+            <a:schemeClr val="accent1">
+              <a:shade val="50000"/>
+            </a:schemeClr>
+          </a:lnRef>
+          <a:fillRef idx="1">
+            <a:schemeClr val="accent1"/>
+          </a:fillRef>
+          <a:effectRef idx="0">
+            <a:schemeClr val="accent1"/>
+          </a:effectRef>
+          <a:fontRef idx="minor">
+            <a:schemeClr val="lt1"/>
+          </a:fontRef>
+        </p:style>
+        <p:txBody>
+          <a:bodyPr rtlCol="0" anchor="ctr"/>
+          <a:lstStyle/>
+          <a:p>
+            <a:pPr algn="ctr"/>
+            <a:r>
+              <a:rPr lang="en-US" altLang="ko-KR" dirty="0"/>
+              <a:t>2</a:t>
+            </a:r>
+            <a:endParaRPr lang="ko-KR" altLang="en-US" dirty="0"/>
+          </a:p>
+        </p:txBody>
+      </p:sp>
+      <p:sp>
+        <p:nvSpPr>
+          <p:cNvPr id="28" name="직사각형 27"/>
+          <p:cNvSpPr/>
+          <p:nvPr/>
+        </p:nvSpPr>
+        <p:spPr>
+          <a:xfrm>
+            <a:off x="2448325" y="4797152"/>
+            <a:ext cx="504056" cy="432048"/>
+          </a:xfrm>
+          <a:prstGeom prst="rect">
+            <a:avLst/>
+          </a:prstGeom>
+          <a:solidFill>
+            <a:schemeClr val="accent2">
+              <a:lumMod val="60000"/>
+              <a:lumOff val="40000"/>
+            </a:schemeClr>
+          </a:solidFill>
+          <a:ln>
+            <a:solidFill>
+              <a:schemeClr val="accent5">
+                <a:lumMod val="75000"/>
+              </a:schemeClr>
+            </a:solidFill>
+          </a:ln>
+        </p:spPr>
+        <p:style>
+          <a:lnRef idx="2">
+            <a:schemeClr val="accent1">
+              <a:shade val="50000"/>
+            </a:schemeClr>
+          </a:lnRef>
+          <a:fillRef idx="1">
+            <a:schemeClr val="accent1"/>
+          </a:fillRef>
+          <a:effectRef idx="0">
+            <a:schemeClr val="accent1"/>
+          </a:effectRef>
+          <a:fontRef idx="minor">
+            <a:schemeClr val="lt1"/>
+          </a:fontRef>
+        </p:style>
+        <p:txBody>
+          <a:bodyPr rtlCol="0" anchor="ctr"/>
+          <a:lstStyle/>
+          <a:p>
+            <a:pPr algn="ctr"/>
+            <a:r>
+              <a:rPr lang="en-US" altLang="ko-KR" dirty="0"/>
+              <a:t>3</a:t>
+            </a:r>
+            <a:endParaRPr lang="ko-KR" altLang="en-US" dirty="0"/>
+          </a:p>
+        </p:txBody>
+      </p:sp>
+      <p:sp>
+        <p:nvSpPr>
+          <p:cNvPr id="29" name="직사각형 28"/>
+          <p:cNvSpPr/>
+          <p:nvPr/>
+        </p:nvSpPr>
+        <p:spPr>
+          <a:xfrm>
+            <a:off x="3026691" y="4797152"/>
+            <a:ext cx="504056" cy="432048"/>
+          </a:xfrm>
+          <a:prstGeom prst="rect">
+            <a:avLst/>
+          </a:prstGeom>
+          <a:solidFill>
+            <a:schemeClr val="accent2">
+              <a:lumMod val="60000"/>
+              <a:lumOff val="40000"/>
+            </a:schemeClr>
+          </a:solidFill>
+          <a:ln>
+            <a:solidFill>
+              <a:schemeClr val="accent5">
+                <a:lumMod val="75000"/>
+              </a:schemeClr>
+            </a:solidFill>
+          </a:ln>
+        </p:spPr>
+        <p:style>
+          <a:lnRef idx="2">
+            <a:schemeClr val="accent1">
+              <a:shade val="50000"/>
+            </a:schemeClr>
+          </a:lnRef>
+          <a:fillRef idx="1">
+            <a:schemeClr val="accent1"/>
+          </a:fillRef>
+          <a:effectRef idx="0">
+            <a:schemeClr val="accent1"/>
+          </a:effectRef>
+          <a:fontRef idx="minor">
+            <a:schemeClr val="lt1"/>
+          </a:fontRef>
+        </p:style>
+        <p:txBody>
+          <a:bodyPr rtlCol="0" anchor="ctr"/>
+          <a:lstStyle/>
+          <a:p>
+            <a:pPr algn="ctr"/>
+            <a:r>
+              <a:rPr lang="en-US" altLang="ko-KR" dirty="0"/>
+              <a:t>4</a:t>
+            </a:r>
+            <a:endParaRPr lang="ko-KR" altLang="en-US" dirty="0"/>
+          </a:p>
+        </p:txBody>
+      </p:sp>
+      <p:sp>
+        <p:nvSpPr>
+          <p:cNvPr id="38" name="직사각형 37"/>
+          <p:cNvSpPr/>
+          <p:nvPr/>
+        </p:nvSpPr>
+        <p:spPr>
+          <a:xfrm>
+            <a:off x="3591397" y="4797152"/>
+            <a:ext cx="504056" cy="432048"/>
+          </a:xfrm>
+          <a:prstGeom prst="rect">
+            <a:avLst/>
+          </a:prstGeom>
+          <a:solidFill>
+            <a:schemeClr val="accent2">
+              <a:lumMod val="60000"/>
+              <a:lumOff val="40000"/>
+            </a:schemeClr>
+          </a:solidFill>
+          <a:ln>
+            <a:solidFill>
+              <a:schemeClr val="accent5">
+                <a:lumMod val="75000"/>
+              </a:schemeClr>
+            </a:solidFill>
+          </a:ln>
+        </p:spPr>
+        <p:style>
+          <a:lnRef idx="2">
+            <a:schemeClr val="accent1">
+              <a:shade val="50000"/>
+            </a:schemeClr>
+          </a:lnRef>
+          <a:fillRef idx="1">
+            <a:schemeClr val="accent1"/>
+          </a:fillRef>
+          <a:effectRef idx="0">
+            <a:schemeClr val="accent1"/>
+          </a:effectRef>
+          <a:fontRef idx="minor">
+            <a:schemeClr val="lt1"/>
+          </a:fontRef>
+        </p:style>
+        <p:txBody>
+          <a:bodyPr rtlCol="0" anchor="ctr"/>
+          <a:lstStyle/>
+          <a:p>
+            <a:pPr algn="ctr"/>
+            <a:r>
+              <a:rPr lang="en-US" altLang="ko-KR" dirty="0"/>
+              <a:t>1</a:t>
+            </a:r>
+            <a:endParaRPr lang="ko-KR" altLang="en-US" dirty="0"/>
+          </a:p>
+        </p:txBody>
+      </p:sp>
+      <p:sp>
+        <p:nvSpPr>
+          <p:cNvPr id="39" name="직사각형 38"/>
+          <p:cNvSpPr/>
+          <p:nvPr/>
+        </p:nvSpPr>
+        <p:spPr>
+          <a:xfrm>
+            <a:off x="4178819" y="4797152"/>
+            <a:ext cx="504056" cy="432048"/>
+          </a:xfrm>
+          <a:prstGeom prst="rect">
+            <a:avLst/>
+          </a:prstGeom>
+          <a:solidFill>
+            <a:schemeClr val="accent2">
+              <a:lumMod val="60000"/>
+              <a:lumOff val="40000"/>
+            </a:schemeClr>
+          </a:solidFill>
+          <a:ln>
+            <a:solidFill>
+              <a:schemeClr val="accent5">
+                <a:lumMod val="75000"/>
+              </a:schemeClr>
+            </a:solidFill>
+          </a:ln>
+        </p:spPr>
+        <p:style>
+          <a:lnRef idx="2">
+            <a:schemeClr val="accent1">
+              <a:shade val="50000"/>
+            </a:schemeClr>
+          </a:lnRef>
+          <a:fillRef idx="1">
+            <a:schemeClr val="accent1"/>
+          </a:fillRef>
+          <a:effectRef idx="0">
+            <a:schemeClr val="accent1"/>
+          </a:effectRef>
+          <a:fontRef idx="minor">
+            <a:schemeClr val="lt1"/>
+          </a:fontRef>
+        </p:style>
+        <p:txBody>
+          <a:bodyPr rtlCol="0" anchor="ctr"/>
+          <a:lstStyle/>
+          <a:p>
+            <a:pPr algn="ctr"/>
+            <a:r>
+              <a:rPr lang="en-US" altLang="ko-KR" dirty="0"/>
+              <a:t>6</a:t>
+            </a:r>
+            <a:endParaRPr lang="ko-KR" altLang="en-US" dirty="0"/>
+          </a:p>
+        </p:txBody>
+      </p:sp>
+      <p:sp>
+        <p:nvSpPr>
+          <p:cNvPr id="40" name="직사각형 39"/>
+          <p:cNvSpPr/>
+          <p:nvPr/>
+        </p:nvSpPr>
+        <p:spPr>
+          <a:xfrm>
+            <a:off x="4751752" y="4797152"/>
+            <a:ext cx="504056" cy="432048"/>
+          </a:xfrm>
+          <a:prstGeom prst="rect">
+            <a:avLst/>
+          </a:prstGeom>
+          <a:solidFill>
+            <a:schemeClr val="accent2">
+              <a:lumMod val="60000"/>
+              <a:lumOff val="40000"/>
+            </a:schemeClr>
+          </a:solidFill>
+          <a:ln>
+            <a:solidFill>
+              <a:schemeClr val="accent5">
+                <a:lumMod val="75000"/>
+              </a:schemeClr>
+            </a:solidFill>
+          </a:ln>
+        </p:spPr>
+        <p:style>
+          <a:lnRef idx="2">
+            <a:schemeClr val="accent1">
+              <a:shade val="50000"/>
+            </a:schemeClr>
+          </a:lnRef>
+          <a:fillRef idx="1">
+            <a:schemeClr val="accent1"/>
+          </a:fillRef>
+          <a:effectRef idx="0">
+            <a:schemeClr val="accent1"/>
+          </a:effectRef>
+          <a:fontRef idx="minor">
+            <a:schemeClr val="lt1"/>
+          </a:fontRef>
+        </p:style>
+        <p:txBody>
+          <a:bodyPr rtlCol="0" anchor="ctr"/>
+          <a:lstStyle/>
+          <a:p>
+            <a:pPr algn="ctr"/>
+            <a:r>
+              <a:rPr lang="en-US" altLang="ko-KR" dirty="0"/>
+              <a:t>7</a:t>
+            </a:r>
+            <a:endParaRPr lang="ko-KR" altLang="en-US" dirty="0"/>
+          </a:p>
+        </p:txBody>
+      </p:sp>
+      <p:sp>
+        <p:nvSpPr>
+          <p:cNvPr id="41" name="직사각형 40"/>
+          <p:cNvSpPr/>
+          <p:nvPr/>
+        </p:nvSpPr>
+        <p:spPr>
+          <a:xfrm>
+            <a:off x="5316674" y="4797152"/>
+            <a:ext cx="504056" cy="432048"/>
+          </a:xfrm>
+          <a:prstGeom prst="rect">
+            <a:avLst/>
+          </a:prstGeom>
+          <a:solidFill>
+            <a:schemeClr val="accent2">
+              <a:lumMod val="60000"/>
+              <a:lumOff val="40000"/>
+            </a:schemeClr>
+          </a:solidFill>
+          <a:ln>
+            <a:solidFill>
+              <a:schemeClr val="accent5">
+                <a:lumMod val="75000"/>
+              </a:schemeClr>
+            </a:solidFill>
+          </a:ln>
+        </p:spPr>
+        <p:style>
+          <a:lnRef idx="2">
+            <a:schemeClr val="accent1">
+              <a:shade val="50000"/>
+            </a:schemeClr>
+          </a:lnRef>
+          <a:fillRef idx="1">
+            <a:schemeClr val="accent1"/>
+          </a:fillRef>
+          <a:effectRef idx="0">
+            <a:schemeClr val="accent1"/>
+          </a:effectRef>
+          <a:fontRef idx="minor">
+            <a:schemeClr val="lt1"/>
+          </a:fontRef>
+        </p:style>
+        <p:txBody>
+          <a:bodyPr rtlCol="0" anchor="ctr"/>
+          <a:lstStyle/>
+          <a:p>
+            <a:pPr algn="ctr"/>
+            <a:r>
+              <a:rPr lang="en-US" altLang="ko-KR" dirty="0"/>
+              <a:t>8</a:t>
+            </a:r>
+            <a:endParaRPr lang="ko-KR" altLang="en-US" dirty="0"/>
+          </a:p>
+        </p:txBody>
+      </p:sp>
+      <p:sp>
+        <p:nvSpPr>
+          <p:cNvPr id="42" name="직사각형 41"/>
+          <p:cNvSpPr/>
+          <p:nvPr/>
+        </p:nvSpPr>
+        <p:spPr>
+          <a:xfrm>
+            <a:off x="5895040" y="4797152"/>
+            <a:ext cx="504056" cy="432048"/>
+          </a:xfrm>
+          <a:prstGeom prst="rect">
+            <a:avLst/>
+          </a:prstGeom>
+          <a:solidFill>
+            <a:schemeClr val="accent2">
+              <a:lumMod val="60000"/>
+              <a:lumOff val="40000"/>
+            </a:schemeClr>
+          </a:solidFill>
+          <a:ln>
+            <a:solidFill>
+              <a:schemeClr val="accent5">
+                <a:lumMod val="75000"/>
+              </a:schemeClr>
+            </a:solidFill>
+          </a:ln>
+        </p:spPr>
+        <p:style>
+          <a:lnRef idx="2">
+            <a:schemeClr val="accent1">
+              <a:shade val="50000"/>
+            </a:schemeClr>
+          </a:lnRef>
+          <a:fillRef idx="1">
+            <a:schemeClr val="accent1"/>
+          </a:fillRef>
+          <a:effectRef idx="0">
+            <a:schemeClr val="accent1"/>
+          </a:effectRef>
+          <a:fontRef idx="minor">
+            <a:schemeClr val="lt1"/>
+          </a:fontRef>
+        </p:style>
+        <p:txBody>
+          <a:bodyPr rtlCol="0" anchor="ctr"/>
+          <a:lstStyle/>
+          <a:p>
+            <a:pPr algn="ctr"/>
+            <a:r>
+              <a:rPr lang="en-US" altLang="ko-KR" dirty="0"/>
+              <a:t>9</a:t>
+            </a:r>
+            <a:endParaRPr lang="ko-KR" altLang="en-US" dirty="0"/>
+          </a:p>
+        </p:txBody>
+      </p:sp>
+      <p:sp>
+        <p:nvSpPr>
+          <p:cNvPr id="43" name="직사각형 42"/>
+          <p:cNvSpPr/>
+          <p:nvPr/>
+        </p:nvSpPr>
+        <p:spPr>
+          <a:xfrm>
+            <a:off x="6459746" y="4797152"/>
+            <a:ext cx="504056" cy="432048"/>
+          </a:xfrm>
+          <a:prstGeom prst="rect">
+            <a:avLst/>
+          </a:prstGeom>
+          <a:solidFill>
+            <a:schemeClr val="accent2">
+              <a:lumMod val="60000"/>
+              <a:lumOff val="40000"/>
+            </a:schemeClr>
+          </a:solidFill>
+          <a:ln>
+            <a:solidFill>
+              <a:schemeClr val="accent5">
+                <a:lumMod val="75000"/>
+              </a:schemeClr>
+            </a:solidFill>
+          </a:ln>
+        </p:spPr>
+        <p:style>
+          <a:lnRef idx="2">
+            <a:schemeClr val="accent1">
+              <a:shade val="50000"/>
+            </a:schemeClr>
+          </a:lnRef>
+          <a:fillRef idx="1">
+            <a:schemeClr val="accent1"/>
+          </a:fillRef>
+          <a:effectRef idx="0">
+            <a:schemeClr val="accent1"/>
+          </a:effectRef>
+          <a:fontRef idx="minor">
+            <a:schemeClr val="lt1"/>
+          </a:fontRef>
+        </p:style>
+        <p:txBody>
+          <a:bodyPr rtlCol="0" anchor="ctr"/>
+          <a:lstStyle/>
+          <a:p>
+            <a:pPr algn="ctr"/>
+            <a:r>
+              <a:rPr lang="en-US" altLang="ko-KR" dirty="0" smtClean="0"/>
+              <a:t>10</a:t>
+            </a:r>
+            <a:endParaRPr lang="ko-KR" altLang="en-US" dirty="0"/>
+          </a:p>
+        </p:txBody>
+      </p:sp>
+      <p:sp>
+        <p:nvSpPr>
+          <p:cNvPr id="44" name="TextBox 43"/>
+          <p:cNvSpPr txBox="1"/>
+          <p:nvPr/>
+        </p:nvSpPr>
+        <p:spPr>
+          <a:xfrm>
+            <a:off x="1243990" y="5340071"/>
+            <a:ext cx="653577" cy="369332"/>
+          </a:xfrm>
+          <a:prstGeom prst="rect">
+            <a:avLst/>
+          </a:prstGeom>
+          <a:noFill/>
+        </p:spPr>
+        <p:txBody>
+          <a:bodyPr wrap="none" rtlCol="0">
+            <a:spAutoFit/>
+          </a:bodyPr>
+          <a:lstStyle/>
+          <a:p>
+            <a:r>
+              <a:rPr lang="en-US" altLang="ko-KR" dirty="0" smtClean="0">
+                <a:solidFill>
+                  <a:srgbClr val="FF0000"/>
+                </a:solidFill>
+              </a:rPr>
+              <a:t>start</a:t>
+            </a:r>
+            <a:endParaRPr lang="ko-KR" altLang="en-US" dirty="0">
+              <a:solidFill>
+                <a:srgbClr val="FF0000"/>
+              </a:solidFill>
+            </a:endParaRPr>
+          </a:p>
+        </p:txBody>
+      </p:sp>
+      <p:sp>
+        <p:nvSpPr>
+          <p:cNvPr id="45" name="TextBox 44"/>
+          <p:cNvSpPr txBox="1"/>
+          <p:nvPr/>
+        </p:nvSpPr>
+        <p:spPr>
+          <a:xfrm>
+            <a:off x="6399096" y="5340071"/>
+            <a:ext cx="580608" cy="369332"/>
+          </a:xfrm>
+          <a:prstGeom prst="rect">
+            <a:avLst/>
+          </a:prstGeom>
+          <a:noFill/>
+        </p:spPr>
+        <p:txBody>
+          <a:bodyPr wrap="none" rtlCol="0">
+            <a:spAutoFit/>
+          </a:bodyPr>
+          <a:lstStyle/>
+          <a:p>
+            <a:r>
+              <a:rPr lang="en-US" altLang="ko-KR" dirty="0" smtClean="0">
+                <a:solidFill>
+                  <a:srgbClr val="FF0000"/>
+                </a:solidFill>
+              </a:rPr>
+              <a:t>end</a:t>
+            </a:r>
+            <a:endParaRPr lang="ko-KR" altLang="en-US" dirty="0">
+              <a:solidFill>
+                <a:srgbClr val="FF0000"/>
+              </a:solidFill>
+            </a:endParaRPr>
+          </a:p>
+        </p:txBody>
+      </p:sp>
+      <p:grpSp>
+        <p:nvGrpSpPr>
+          <p:cNvPr id="46" name="그룹 45"/>
+          <p:cNvGrpSpPr/>
+          <p:nvPr/>
+        </p:nvGrpSpPr>
+        <p:grpSpPr>
+          <a:xfrm>
+            <a:off x="1217091" y="3989447"/>
+            <a:ext cx="707373" cy="780117"/>
+            <a:chOff x="3032395" y="1838133"/>
+            <a:chExt cx="707373" cy="780117"/>
+          </a:xfrm>
+        </p:grpSpPr>
+        <p:sp>
+          <p:nvSpPr>
+            <p:cNvPr id="47" name="아래쪽 화살표 46"/>
+            <p:cNvSpPr/>
+            <p:nvPr/>
+          </p:nvSpPr>
+          <p:spPr>
+            <a:xfrm>
+              <a:off x="3240408" y="2186202"/>
+              <a:ext cx="301370" cy="432048"/>
+            </a:xfrm>
+            <a:prstGeom prst="downArrow">
+              <a:avLst/>
+            </a:prstGeom>
+            <a:solidFill>
+              <a:srgbClr val="FF0000"/>
+            </a:solidFill>
+            <a:ln>
+              <a:noFill/>
+            </a:ln>
+          </p:spPr>
+          <p:style>
+            <a:lnRef idx="2">
+              <a:schemeClr val="accent1">
+                <a:shade val="50000"/>
+              </a:schemeClr>
+            </a:lnRef>
+            <a:fillRef idx="1">
+              <a:schemeClr val="accent1"/>
+            </a:fillRef>
+            <a:effectRef idx="0">
+              <a:schemeClr val="accent1"/>
+            </a:effectRef>
+            <a:fontRef idx="minor">
+              <a:schemeClr val="lt1"/>
+            </a:fontRef>
+          </p:style>
+          <p:txBody>
+            <a:bodyPr rtlCol="0" anchor="ctr"/>
+            <a:lstStyle/>
+            <a:p>
+              <a:pPr algn="ctr"/>
+              <a:endParaRPr lang="ko-KR" altLang="en-US"/>
+            </a:p>
+          </p:txBody>
+        </p:sp>
+        <p:sp>
+          <p:nvSpPr>
+            <p:cNvPr id="48" name="TextBox 47"/>
+            <p:cNvSpPr txBox="1"/>
+            <p:nvPr/>
+          </p:nvSpPr>
+          <p:spPr>
+            <a:xfrm>
+              <a:off x="3032395" y="1838133"/>
+              <a:ext cx="707373" cy="369332"/>
+            </a:xfrm>
+            <a:prstGeom prst="rect">
+              <a:avLst/>
+            </a:prstGeom>
+            <a:noFill/>
+          </p:spPr>
+          <p:txBody>
+            <a:bodyPr wrap="none" rtlCol="0">
+              <a:spAutoFit/>
+            </a:bodyPr>
+            <a:lstStyle/>
+            <a:p>
+              <a:r>
+                <a:rPr lang="en-US" altLang="ko-KR" dirty="0" smtClean="0">
+                  <a:solidFill>
+                    <a:srgbClr val="FF0000"/>
+                  </a:solidFill>
+                </a:rPr>
+                <a:t>pivot</a:t>
+              </a:r>
+              <a:endParaRPr lang="ko-KR" altLang="en-US" dirty="0">
+                <a:solidFill>
+                  <a:srgbClr val="FF0000"/>
+                </a:solidFill>
+              </a:endParaRPr>
+            </a:p>
+          </p:txBody>
+        </p:sp>
+      </p:grpSp>
+      <p:sp>
+        <p:nvSpPr>
+          <p:cNvPr id="50" name="직사각형 49"/>
+          <p:cNvSpPr/>
+          <p:nvPr/>
+        </p:nvSpPr>
+        <p:spPr>
+          <a:xfrm>
+            <a:off x="999725" y="3989447"/>
+            <a:ext cx="1152128" cy="1792696"/>
+          </a:xfrm>
+          <a:prstGeom prst="rect">
+            <a:avLst/>
+          </a:prstGeom>
+          <a:noFill/>
+          <a:ln>
+            <a:solidFill>
+              <a:srgbClr val="FF0000"/>
+            </a:solidFill>
+          </a:ln>
+        </p:spPr>
+        <p:style>
+          <a:lnRef idx="2">
+            <a:schemeClr val="accent1">
+              <a:shade val="50000"/>
+            </a:schemeClr>
+          </a:lnRef>
+          <a:fillRef idx="1">
+            <a:schemeClr val="accent1"/>
+          </a:fillRef>
+          <a:effectRef idx="0">
+            <a:schemeClr val="accent1"/>
+          </a:effectRef>
+          <a:fontRef idx="minor">
+            <a:schemeClr val="lt1"/>
+          </a:fontRef>
+        </p:style>
+        <p:txBody>
+          <a:bodyPr rtlCol="0" anchor="ctr"/>
+          <a:lstStyle/>
+          <a:p>
+            <a:pPr algn="ctr"/>
+            <a:endParaRPr lang="ko-KR" altLang="en-US"/>
+          </a:p>
+        </p:txBody>
+      </p:sp>
+    </p:spTree>
+    <p:extLst>
+      <p:ext uri="{BB962C8B-B14F-4D97-AF65-F5344CB8AC3E}">
+        <p14:creationId xmlns:p14="http://schemas.microsoft.com/office/powerpoint/2010/main" val="1134858962"/>
+      </p:ext>
+    </p:extLst>
+  </p:cSld>
+  <p:clrMapOvr>
+    <a:masterClrMapping/>
+  </p:clrMapOvr>
+</p:sld>
+</file>
+
+<file path=ppt/slides/slide58.xml><?xml version="1.0" encoding="utf-8"?>
+<p:sld xmlns:a="http://schemas.openxmlformats.org/drawingml/2006/main" xmlns:r="http://schemas.openxmlformats.org/officeDocument/2006/relationships" xmlns:p="http://schemas.openxmlformats.org/presentationml/2006/main">
+  <p:cSld>
+    <p:spTree>
+      <p:nvGrpSpPr>
+        <p:cNvPr id="1" name=""/>
+        <p:cNvGrpSpPr/>
+        <p:nvPr/>
+      </p:nvGrpSpPr>
+      <p:grpSpPr>
+        <a:xfrm>
+          <a:off x="0" y="0"/>
+          <a:ext cx="0" cy="0"/>
+          <a:chOff x="0" y="0"/>
+          <a:chExt cx="0" cy="0"/>
+        </a:xfrm>
+      </p:grpSpPr>
+      <p:sp>
+        <p:nvSpPr>
+          <p:cNvPr id="7" name="TextBox 6"/>
+          <p:cNvSpPr txBox="1"/>
+          <p:nvPr/>
+        </p:nvSpPr>
+        <p:spPr>
+          <a:xfrm>
+            <a:off x="395536" y="404664"/>
+            <a:ext cx="1689886" cy="646331"/>
+          </a:xfrm>
+          <a:prstGeom prst="rect">
+            <a:avLst/>
+          </a:prstGeom>
+          <a:noFill/>
+        </p:spPr>
+        <p:txBody>
+          <a:bodyPr wrap="none" rtlCol="0">
+            <a:spAutoFit/>
+          </a:bodyPr>
+          <a:lstStyle/>
+          <a:p>
+            <a:r>
+              <a:rPr lang="ko-KR" altLang="en-US" dirty="0" smtClean="0"/>
+              <a:t>정렬 알고리즘</a:t>
+            </a:r>
+            <a:endParaRPr lang="en-US" altLang="ko-KR" dirty="0" smtClean="0"/>
+          </a:p>
+          <a:p>
+            <a:r>
+              <a:rPr lang="en-US" altLang="ko-KR" dirty="0" smtClean="0"/>
+              <a:t>  : </a:t>
+            </a:r>
+            <a:r>
+              <a:rPr lang="en-US" altLang="ko-KR" dirty="0" smtClean="0"/>
+              <a:t>Quicksort</a:t>
+            </a:r>
+            <a:endParaRPr lang="ko-KR" altLang="en-US" dirty="0"/>
+          </a:p>
+        </p:txBody>
+      </p:sp>
+      <p:pic>
+        <p:nvPicPr>
+          <p:cNvPr id="3074" name="Picture 2"/>
+          <p:cNvPicPr>
+            <a:picLocks noChangeAspect="1" noChangeArrowheads="1"/>
+          </p:cNvPicPr>
+          <p:nvPr/>
+        </p:nvPicPr>
+        <p:blipFill rotWithShape="1">
+          <a:blip r:embed="rId2">
+            <a:extLst>
+              <a:ext uri="{28A0092B-C50C-407E-A947-70E740481C1C}">
+                <a14:useLocalDpi xmlns:a14="http://schemas.microsoft.com/office/drawing/2010/main" val="0"/>
+              </a:ext>
+            </a:extLst>
+          </a:blip>
+          <a:srcRect l="8906" t="18611" r="43476" b="33889"/>
+          <a:stretch/>
+        </p:blipFill>
+        <p:spPr bwMode="auto">
+          <a:xfrm>
+            <a:off x="539553" y="1383893"/>
+            <a:ext cx="6552728" cy="3676750"/>
+          </a:xfrm>
+          <a:prstGeom prst="rect">
+            <a:avLst/>
+          </a:prstGeom>
+          <a:noFill/>
+          <a:ln>
+            <a:noFill/>
+          </a:ln>
+          <a:extLst>
+            <a:ext uri="{909E8E84-426E-40DD-AFC4-6F175D3DCCD1}">
+              <a14:hiddenFill xmlns:a14="http://schemas.microsoft.com/office/drawing/2010/main">
+                <a:solidFill>
+                  <a:schemeClr val="accent1"/>
+                </a:solidFill>
+              </a14:hiddenFill>
+            </a:ext>
+            <a:ext uri="{91240B29-F687-4F45-9708-019B960494DF}">
+              <a14:hiddenLine xmlns:a14="http://schemas.microsoft.com/office/drawing/2010/main" w="9525">
+                <a:solidFill>
+                  <a:schemeClr val="tx1"/>
+                </a:solidFill>
+                <a:miter lim="800000"/>
+                <a:headEnd/>
+                <a:tailEnd/>
+              </a14:hiddenLine>
+            </a:ext>
+          </a:extLst>
+        </p:spPr>
+      </p:pic>
+      <p:sp>
+        <p:nvSpPr>
+          <p:cNvPr id="4" name="TextBox 3"/>
+          <p:cNvSpPr txBox="1"/>
+          <p:nvPr/>
+        </p:nvSpPr>
+        <p:spPr>
+          <a:xfrm>
+            <a:off x="5076056" y="2706146"/>
+            <a:ext cx="3380349" cy="307777"/>
+          </a:xfrm>
+          <a:prstGeom prst="rect">
+            <a:avLst/>
+          </a:prstGeom>
+          <a:noFill/>
+        </p:spPr>
+        <p:txBody>
+          <a:bodyPr wrap="none" rtlCol="0">
+            <a:spAutoFit/>
+          </a:bodyPr>
+          <a:lstStyle/>
+          <a:p>
+            <a:r>
+              <a:rPr lang="en-US" altLang="ko-KR" sz="1400" dirty="0" err="1" smtClean="0">
+                <a:solidFill>
+                  <a:srgbClr val="FF0000"/>
+                </a:solidFill>
+              </a:rPr>
+              <a:t>Getpivot</a:t>
+            </a:r>
+            <a:r>
+              <a:rPr lang="en-US" altLang="ko-KR" sz="1400" dirty="0" smtClean="0">
+                <a:solidFill>
+                  <a:srgbClr val="FF0000"/>
+                </a:solidFill>
+              </a:rPr>
+              <a:t>()</a:t>
+            </a:r>
+            <a:r>
+              <a:rPr lang="ko-KR" altLang="en-US" sz="1400" dirty="0" smtClean="0">
+                <a:solidFill>
+                  <a:srgbClr val="FF0000"/>
+                </a:solidFill>
+              </a:rPr>
+              <a:t>함수로 </a:t>
+            </a:r>
+            <a:r>
+              <a:rPr lang="ko-KR" altLang="en-US" sz="1400" dirty="0" err="1" smtClean="0">
+                <a:solidFill>
+                  <a:srgbClr val="FF0000"/>
+                </a:solidFill>
+              </a:rPr>
+              <a:t>가운데값</a:t>
+            </a:r>
+            <a:r>
+              <a:rPr lang="ko-KR" altLang="en-US" sz="1400" dirty="0" smtClean="0">
+                <a:solidFill>
+                  <a:srgbClr val="FF0000"/>
+                </a:solidFill>
+              </a:rPr>
+              <a:t> </a:t>
+            </a:r>
+            <a:r>
+              <a:rPr lang="en-US" altLang="ko-KR" sz="1400" dirty="0" smtClean="0">
+                <a:solidFill>
+                  <a:srgbClr val="FF0000"/>
+                </a:solidFill>
+              </a:rPr>
+              <a:t>pivot</a:t>
+            </a:r>
+            <a:r>
+              <a:rPr lang="ko-KR" altLang="en-US" sz="1400" dirty="0" smtClean="0">
+                <a:solidFill>
+                  <a:srgbClr val="FF0000"/>
+                </a:solidFill>
+              </a:rPr>
+              <a:t>을</a:t>
+            </a:r>
+            <a:r>
+              <a:rPr lang="en-US" altLang="ko-KR" sz="1400" dirty="0" smtClean="0">
+                <a:solidFill>
+                  <a:srgbClr val="FF0000"/>
+                </a:solidFill>
+              </a:rPr>
+              <a:t> </a:t>
+            </a:r>
+            <a:r>
+              <a:rPr lang="ko-KR" altLang="en-US" sz="1400" dirty="0" smtClean="0">
+                <a:solidFill>
+                  <a:srgbClr val="FF0000"/>
+                </a:solidFill>
+              </a:rPr>
+              <a:t>얻고</a:t>
+            </a:r>
+            <a:endParaRPr lang="ko-KR" altLang="en-US" sz="1400" dirty="0">
+              <a:solidFill>
+                <a:srgbClr val="FF0000"/>
+              </a:solidFill>
+            </a:endParaRPr>
+          </a:p>
+        </p:txBody>
+      </p:sp>
+      <p:sp>
+        <p:nvSpPr>
+          <p:cNvPr id="49" name="TextBox 48"/>
+          <p:cNvSpPr txBox="1"/>
+          <p:nvPr/>
+        </p:nvSpPr>
+        <p:spPr>
+          <a:xfrm>
+            <a:off x="4716016" y="3068379"/>
+            <a:ext cx="3040063" cy="307777"/>
+          </a:xfrm>
+          <a:prstGeom prst="rect">
+            <a:avLst/>
+          </a:prstGeom>
+          <a:noFill/>
+        </p:spPr>
+        <p:txBody>
+          <a:bodyPr wrap="none" rtlCol="0">
+            <a:spAutoFit/>
+          </a:bodyPr>
+          <a:lstStyle/>
+          <a:p>
+            <a:r>
+              <a:rPr lang="en-US" altLang="ko-KR" sz="1400" dirty="0" smtClean="0">
+                <a:solidFill>
+                  <a:srgbClr val="FF0000"/>
+                </a:solidFill>
+              </a:rPr>
+              <a:t>Pivot</a:t>
+            </a:r>
+            <a:r>
+              <a:rPr lang="ko-KR" altLang="en-US" sz="1400" dirty="0" smtClean="0">
+                <a:solidFill>
+                  <a:srgbClr val="FF0000"/>
+                </a:solidFill>
+              </a:rPr>
+              <a:t>을 맨 앞쪽으로 옮긴다</a:t>
+            </a:r>
+            <a:r>
+              <a:rPr lang="en-US" altLang="ko-KR" sz="1400" dirty="0" smtClean="0">
+                <a:solidFill>
+                  <a:srgbClr val="FF0000"/>
+                </a:solidFill>
+              </a:rPr>
+              <a:t>(</a:t>
+            </a:r>
+            <a:r>
+              <a:rPr lang="ko-KR" altLang="en-US" sz="1400" dirty="0" smtClean="0">
+                <a:solidFill>
+                  <a:srgbClr val="FF0000"/>
+                </a:solidFill>
+              </a:rPr>
+              <a:t>바꾼다</a:t>
+            </a:r>
+            <a:r>
+              <a:rPr lang="en-US" altLang="ko-KR" sz="1400" dirty="0" smtClean="0">
+                <a:solidFill>
+                  <a:srgbClr val="FF0000"/>
+                </a:solidFill>
+              </a:rPr>
+              <a:t>)</a:t>
+            </a:r>
+            <a:endParaRPr lang="ko-KR" altLang="en-US" sz="1400" dirty="0">
+              <a:solidFill>
+                <a:srgbClr val="FF0000"/>
+              </a:solidFill>
+            </a:endParaRPr>
+          </a:p>
+        </p:txBody>
+      </p:sp>
+      <p:sp>
+        <p:nvSpPr>
+          <p:cNvPr id="5" name="TextBox 4"/>
+          <p:cNvSpPr txBox="1"/>
+          <p:nvPr/>
+        </p:nvSpPr>
+        <p:spPr>
+          <a:xfrm>
+            <a:off x="4325332" y="3933056"/>
+            <a:ext cx="3430747" cy="923330"/>
+          </a:xfrm>
+          <a:prstGeom prst="rect">
+            <a:avLst/>
+          </a:prstGeom>
+          <a:noFill/>
+        </p:spPr>
+        <p:txBody>
+          <a:bodyPr wrap="none" rtlCol="0">
+            <a:spAutoFit/>
+          </a:bodyPr>
+          <a:lstStyle/>
+          <a:p>
+            <a:r>
+              <a:rPr lang="ko-KR" altLang="en-US" dirty="0" smtClean="0"/>
+              <a:t>위처럼 두 줄만 넣어주면</a:t>
+            </a:r>
+            <a:endParaRPr lang="en-US" altLang="ko-KR" dirty="0" smtClean="0"/>
+          </a:p>
+          <a:p>
+            <a:r>
+              <a:rPr lang="ko-KR" altLang="en-US" dirty="0" smtClean="0"/>
+              <a:t>평균적으로 성능이 좋아진다고 </a:t>
+            </a:r>
+            <a:endParaRPr lang="en-US" altLang="ko-KR" dirty="0" smtClean="0"/>
+          </a:p>
+          <a:p>
+            <a:r>
+              <a:rPr lang="ko-KR" altLang="en-US" dirty="0" smtClean="0"/>
+              <a:t>합니다</a:t>
+            </a:r>
+            <a:r>
+              <a:rPr lang="en-US" altLang="ko-KR" dirty="0" smtClean="0"/>
+              <a:t>!!</a:t>
+            </a:r>
+            <a:endParaRPr lang="ko-KR" altLang="en-US" dirty="0"/>
+          </a:p>
+        </p:txBody>
+      </p:sp>
+      <p:sp>
+        <p:nvSpPr>
+          <p:cNvPr id="6" name="TextBox 5"/>
+          <p:cNvSpPr txBox="1"/>
+          <p:nvPr/>
+        </p:nvSpPr>
+        <p:spPr>
+          <a:xfrm>
+            <a:off x="539553" y="5301208"/>
+            <a:ext cx="8105745" cy="646331"/>
+          </a:xfrm>
+          <a:prstGeom prst="rect">
+            <a:avLst/>
+          </a:prstGeom>
+          <a:noFill/>
+        </p:spPr>
+        <p:txBody>
+          <a:bodyPr wrap="none" rtlCol="0">
+            <a:spAutoFit/>
+          </a:bodyPr>
+          <a:lstStyle/>
+          <a:p>
+            <a:r>
+              <a:rPr lang="en-US" altLang="ko-KR" dirty="0" smtClean="0"/>
+              <a:t>Quicksort</a:t>
+            </a:r>
+            <a:r>
+              <a:rPr lang="ko-KR" altLang="en-US" dirty="0" smtClean="0"/>
+              <a:t>는 정렬 알고리즘 중 성능이 꽤 좋다고 알려져 있고</a:t>
+            </a:r>
+            <a:endParaRPr lang="en-US" altLang="ko-KR" dirty="0" smtClean="0"/>
+          </a:p>
+          <a:p>
+            <a:r>
+              <a:rPr lang="en-US" altLang="ko-KR" dirty="0" smtClean="0"/>
+              <a:t>Worst case</a:t>
+            </a:r>
+            <a:r>
+              <a:rPr lang="ko-KR" altLang="en-US" dirty="0" smtClean="0"/>
+              <a:t>로 </a:t>
+            </a:r>
+            <a:r>
+              <a:rPr lang="ko-KR" altLang="en-US" dirty="0" err="1" smtClean="0"/>
+              <a:t>빅오를</a:t>
+            </a:r>
+            <a:r>
+              <a:rPr lang="ko-KR" altLang="en-US" dirty="0" smtClean="0"/>
+              <a:t> 따지는 다른 경우와 다르게 </a:t>
+            </a:r>
+            <a:r>
+              <a:rPr lang="en-US" altLang="ko-KR" dirty="0" smtClean="0"/>
+              <a:t>average case</a:t>
+            </a:r>
+            <a:r>
+              <a:rPr lang="ko-KR" altLang="en-US" dirty="0" smtClean="0"/>
+              <a:t>로 계산합니다</a:t>
+            </a:r>
+            <a:endParaRPr lang="ko-KR" altLang="en-US" dirty="0"/>
+          </a:p>
+        </p:txBody>
+      </p:sp>
+    </p:spTree>
+    <p:extLst>
+      <p:ext uri="{BB962C8B-B14F-4D97-AF65-F5344CB8AC3E}">
+        <p14:creationId xmlns:p14="http://schemas.microsoft.com/office/powerpoint/2010/main" val="1038516286"/>
       </p:ext>
     </p:extLst>
   </p:cSld>
